--- a/Courses/Applied-Programmer/Programming-Fundamentals/02-Типове-данни/06.Типове-данни-реални-типове-данни.pptx
+++ b/Courses/Applied-Programmer/Programming-Fundamentals/02-Типове-данни/06.Типове-данни-реални-типове-данни.pptx
@@ -206,160 +206,6 @@
 </p:cmAuthorLst>
 </file>
 
-<file path=ppt/comments/comment1.xml><?xml version="1.0" encoding="utf-8"?>
-<p:cmLst xmlns:a="http://schemas.openxmlformats.org/drawingml/2006/main" xmlns:r="http://schemas.openxmlformats.org/officeDocument/2006/relationships" xmlns:p="http://schemas.openxmlformats.org/presentationml/2006/main">
-  <p:cm authorId="1" dt="2018-01-15T00:06:48.933" idx="2">
-    <p:pos x="10" y="10"/>
-    <p:text>1 мин</p:text>
-    <p:extLst>
-      <p:ext uri="{C676402C-5697-4E1C-873F-D02D1690AC5C}">
-        <p15:threadingInfo xmlns:p15="http://schemas.microsoft.com/office/powerpoint/2012/main" timeZoneBias="-120"/>
-      </p:ext>
-    </p:extLst>
-  </p:cm>
-</p:cmLst>
-</file>
-
-<file path=ppt/comments/comment10.xml><?xml version="1.0" encoding="utf-8"?>
-<p:cmLst xmlns:a="http://schemas.openxmlformats.org/drawingml/2006/main" xmlns:r="http://schemas.openxmlformats.org/officeDocument/2006/relationships" xmlns:p="http://schemas.openxmlformats.org/presentationml/2006/main">
-  <p:cm authorId="1" dt="2018-01-15T00:21:56.269" idx="11">
-    <p:pos x="10" y="10"/>
-    <p:text>3 минути</p:text>
-    <p:extLst>
-      <p:ext uri="{C676402C-5697-4E1C-873F-D02D1690AC5C}">
-        <p15:threadingInfo xmlns:p15="http://schemas.microsoft.com/office/powerpoint/2012/main" timeZoneBias="-120"/>
-      </p:ext>
-    </p:extLst>
-  </p:cm>
-</p:cmLst>
-</file>
-
-<file path=ppt/comments/comment11.xml><?xml version="1.0" encoding="utf-8"?>
-<p:cmLst xmlns:a="http://schemas.openxmlformats.org/drawingml/2006/main" xmlns:r="http://schemas.openxmlformats.org/officeDocument/2006/relationships" xmlns:p="http://schemas.openxmlformats.org/presentationml/2006/main">
-  <p:cm authorId="1" dt="2018-01-15T00:23:28.191" idx="13">
-    <p:pos x="10" y="10"/>
-    <p:text>5 минути</p:text>
-    <p:extLst>
-      <p:ext uri="{C676402C-5697-4E1C-873F-D02D1690AC5C}">
-        <p15:threadingInfo xmlns:p15="http://schemas.microsoft.com/office/powerpoint/2012/main" timeZoneBias="-120"/>
-      </p:ext>
-    </p:extLst>
-  </p:cm>
-</p:cmLst>
-</file>
-
-<file path=ppt/comments/comment2.xml><?xml version="1.0" encoding="utf-8"?>
-<p:cmLst xmlns:a="http://schemas.openxmlformats.org/drawingml/2006/main" xmlns:r="http://schemas.openxmlformats.org/officeDocument/2006/relationships" xmlns:p="http://schemas.openxmlformats.org/presentationml/2006/main">
-  <p:cm authorId="1" dt="2018-01-15T00:19:57.738" idx="3">
-    <p:pos x="10" y="10"/>
-    <p:text>2 мин</p:text>
-    <p:extLst>
-      <p:ext uri="{C676402C-5697-4E1C-873F-D02D1690AC5C}">
-        <p15:threadingInfo xmlns:p15="http://schemas.microsoft.com/office/powerpoint/2012/main" timeZoneBias="-120"/>
-      </p:ext>
-    </p:extLst>
-  </p:cm>
-</p:cmLst>
-</file>
-
-<file path=ppt/comments/comment3.xml><?xml version="1.0" encoding="utf-8"?>
-<p:cmLst xmlns:a="http://schemas.openxmlformats.org/drawingml/2006/main" xmlns:r="http://schemas.openxmlformats.org/officeDocument/2006/relationships" xmlns:p="http://schemas.openxmlformats.org/presentationml/2006/main">
-  <p:cm authorId="1" dt="2018-01-15T00:20:06.129" idx="4">
-    <p:pos x="10" y="10"/>
-    <p:text>2 минути</p:text>
-    <p:extLst>
-      <p:ext uri="{C676402C-5697-4E1C-873F-D02D1690AC5C}">
-        <p15:threadingInfo xmlns:p15="http://schemas.microsoft.com/office/powerpoint/2012/main" timeZoneBias="-120"/>
-      </p:ext>
-    </p:extLst>
-  </p:cm>
-</p:cmLst>
-</file>
-
-<file path=ppt/comments/comment4.xml><?xml version="1.0" encoding="utf-8"?>
-<p:cmLst xmlns:a="http://schemas.openxmlformats.org/drawingml/2006/main" xmlns:r="http://schemas.openxmlformats.org/officeDocument/2006/relationships" xmlns:p="http://schemas.openxmlformats.org/presentationml/2006/main">
-  <p:cm authorId="1" dt="2018-01-15T00:20:18.629" idx="5">
-    <p:pos x="10" y="10"/>
-    <p:text>3 минути</p:text>
-    <p:extLst>
-      <p:ext uri="{C676402C-5697-4E1C-873F-D02D1690AC5C}">
-        <p15:threadingInfo xmlns:p15="http://schemas.microsoft.com/office/powerpoint/2012/main" timeZoneBias="-120"/>
-      </p:ext>
-    </p:extLst>
-  </p:cm>
-</p:cmLst>
-</file>
-
-<file path=ppt/comments/comment5.xml><?xml version="1.0" encoding="utf-8"?>
-<p:cmLst xmlns:a="http://schemas.openxmlformats.org/drawingml/2006/main" xmlns:r="http://schemas.openxmlformats.org/officeDocument/2006/relationships" xmlns:p="http://schemas.openxmlformats.org/presentationml/2006/main">
-  <p:cm authorId="1" dt="2018-01-15T00:20:45.894" idx="6">
-    <p:pos x="10" y="10"/>
-    <p:text>2 минути, припомнят се закръглянията</p:text>
-    <p:extLst>
-      <p:ext uri="{C676402C-5697-4E1C-873F-D02D1690AC5C}">
-        <p15:threadingInfo xmlns:p15="http://schemas.microsoft.com/office/powerpoint/2012/main" timeZoneBias="-120"/>
-      </p:ext>
-    </p:extLst>
-  </p:cm>
-</p:cmLst>
-</file>
-
-<file path=ppt/comments/comment6.xml><?xml version="1.0" encoding="utf-8"?>
-<p:cmLst xmlns:a="http://schemas.openxmlformats.org/drawingml/2006/main" xmlns:r="http://schemas.openxmlformats.org/officeDocument/2006/relationships" xmlns:p="http://schemas.openxmlformats.org/presentationml/2006/main">
-  <p:cm authorId="1" dt="2018-01-15T00:21:01.363" idx="7">
-    <p:pos x="10" y="10"/>
-    <p:text>5 минути</p:text>
-    <p:extLst>
-      <p:ext uri="{C676402C-5697-4E1C-873F-D02D1690AC5C}">
-        <p15:threadingInfo xmlns:p15="http://schemas.microsoft.com/office/powerpoint/2012/main" timeZoneBias="-120"/>
-      </p:ext>
-    </p:extLst>
-  </p:cm>
-</p:cmLst>
-</file>
-
-<file path=ppt/comments/comment7.xml><?xml version="1.0" encoding="utf-8"?>
-<p:cmLst xmlns:a="http://schemas.openxmlformats.org/drawingml/2006/main" xmlns:r="http://schemas.openxmlformats.org/officeDocument/2006/relationships" xmlns:p="http://schemas.openxmlformats.org/presentationml/2006/main">
-  <p:cm authorId="1" dt="2018-01-15T00:21:08.925" idx="8">
-    <p:pos x="10" y="10"/>
-    <p:text>2 минути</p:text>
-    <p:extLst>
-      <p:ext uri="{C676402C-5697-4E1C-873F-D02D1690AC5C}">
-        <p15:threadingInfo xmlns:p15="http://schemas.microsoft.com/office/powerpoint/2012/main" timeZoneBias="-120"/>
-      </p:ext>
-    </p:extLst>
-  </p:cm>
-</p:cmLst>
-</file>
-
-<file path=ppt/comments/comment8.xml><?xml version="1.0" encoding="utf-8"?>
-<p:cmLst xmlns:a="http://schemas.openxmlformats.org/drawingml/2006/main" xmlns:r="http://schemas.openxmlformats.org/officeDocument/2006/relationships" xmlns:p="http://schemas.openxmlformats.org/presentationml/2006/main">
-  <p:cm authorId="1" dt="2018-01-15T00:21:16.988" idx="9">
-    <p:pos x="10" y="10"/>
-    <p:text>7 минути</p:text>
-    <p:extLst>
-      <p:ext uri="{C676402C-5697-4E1C-873F-D02D1690AC5C}">
-        <p15:threadingInfo xmlns:p15="http://schemas.microsoft.com/office/powerpoint/2012/main" timeZoneBias="-120"/>
-      </p:ext>
-    </p:extLst>
-  </p:cm>
-</p:cmLst>
-</file>
-
-<file path=ppt/comments/comment9.xml><?xml version="1.0" encoding="utf-8"?>
-<p:cmLst xmlns:a="http://schemas.openxmlformats.org/drawingml/2006/main" xmlns:r="http://schemas.openxmlformats.org/officeDocument/2006/relationships" xmlns:p="http://schemas.openxmlformats.org/presentationml/2006/main">
-  <p:cm authorId="1" dt="2018-01-15T00:21:30.160" idx="10">
-    <p:pos x="10" y="10"/>
-    <p:text>8 минути</p:text>
-    <p:extLst>
-      <p:ext uri="{C676402C-5697-4E1C-873F-D02D1690AC5C}">
-        <p15:threadingInfo xmlns:p15="http://schemas.microsoft.com/office/powerpoint/2012/main" timeZoneBias="-120"/>
-      </p:ext>
-    </p:extLst>
-  </p:cm>
-</p:cmLst>
-</file>
-
 <file path=ppt/handoutMasters/handoutMaster1.xml><?xml version="1.0" encoding="utf-8"?>
 <p:handoutMaster xmlns:a="http://schemas.openxmlformats.org/drawingml/2006/main" xmlns:r="http://schemas.openxmlformats.org/officeDocument/2006/relationships" xmlns:p="http://schemas.openxmlformats.org/presentationml/2006/main">
   <p:cSld>
@@ -517,7 +363,7 @@
             <a:fld id="{FE5B4EDC-59C0-49C7-8ADA-5A781B329E02}" type="datetimeFigureOut">
               <a:rPr lang="en-US"/>
               <a:pPr/>
-              <a:t>16-Dec-19</a:t>
+              <a:t>10-Nov-20</a:t>
             </a:fld>
             <a:endParaRPr dirty="0"/>
           </a:p>
@@ -815,7 +661,7 @@
             <a:fld id="{F2D8D46A-B586-417D-BFBD-8C8FE0AAF762}" type="datetimeFigureOut">
               <a:rPr lang="en-US" smtClean="0"/>
               <a:pPr/>
-              <a:t>16-Dec-19</a:t>
+              <a:t>10-Nov-20</a:t>
             </a:fld>
             <a:endParaRPr lang="en-US" dirty="0"/>
           </a:p>
@@ -5393,7 +5239,12 @@
             <p:ph idx="1"/>
           </p:nvPr>
         </p:nvSpPr>
-        <p:spPr/>
+        <p:spPr>
+          <a:xfrm>
+            <a:off x="190413" y="1066800"/>
+            <a:ext cx="11804822" cy="5570355"/>
+          </a:xfrm>
+        </p:spPr>
         <p:txBody>
           <a:bodyPr>
             <a:normAutofit/>
@@ -5401,20 +5252,20 @@
           <a:lstStyle/>
           <a:p>
             <a:r>
-              <a:rPr lang="bg-BG" sz="3000" dirty="0"/>
+              <a:rPr lang="bg-BG" sz="3200" dirty="0"/>
               <a:t>Целочисленото деление и делението на числа с плаваща запетая са </a:t>
             </a:r>
             <a:r>
-              <a:rPr lang="bg-BG" sz="3000" dirty="0">
+              <a:rPr lang="bg-BG" sz="3200" dirty="0">
                 <a:solidFill>
                   <a:schemeClr val="tx2">
                     <a:lumMod val="75000"/>
                   </a:schemeClr>
                 </a:solidFill>
               </a:rPr>
-              <a:t>две различни неща</a:t>
-            </a:r>
-            <a:endParaRPr lang="en-US" sz="3000" dirty="0"/>
+              <a:t>различни операции</a:t>
+            </a:r>
+            <a:endParaRPr lang="en-US" sz="3200" dirty="0"/>
           </a:p>
         </p:txBody>
       </p:sp>
@@ -7206,7 +7057,7 @@
         </p:blipFill>
         <p:spPr bwMode="auto">
           <a:xfrm>
-            <a:off x="7826964" y="2910220"/>
+            <a:off x="8228012" y="2890335"/>
             <a:ext cx="2991848" cy="1814180"/>
           </a:xfrm>
           <a:prstGeom prst="roundRect">
@@ -7240,7 +7091,7 @@
         </p:blipFill>
         <p:spPr bwMode="auto">
           <a:xfrm>
-            <a:off x="10437812" y="2361293"/>
+            <a:off x="10609351" y="2191289"/>
             <a:ext cx="1097848" cy="1097848"/>
           </a:xfrm>
           <a:prstGeom prst="ellipse">
@@ -7257,7 +7108,7 @@
         </p:nvSpPr>
         <p:spPr>
           <a:xfrm rot="21146390">
-            <a:off x="8887754" y="5016270"/>
+            <a:off x="9218569" y="5185600"/>
             <a:ext cx="2438488" cy="923330"/>
           </a:xfrm>
           <a:prstGeom prst="rect">
@@ -9775,7 +9626,7 @@
             </a:r>
             <a:r>
               <a:rPr lang="bg-BG" dirty="0"/>
-              <a:t>Въпроси</a:t>
+              <a:t>въпроси</a:t>
             </a:r>
             <a:endParaRPr lang="en-US" dirty="0"/>
           </a:p>
@@ -12439,6 +12290,11 @@
             <a:endParaRPr lang="en-US" dirty="0"/>
           </a:p>
           <a:p>
+            <a:pPr>
+              <a:spcBef>
+                <a:spcPts val="1800"/>
+              </a:spcBef>
+            </a:pPr>
             <a:r>
               <a:rPr lang="bg-BG" dirty="0"/>
               <a:t>Забележете</a:t>
@@ -12601,7 +12457,7 @@
         </p:nvSpPr>
         <p:spPr bwMode="auto">
           <a:xfrm>
-            <a:off x="760412" y="2057400"/>
+            <a:off x="760412" y="2209800"/>
             <a:ext cx="10668000" cy="1717393"/>
           </a:xfrm>
           <a:prstGeom prst="rect">
@@ -12812,7 +12668,7 @@
         </p:blipFill>
         <p:spPr>
           <a:xfrm>
-            <a:off x="7608887" y="1676400"/>
+            <a:off x="7656498" y="1811196"/>
             <a:ext cx="4124325" cy="1257300"/>
           </a:xfrm>
           <a:prstGeom prst="rect">
@@ -14040,6 +13896,11 @@
             <a:endParaRPr lang="en-US" dirty="0"/>
           </a:p>
           <a:p>
+            <a:pPr>
+              <a:spcBef>
+                <a:spcPts val="1800"/>
+              </a:spcBef>
+            </a:pPr>
             <a:r>
               <a:rPr lang="bg-BG" dirty="0"/>
               <a:t>Примерно решение</a:t>
@@ -14228,7 +14089,7 @@
         </p:nvSpPr>
         <p:spPr bwMode="auto">
           <a:xfrm>
-            <a:off x="698586" y="2889315"/>
+            <a:off x="698586" y="2971800"/>
             <a:ext cx="990600" cy="692085"/>
           </a:xfrm>
           <a:prstGeom prst="rect">
@@ -14298,7 +14159,7 @@
         </p:nvSpPr>
         <p:spPr bwMode="auto">
           <a:xfrm>
-            <a:off x="2527386" y="2889315"/>
+            <a:off x="2527386" y="2971800"/>
             <a:ext cx="3319378" cy="692085"/>
           </a:xfrm>
           <a:prstGeom prst="rect">
@@ -14366,7 +14227,7 @@
         </p:nvSpPr>
         <p:spPr>
           <a:xfrm>
-            <a:off x="1898738" y="3031777"/>
+            <a:off x="1898738" y="3114262"/>
             <a:ext cx="457200" cy="381000"/>
           </a:xfrm>
           <a:prstGeom prst="rightArrow">
@@ -14408,7 +14269,7 @@
         </p:nvSpPr>
         <p:spPr bwMode="auto">
           <a:xfrm>
-            <a:off x="6532564" y="2889315"/>
+            <a:off x="6532564" y="2971800"/>
             <a:ext cx="990600" cy="692085"/>
           </a:xfrm>
           <a:prstGeom prst="rect">
@@ -14478,7 +14339,7 @@
         </p:nvSpPr>
         <p:spPr bwMode="auto">
           <a:xfrm>
-            <a:off x="8361364" y="2889315"/>
+            <a:off x="8361364" y="2971800"/>
             <a:ext cx="3124200" cy="692085"/>
           </a:xfrm>
           <a:prstGeom prst="rect">
@@ -14546,7 +14407,7 @@
         </p:nvSpPr>
         <p:spPr>
           <a:xfrm>
-            <a:off x="7732716" y="3031777"/>
+            <a:off x="7732716" y="3114262"/>
             <a:ext cx="457200" cy="381000"/>
           </a:xfrm>
           <a:prstGeom prst="rightArrow">
@@ -14678,7 +14539,12 @@
             <p:ph idx="1"/>
           </p:nvPr>
         </p:nvSpPr>
-        <p:spPr/>
+        <p:spPr>
+          <a:xfrm>
+            <a:off x="190413" y="1066800"/>
+            <a:ext cx="11804822" cy="5570355"/>
+          </a:xfrm>
+        </p:spPr>
         <p:txBody>
           <a:bodyPr/>
           <a:lstStyle/>
@@ -14707,8 +14573,11 @@
             </a:r>
             <a:r>
               <a:rPr lang="bg-BG" dirty="0"/>
-              <a:t>например: </a:t>
-            </a:r>
+              <a:t>например:</a:t>
+            </a:r>
+            <a:br>
+              <a:rPr lang="bg-BG" dirty="0"/>
+            </a:br>
             <a:r>
               <a:rPr lang="en-US" b="1" dirty="0">
                 <a:solidFill>
@@ -14816,7 +14685,7 @@
         </p:nvSpPr>
         <p:spPr bwMode="auto">
           <a:xfrm>
-            <a:off x="912812" y="2971800"/>
+            <a:off x="912812" y="3002947"/>
             <a:ext cx="10363200" cy="3397853"/>
           </a:xfrm>
           <a:prstGeom prst="rect">

--- a/Courses/Applied-Programmer/Programming-Fundamentals/02-Типове-данни/06.Типове-данни-реални-типове-данни.pptx
+++ b/Courses/Applied-Programmer/Programming-Fundamentals/02-Типове-данни/06.Типове-данни-реални-типове-данни.pptx
@@ -363,7 +363,7 @@
             <a:fld id="{FE5B4EDC-59C0-49C7-8ADA-5A781B329E02}" type="datetimeFigureOut">
               <a:rPr lang="en-US"/>
               <a:pPr/>
-              <a:t>10-Nov-20</a:t>
+              <a:t>11-Nov-20</a:t>
             </a:fld>
             <a:endParaRPr dirty="0"/>
           </a:p>
@@ -661,7 +661,7 @@
             <a:fld id="{F2D8D46A-B586-417D-BFBD-8C8FE0AAF762}" type="datetimeFigureOut">
               <a:rPr lang="en-US" smtClean="0"/>
               <a:pPr/>
-              <a:t>10-Nov-20</a:t>
+              <a:t>11-Nov-20</a:t>
             </a:fld>
             <a:endParaRPr lang="en-US" dirty="0"/>
           </a:p>
@@ -6086,6 +6086,13 @@
   <p:clrMapOvr>
     <a:masterClrMapping/>
   </p:clrMapOvr>
+  <p:timing>
+    <p:tnLst>
+      <p:par>
+        <p:cTn id="1" dur="indefinite" restart="never" nodeType="tmRoot"/>
+      </p:par>
+    </p:tnLst>
+  </p:timing>
 </p:sld>
 </file>
 
@@ -6743,6 +6750,13 @@
     <a:masterClrMapping/>
   </p:clrMapOvr>
   <p:transition/>
+  <p:timing>
+    <p:tnLst>
+      <p:par>
+        <p:cTn id="1" dur="indefinite" restart="never" nodeType="tmRoot"/>
+      </p:par>
+    </p:tnLst>
+  </p:timing>
 </p:sld>
 </file>
 
@@ -7253,6 +7267,13 @@
     <a:masterClrMapping/>
   </p:clrMapOvr>
   <p:transition/>
+  <p:timing>
+    <p:tnLst>
+      <p:par>
+        <p:cTn id="1" dur="indefinite" restart="never" nodeType="tmRoot"/>
+      </p:par>
+    </p:tnLst>
+  </p:timing>
 </p:sld>
 </file>
 
@@ -7919,6 +7940,61 @@
           </a:p>
         </p:txBody>
       </p:sp>
+      <p:sp>
+        <p:nvSpPr>
+          <p:cNvPr id="2" name="Rectangle 1"/>
+          <p:cNvSpPr/>
+          <p:nvPr/>
+        </p:nvSpPr>
+        <p:spPr>
+          <a:xfrm>
+            <a:off x="2436812" y="6396335"/>
+            <a:ext cx="8447400" cy="461665"/>
+          </a:xfrm>
+          <a:prstGeom prst="rect">
+            <a:avLst/>
+          </a:prstGeom>
+        </p:spPr>
+        <p:txBody>
+          <a:bodyPr wrap="square">
+            <a:spAutoFit/>
+          </a:bodyPr>
+          <a:lstStyle/>
+          <a:p>
+            <a:r>
+              <a:rPr lang="bg-BG" dirty="0"/>
+              <a:t>Тествайте </a:t>
+            </a:r>
+            <a:r>
+              <a:rPr lang="bg-BG" dirty="0" smtClean="0"/>
+              <a:t>в</a:t>
+            </a:r>
+            <a:r>
+              <a:rPr lang="en-US" dirty="0" smtClean="0"/>
+              <a:t> Judge: </a:t>
+            </a:r>
+            <a:r>
+              <a:rPr lang="en-US" dirty="0" smtClean="0">
+                <a:hlinkClick r:id="rId2"/>
+              </a:rPr>
+              <a:t>https</a:t>
+            </a:r>
+            <a:r>
+              <a:rPr lang="en-US" dirty="0">
+                <a:hlinkClick r:id="rId2"/>
+              </a:rPr>
+              <a:t>://</a:t>
+            </a:r>
+            <a:r>
+              <a:rPr lang="en-US" dirty="0" smtClean="0">
+                <a:hlinkClick r:id="rId2"/>
+              </a:rPr>
+              <a:t>judge.softuni.bg/Contests/2648</a:t>
+            </a:r>
+            <a:endParaRPr lang="en-US" dirty="0"/>
+          </a:p>
+        </p:txBody>
+      </p:sp>
     </p:spTree>
     <p:extLst>
       <p:ext uri="{BB962C8B-B14F-4D97-AF65-F5344CB8AC3E}">
@@ -7929,6 +8005,13 @@
   <p:clrMapOvr>
     <a:masterClrMapping/>
   </p:clrMapOvr>
+  <p:timing>
+    <p:tnLst>
+      <p:par>
+        <p:cTn id="1" dur="indefinite" restart="never" nodeType="tmRoot"/>
+      </p:par>
+    </p:tnLst>
+  </p:timing>
 </p:sld>
 </file>
 
@@ -10309,6 +10392,13 @@
   <p:clrMapOvr>
     <a:masterClrMapping/>
   </p:clrMapOvr>
+  <p:timing>
+    <p:tnLst>
+      <p:par>
+        <p:cTn id="1" dur="indefinite" restart="never" nodeType="tmRoot"/>
+      </p:par>
+    </p:tnLst>
+  </p:timing>
 </p:sld>
 </file>
 
@@ -10807,6 +10897,13 @@
   <p:clrMapOvr>
     <a:masterClrMapping/>
   </p:clrMapOvr>
+  <p:timing>
+    <p:tnLst>
+      <p:par>
+        <p:cTn id="1" dur="indefinite" restart="never" nodeType="tmRoot"/>
+      </p:par>
+    </p:tnLst>
+  </p:timing>
 </p:sld>
 </file>
 
@@ -12747,6 +12844,13 @@
     <a:masterClrMapping/>
   </p:clrMapOvr>
   <p:transition/>
+  <p:timing>
+    <p:tnLst>
+      <p:par>
+        <p:cTn id="1" dur="indefinite" restart="never" nodeType="tmRoot"/>
+      </p:par>
+    </p:tnLst>
+  </p:timing>
 </p:sld>
 </file>
 
@@ -14499,6 +14603,202 @@
           </a:p>
         </p:txBody>
       </p:sp>
+      <p:sp>
+        <p:nvSpPr>
+          <p:cNvPr id="15" name="Текстово поле 8">
+            <a:extLst>
+              <a:ext uri="{FF2B5EF4-FFF2-40B4-BE49-F238E27FC236}">
+                <a16:creationId xmlns:a16="http://schemas.microsoft.com/office/drawing/2014/main" id="{B775C725-2D35-46A8-AC07-A0FDF9684789}"/>
+              </a:ext>
+            </a:extLst>
+          </p:cNvPr>
+          <p:cNvSpPr txBox="1"/>
+          <p:nvPr/>
+        </p:nvSpPr>
+        <p:spPr>
+          <a:xfrm>
+            <a:off x="646112" y="6172200"/>
+            <a:ext cx="10820400" cy="470000"/>
+          </a:xfrm>
+          <a:prstGeom prst="rect">
+            <a:avLst/>
+          </a:prstGeom>
+          <a:noFill/>
+        </p:spPr>
+        <p:txBody>
+          <a:bodyPr wrap="square">
+            <a:spAutoFit/>
+          </a:bodyPr>
+          <a:lstStyle>
+            <a:defPPr>
+              <a:defRPr lang="en-US"/>
+            </a:defPPr>
+            <a:lvl1pPr marL="0" algn="l" defTabSz="1218987" rtl="0" eaLnBrk="1" latinLnBrk="0" hangingPunct="1">
+              <a:defRPr sz="2400" kern="1200">
+                <a:solidFill>
+                  <a:schemeClr val="tx1"/>
+                </a:solidFill>
+                <a:latin typeface="+mn-lt"/>
+                <a:ea typeface="+mn-ea"/>
+                <a:cs typeface="+mn-cs"/>
+              </a:defRPr>
+            </a:lvl1pPr>
+            <a:lvl2pPr marL="609493" algn="l" defTabSz="1218987" rtl="0" eaLnBrk="1" latinLnBrk="0" hangingPunct="1">
+              <a:defRPr sz="2400" kern="1200">
+                <a:solidFill>
+                  <a:schemeClr val="tx1"/>
+                </a:solidFill>
+                <a:latin typeface="+mn-lt"/>
+                <a:ea typeface="+mn-ea"/>
+                <a:cs typeface="+mn-cs"/>
+              </a:defRPr>
+            </a:lvl2pPr>
+            <a:lvl3pPr marL="1218987" algn="l" defTabSz="1218987" rtl="0" eaLnBrk="1" latinLnBrk="0" hangingPunct="1">
+              <a:defRPr sz="2400" kern="1200">
+                <a:solidFill>
+                  <a:schemeClr val="tx1"/>
+                </a:solidFill>
+                <a:latin typeface="+mn-lt"/>
+                <a:ea typeface="+mn-ea"/>
+                <a:cs typeface="+mn-cs"/>
+              </a:defRPr>
+            </a:lvl3pPr>
+            <a:lvl4pPr marL="1828480" algn="l" defTabSz="1218987" rtl="0" eaLnBrk="1" latinLnBrk="0" hangingPunct="1">
+              <a:defRPr sz="2400" kern="1200">
+                <a:solidFill>
+                  <a:schemeClr val="tx1"/>
+                </a:solidFill>
+                <a:latin typeface="+mn-lt"/>
+                <a:ea typeface="+mn-ea"/>
+                <a:cs typeface="+mn-cs"/>
+              </a:defRPr>
+            </a:lvl4pPr>
+            <a:lvl5pPr marL="2437973" algn="l" defTabSz="1218987" rtl="0" eaLnBrk="1" latinLnBrk="0" hangingPunct="1">
+              <a:defRPr sz="2400" kern="1200">
+                <a:solidFill>
+                  <a:schemeClr val="tx1"/>
+                </a:solidFill>
+                <a:latin typeface="+mn-lt"/>
+                <a:ea typeface="+mn-ea"/>
+                <a:cs typeface="+mn-cs"/>
+              </a:defRPr>
+            </a:lvl5pPr>
+            <a:lvl6pPr marL="3047467" algn="l" defTabSz="1218987" rtl="0" eaLnBrk="1" latinLnBrk="0" hangingPunct="1">
+              <a:defRPr sz="2400" kern="1200">
+                <a:solidFill>
+                  <a:schemeClr val="tx1"/>
+                </a:solidFill>
+                <a:latin typeface="+mn-lt"/>
+                <a:ea typeface="+mn-ea"/>
+                <a:cs typeface="+mn-cs"/>
+              </a:defRPr>
+            </a:lvl6pPr>
+            <a:lvl7pPr marL="3656960" algn="l" defTabSz="1218987" rtl="0" eaLnBrk="1" latinLnBrk="0" hangingPunct="1">
+              <a:defRPr sz="2400" kern="1200">
+                <a:solidFill>
+                  <a:schemeClr val="tx1"/>
+                </a:solidFill>
+                <a:latin typeface="+mn-lt"/>
+                <a:ea typeface="+mn-ea"/>
+                <a:cs typeface="+mn-cs"/>
+              </a:defRPr>
+            </a:lvl7pPr>
+            <a:lvl8pPr marL="4266453" algn="l" defTabSz="1218987" rtl="0" eaLnBrk="1" latinLnBrk="0" hangingPunct="1">
+              <a:defRPr sz="2400" kern="1200">
+                <a:solidFill>
+                  <a:schemeClr val="tx1"/>
+                </a:solidFill>
+                <a:latin typeface="+mn-lt"/>
+                <a:ea typeface="+mn-ea"/>
+                <a:cs typeface="+mn-cs"/>
+              </a:defRPr>
+            </a:lvl8pPr>
+            <a:lvl9pPr marL="4875947" algn="l" defTabSz="1218987" rtl="0" eaLnBrk="1" latinLnBrk="0" hangingPunct="1">
+              <a:defRPr sz="2400" kern="1200">
+                <a:solidFill>
+                  <a:schemeClr val="tx1"/>
+                </a:solidFill>
+                <a:latin typeface="+mn-lt"/>
+                <a:ea typeface="+mn-ea"/>
+                <a:cs typeface="+mn-cs"/>
+              </a:defRPr>
+            </a:lvl9pPr>
+          </a:lstStyle>
+          <a:p>
+            <a:pPr marL="0" marR="0" algn="ctr">
+              <a:lnSpc>
+                <a:spcPct val="107000"/>
+              </a:lnSpc>
+              <a:spcBef>
+                <a:spcPts val="0"/>
+              </a:spcBef>
+              <a:spcAft>
+                <a:spcPts val="0"/>
+              </a:spcAft>
+            </a:pPr>
+            <a:r>
+              <a:rPr lang="bg-BG" sz="2400" dirty="0">
+                <a:effectLst/>
+                <a:latin typeface="Calibri" panose="020F0502020204030204" pitchFamily="34" charset="0"/>
+                <a:ea typeface="Calibri" panose="020F0502020204030204" pitchFamily="34" charset="0"/>
+                <a:cs typeface="Times New Roman" panose="02020603050405020304" pitchFamily="18" charset="0"/>
+              </a:rPr>
+              <a:t>Тествайте в </a:t>
+            </a:r>
+            <a:r>
+              <a:rPr lang="en-US" sz="2400" dirty="0" smtClean="0">
+                <a:effectLst/>
+                <a:latin typeface="Calibri" panose="020F0502020204030204" pitchFamily="34" charset="0"/>
+                <a:ea typeface="Calibri" panose="020F0502020204030204" pitchFamily="34" charset="0"/>
+                <a:cs typeface="Times New Roman" panose="02020603050405020304" pitchFamily="18" charset="0"/>
+              </a:rPr>
+              <a:t>Judge: </a:t>
+            </a:r>
+            <a:r>
+              <a:rPr lang="en-US" u="sng" dirty="0" smtClean="0">
+                <a:solidFill>
+                  <a:srgbClr val="0563C1"/>
+                </a:solidFill>
+                <a:latin typeface="Calibri" panose="020F0502020204030204" pitchFamily="34" charset="0"/>
+                <a:ea typeface="Calibri" panose="020F0502020204030204" pitchFamily="34" charset="0"/>
+                <a:cs typeface="Times New Roman" panose="02020603050405020304" pitchFamily="18" charset="0"/>
+                <a:hlinkClick r:id="rId2"/>
+              </a:rPr>
+              <a:t>https</a:t>
+            </a:r>
+            <a:r>
+              <a:rPr lang="en-US" u="sng" dirty="0">
+                <a:solidFill>
+                  <a:srgbClr val="0563C1"/>
+                </a:solidFill>
+                <a:latin typeface="Calibri" panose="020F0502020204030204" pitchFamily="34" charset="0"/>
+                <a:ea typeface="Calibri" panose="020F0502020204030204" pitchFamily="34" charset="0"/>
+                <a:cs typeface="Times New Roman" panose="02020603050405020304" pitchFamily="18" charset="0"/>
+                <a:hlinkClick r:id="rId2"/>
+              </a:rPr>
+              <a:t>://</a:t>
+            </a:r>
+            <a:r>
+              <a:rPr lang="en-US" u="sng" dirty="0" smtClean="0">
+                <a:solidFill>
+                  <a:srgbClr val="0563C1"/>
+                </a:solidFill>
+                <a:latin typeface="Calibri" panose="020F0502020204030204" pitchFamily="34" charset="0"/>
+                <a:ea typeface="Calibri" panose="020F0502020204030204" pitchFamily="34" charset="0"/>
+                <a:cs typeface="Times New Roman" panose="02020603050405020304" pitchFamily="18" charset="0"/>
+                <a:hlinkClick r:id="rId2"/>
+              </a:rPr>
+              <a:t>judge.softuni.bg/Contests/2648</a:t>
+            </a:r>
+            <a:endParaRPr lang="en-US" sz="2400" dirty="0">
+              <a:effectLst/>
+              <a:latin typeface="Calibri" panose="020F0502020204030204" pitchFamily="34" charset="0"/>
+              <a:ea typeface="Calibri" panose="020F0502020204030204" pitchFamily="34" charset="0"/>
+              <a:cs typeface="Times New Roman" panose="02020603050405020304" pitchFamily="18" charset="0"/>
+            </a:endParaRPr>
+          </a:p>
+        </p:txBody>
+      </p:sp>
     </p:spTree>
     <p:extLst>
       <p:ext uri="{BB962C8B-B14F-4D97-AF65-F5344CB8AC3E}">
@@ -14509,6 +14809,13 @@
   <p:clrMapOvr>
     <a:masterClrMapping/>
   </p:clrMapOvr>
+  <p:timing>
+    <p:tnLst>
+      <p:par>
+        <p:cTn id="1" dur="indefinite" restart="never" nodeType="tmRoot"/>
+      </p:par>
+    </p:tnLst>
+  </p:timing>
 </p:sld>
 </file>
 
@@ -15033,6 +15340,13 @@
   <p:clrMapOvr>
     <a:masterClrMapping/>
   </p:clrMapOvr>
+  <p:timing>
+    <p:tnLst>
+      <p:par>
+        <p:cTn id="1" dur="indefinite" restart="never" nodeType="tmRoot"/>
+      </p:par>
+    </p:tnLst>
+  </p:timing>
 </p:sld>
 </file>
 

--- a/Courses/Applied-Programmer/Programming-Fundamentals/02-Типове-данни/06.Типове-данни-реални-типове-данни.pptx
+++ b/Courses/Applied-Programmer/Programming-Fundamentals/02-Типове-данни/06.Типове-данни-реални-типове-данни.pptx
@@ -363,7 +363,7 @@
             <a:fld id="{FE5B4EDC-59C0-49C7-8ADA-5A781B329E02}" type="datetimeFigureOut">
               <a:rPr lang="en-US"/>
               <a:pPr/>
-              <a:t>11-Nov-20</a:t>
+              <a:t>19-Nov-20</a:t>
             </a:fld>
             <a:endParaRPr dirty="0"/>
           </a:p>
@@ -661,7 +661,7 @@
             <a:fld id="{F2D8D46A-B586-417D-BFBD-8C8FE0AAF762}" type="datetimeFigureOut">
               <a:rPr lang="en-US" smtClean="0"/>
               <a:pPr/>
-              <a:t>11-Nov-20</a:t>
+              <a:t>19-Nov-20</a:t>
             </a:fld>
             <a:endParaRPr lang="en-US" dirty="0"/>
           </a:p>
@@ -4346,10 +4346,10 @@
         </p:nvGrpSpPr>
         <p:grpSpPr>
           <a:xfrm>
-            <a:off x="760412" y="3764992"/>
-            <a:ext cx="5043827" cy="2524722"/>
-            <a:chOff x="745783" y="3624633"/>
-            <a:chExt cx="5043827" cy="2524722"/>
+            <a:off x="227012" y="3764992"/>
+            <a:ext cx="5577227" cy="2509068"/>
+            <a:chOff x="212383" y="3624633"/>
+            <a:chExt cx="5577227" cy="2509068"/>
           </a:xfrm>
         </p:grpSpPr>
         <p:pic>
@@ -4406,7 +4406,7 @@
           </p:blipFill>
           <p:spPr bwMode="auto">
             <a:xfrm>
-              <a:off x="745783" y="4076772"/>
+              <a:off x="241094" y="4117435"/>
               <a:ext cx="2175525" cy="761165"/>
             </a:xfrm>
             <a:prstGeom prst="roundRect">
@@ -4445,7 +4445,7 @@
           </p:nvSpPr>
           <p:spPr bwMode="auto">
             <a:xfrm>
-              <a:off x="760413" y="4998598"/>
+              <a:off x="241094" y="4898379"/>
               <a:ext cx="3187614" cy="444343"/>
             </a:xfrm>
             <a:prstGeom prst="rect">
@@ -4680,7 +4680,7 @@
                 <a:t>Учителски</a:t>
               </a:r>
               <a:r>
-                <a:rPr lang="bg-BG"/>
+                <a:rPr lang="bg-BG" dirty="0"/>
                 <a:t> екип</a:t>
               </a:r>
             </a:p>
@@ -4702,7 +4702,7 @@
           </p:nvSpPr>
           <p:spPr bwMode="auto">
             <a:xfrm>
-              <a:off x="760412" y="5403725"/>
+              <a:off x="212383" y="5332371"/>
               <a:ext cx="3187613" cy="382788"/>
             </a:xfrm>
             <a:prstGeom prst="rect">
@@ -4936,7 +4936,7 @@
             </a:lstStyle>
             <a:p>
               <a:r>
-                <a:rPr lang="bg-BG"/>
+                <a:rPr lang="bg-BG" dirty="0"/>
                 <a:t>Обучение за ИТ кариера</a:t>
               </a:r>
             </a:p>
@@ -4958,7 +4958,7 @@
           </p:nvSpPr>
           <p:spPr bwMode="auto">
             <a:xfrm>
-              <a:off x="760412" y="5690893"/>
+              <a:off x="212383" y="5675239"/>
               <a:ext cx="3810000" cy="458462"/>
             </a:xfrm>
             <a:prstGeom prst="rect">
@@ -5189,16 +5189,151 @@
             </a:lstStyle>
             <a:p>
               <a:r>
-                <a:rPr lang="en-GB">
+                <a:rPr lang="en-GB" dirty="0">
                   <a:hlinkClick r:id="rId7"/>
                 </a:rPr>
                 <a:t>https://it-kariera.mon.bg/e-learning/</a:t>
               </a:r>
-              <a:endParaRPr lang="en-GB"/>
+              <a:endParaRPr lang="en-GB" dirty="0"/>
             </a:p>
           </p:txBody>
         </p:sp>
       </p:grpSp>
+      <p:sp>
+        <p:nvSpPr>
+          <p:cNvPr id="15" name="Text Placeholder 11">
+            <a:extLst>
+              <a:ext uri="{FF2B5EF4-FFF2-40B4-BE49-F238E27FC236}">
+                <a16:creationId xmlns:a16="http://schemas.microsoft.com/office/drawing/2014/main" id="{3EBC1EF1-60EA-4A3E-B2D8-D3161D8FEFB6}"/>
+              </a:ext>
+            </a:extLst>
+          </p:cNvPr>
+          <p:cNvSpPr txBox="1">
+            <a:spLocks/>
+          </p:cNvSpPr>
+          <p:nvPr/>
+        </p:nvSpPr>
+        <p:spPr bwMode="auto">
+          <a:xfrm>
+            <a:off x="227012" y="6317678"/>
+            <a:ext cx="11885613" cy="349702"/>
+          </a:xfrm>
+          <a:prstGeom prst="rect">
+            <a:avLst/>
+          </a:prstGeom>
+          <a:noFill/>
+          <a:effectLst/>
+        </p:spPr>
+        <p:txBody>
+          <a:bodyPr vert="horz" wrap="square" lIns="36000" tIns="36000" rIns="36000" bIns="36000" rtlCol="0" anchor="ctr" anchorCtr="0">
+            <a:spAutoFit/>
+          </a:bodyPr>
+          <a:lstStyle>
+            <a:defPPr>
+              <a:defRPr lang="en-US"/>
+            </a:defPPr>
+            <a:lvl1pPr marL="0" algn="l" defTabSz="1218987" rtl="0" eaLnBrk="1" latinLnBrk="0" hangingPunct="1">
+              <a:defRPr sz="2400" kern="1200">
+                <a:solidFill>
+                  <a:schemeClr val="tx1"/>
+                </a:solidFill>
+                <a:latin typeface="+mn-lt"/>
+                <a:ea typeface="+mn-ea"/>
+                <a:cs typeface="+mn-cs"/>
+              </a:defRPr>
+            </a:lvl1pPr>
+            <a:lvl2pPr marL="609493" algn="l" defTabSz="1218987" rtl="0" eaLnBrk="1" latinLnBrk="0" hangingPunct="1">
+              <a:defRPr sz="2400" kern="1200">
+                <a:solidFill>
+                  <a:schemeClr val="tx1"/>
+                </a:solidFill>
+                <a:latin typeface="+mn-lt"/>
+                <a:ea typeface="+mn-ea"/>
+                <a:cs typeface="+mn-cs"/>
+              </a:defRPr>
+            </a:lvl2pPr>
+            <a:lvl3pPr marL="1218987" algn="l" defTabSz="1218987" rtl="0" eaLnBrk="1" latinLnBrk="0" hangingPunct="1">
+              <a:defRPr sz="2400" kern="1200">
+                <a:solidFill>
+                  <a:schemeClr val="tx1"/>
+                </a:solidFill>
+                <a:latin typeface="+mn-lt"/>
+                <a:ea typeface="+mn-ea"/>
+                <a:cs typeface="+mn-cs"/>
+              </a:defRPr>
+            </a:lvl3pPr>
+            <a:lvl4pPr marL="1828480" algn="l" defTabSz="1218987" rtl="0" eaLnBrk="1" latinLnBrk="0" hangingPunct="1">
+              <a:defRPr sz="2400" kern="1200">
+                <a:solidFill>
+                  <a:schemeClr val="tx1"/>
+                </a:solidFill>
+                <a:latin typeface="+mn-lt"/>
+                <a:ea typeface="+mn-ea"/>
+                <a:cs typeface="+mn-cs"/>
+              </a:defRPr>
+            </a:lvl4pPr>
+            <a:lvl5pPr marL="2437973" algn="l" defTabSz="1218987" rtl="0" eaLnBrk="1" latinLnBrk="0" hangingPunct="1">
+              <a:defRPr sz="2400" kern="1200">
+                <a:solidFill>
+                  <a:schemeClr val="tx1"/>
+                </a:solidFill>
+                <a:latin typeface="+mn-lt"/>
+                <a:ea typeface="+mn-ea"/>
+                <a:cs typeface="+mn-cs"/>
+              </a:defRPr>
+            </a:lvl5pPr>
+            <a:lvl6pPr marL="3047467" algn="l" defTabSz="1218987" rtl="0" eaLnBrk="1" latinLnBrk="0" hangingPunct="1">
+              <a:defRPr sz="2400" kern="1200">
+                <a:solidFill>
+                  <a:schemeClr val="tx1"/>
+                </a:solidFill>
+                <a:latin typeface="+mn-lt"/>
+                <a:ea typeface="+mn-ea"/>
+                <a:cs typeface="+mn-cs"/>
+              </a:defRPr>
+            </a:lvl6pPr>
+            <a:lvl7pPr marL="3656960" algn="l" defTabSz="1218987" rtl="0" eaLnBrk="1" latinLnBrk="0" hangingPunct="1">
+              <a:defRPr sz="2400" kern="1200">
+                <a:solidFill>
+                  <a:schemeClr val="tx1"/>
+                </a:solidFill>
+                <a:latin typeface="+mn-lt"/>
+                <a:ea typeface="+mn-ea"/>
+                <a:cs typeface="+mn-cs"/>
+              </a:defRPr>
+            </a:lvl7pPr>
+            <a:lvl8pPr marL="4266453" algn="l" defTabSz="1218987" rtl="0" eaLnBrk="1" latinLnBrk="0" hangingPunct="1">
+              <a:defRPr sz="2400" kern="1200">
+                <a:solidFill>
+                  <a:schemeClr val="tx1"/>
+                </a:solidFill>
+                <a:latin typeface="+mn-lt"/>
+                <a:ea typeface="+mn-ea"/>
+                <a:cs typeface="+mn-cs"/>
+              </a:defRPr>
+            </a:lvl8pPr>
+            <a:lvl9pPr marL="4875947" algn="l" defTabSz="1218987" rtl="0" eaLnBrk="1" latinLnBrk="0" hangingPunct="1">
+              <a:defRPr sz="2400" kern="1200">
+                <a:solidFill>
+                  <a:schemeClr val="tx1"/>
+                </a:solidFill>
+                <a:latin typeface="+mn-lt"/>
+                <a:ea typeface="+mn-ea"/>
+                <a:cs typeface="+mn-cs"/>
+              </a:defRPr>
+            </a:lvl9pPr>
+          </a:lstStyle>
+          <a:p>
+            <a:r>
+              <a:rPr lang="en-US" sz="1800" b="1" dirty="0">
+                <a:hlinkClick r:id="rId8"/>
+              </a:rPr>
+              <a:t>https://github.com/BG-IT-Edu/School-Programming/tree/main/Courses/Applied-Programmer/Programming-Fundamentals</a:t>
+            </a:r>
+            <a:endParaRPr lang="en-GB" sz="1800" b="1" dirty="0"/>
+          </a:p>
+        </p:txBody>
+      </p:sp>
     </p:spTree>
     <p:extLst>
       <p:ext uri="{BB962C8B-B14F-4D97-AF65-F5344CB8AC3E}">
@@ -6086,13 +6221,6 @@
   <p:clrMapOvr>
     <a:masterClrMapping/>
   </p:clrMapOvr>
-  <p:timing>
-    <p:tnLst>
-      <p:par>
-        <p:cTn id="1" dur="indefinite" restart="never" nodeType="tmRoot"/>
-      </p:par>
-    </p:tnLst>
-  </p:timing>
 </p:sld>
 </file>
 
@@ -6750,13 +6878,6 @@
     <a:masterClrMapping/>
   </p:clrMapOvr>
   <p:transition/>
-  <p:timing>
-    <p:tnLst>
-      <p:par>
-        <p:cTn id="1" dur="indefinite" restart="never" nodeType="tmRoot"/>
-      </p:par>
-    </p:tnLst>
-  </p:timing>
 </p:sld>
 </file>
 
@@ -7267,13 +7388,6 @@
     <a:masterClrMapping/>
   </p:clrMapOvr>
   <p:transition/>
-  <p:timing>
-    <p:tnLst>
-      <p:par>
-        <p:cTn id="1" dur="indefinite" restart="never" nodeType="tmRoot"/>
-      </p:par>
-    </p:tnLst>
-  </p:timing>
 </p:sld>
 </file>
 
@@ -7963,33 +8077,17 @@
           <a:p>
             <a:r>
               <a:rPr lang="bg-BG" dirty="0"/>
-              <a:t>Тествайте </a:t>
-            </a:r>
-            <a:r>
-              <a:rPr lang="bg-BG" dirty="0" smtClean="0"/>
-              <a:t>в</a:t>
-            </a:r>
-            <a:r>
-              <a:rPr lang="en-US" dirty="0" smtClean="0"/>
+              <a:t>Тествайте в</a:t>
+            </a:r>
+            <a:r>
+              <a:rPr lang="en-US" dirty="0"/>
               <a:t> Judge: </a:t>
-            </a:r>
-            <a:r>
-              <a:rPr lang="en-US" dirty="0" smtClean="0">
-                <a:hlinkClick r:id="rId2"/>
-              </a:rPr>
-              <a:t>https</a:t>
             </a:r>
             <a:r>
               <a:rPr lang="en-US" dirty="0">
                 <a:hlinkClick r:id="rId2"/>
               </a:rPr>
-              <a:t>://</a:t>
-            </a:r>
-            <a:r>
-              <a:rPr lang="en-US" dirty="0" smtClean="0">
-                <a:hlinkClick r:id="rId2"/>
-              </a:rPr>
-              <a:t>judge.softuni.bg/Contests/2648</a:t>
+              <a:t>https://judge.softuni.bg/Contests/2648</a:t>
             </a:r>
             <a:endParaRPr lang="en-US" dirty="0"/>
           </a:p>
@@ -8005,13 +8103,6 @@
   <p:clrMapOvr>
     <a:masterClrMapping/>
   </p:clrMapOvr>
-  <p:timing>
-    <p:tnLst>
-      <p:par>
-        <p:cTn id="1" dur="indefinite" restart="never" nodeType="tmRoot"/>
-      </p:par>
-    </p:tnLst>
-  </p:timing>
 </p:sld>
 </file>
 
@@ -9684,7 +9775,148 @@
       </p:grpSpPr>
       <p:sp>
         <p:nvSpPr>
-          <p:cNvPr id="11" name="Title 10"/>
+          <p:cNvPr id="6" name="Text Placeholder 11">
+            <a:extLst>
+              <a:ext uri="{FF2B5EF4-FFF2-40B4-BE49-F238E27FC236}">
+                <a16:creationId xmlns:a16="http://schemas.microsoft.com/office/drawing/2014/main" id="{952195C9-6F45-4A7C-8288-4E971ABAD99D}"/>
+              </a:ext>
+            </a:extLst>
+          </p:cNvPr>
+          <p:cNvSpPr txBox="1">
+            <a:spLocks/>
+          </p:cNvSpPr>
+          <p:nvPr/>
+        </p:nvSpPr>
+        <p:spPr bwMode="auto">
+          <a:xfrm>
+            <a:off x="285348" y="6400800"/>
+            <a:ext cx="11885613" cy="349702"/>
+          </a:xfrm>
+          <a:prstGeom prst="rect">
+            <a:avLst/>
+          </a:prstGeom>
+          <a:noFill/>
+          <a:effectLst/>
+        </p:spPr>
+        <p:txBody>
+          <a:bodyPr vert="horz" wrap="square" lIns="36000" tIns="36000" rIns="36000" bIns="36000" rtlCol="0" anchor="ctr" anchorCtr="0">
+            <a:spAutoFit/>
+          </a:bodyPr>
+          <a:lstStyle>
+            <a:defPPr>
+              <a:defRPr lang="en-US"/>
+            </a:defPPr>
+            <a:lvl1pPr marL="0" algn="l" defTabSz="1218987" rtl="0" eaLnBrk="1" latinLnBrk="0" hangingPunct="1">
+              <a:defRPr sz="2400" kern="1200">
+                <a:solidFill>
+                  <a:schemeClr val="tx1"/>
+                </a:solidFill>
+                <a:latin typeface="+mn-lt"/>
+                <a:ea typeface="+mn-ea"/>
+                <a:cs typeface="+mn-cs"/>
+              </a:defRPr>
+            </a:lvl1pPr>
+            <a:lvl2pPr marL="609493" algn="l" defTabSz="1218987" rtl="0" eaLnBrk="1" latinLnBrk="0" hangingPunct="1">
+              <a:defRPr sz="2400" kern="1200">
+                <a:solidFill>
+                  <a:schemeClr val="tx1"/>
+                </a:solidFill>
+                <a:latin typeface="+mn-lt"/>
+                <a:ea typeface="+mn-ea"/>
+                <a:cs typeface="+mn-cs"/>
+              </a:defRPr>
+            </a:lvl2pPr>
+            <a:lvl3pPr marL="1218987" algn="l" defTabSz="1218987" rtl="0" eaLnBrk="1" latinLnBrk="0" hangingPunct="1">
+              <a:defRPr sz="2400" kern="1200">
+                <a:solidFill>
+                  <a:schemeClr val="tx1"/>
+                </a:solidFill>
+                <a:latin typeface="+mn-lt"/>
+                <a:ea typeface="+mn-ea"/>
+                <a:cs typeface="+mn-cs"/>
+              </a:defRPr>
+            </a:lvl3pPr>
+            <a:lvl4pPr marL="1828480" algn="l" defTabSz="1218987" rtl="0" eaLnBrk="1" latinLnBrk="0" hangingPunct="1">
+              <a:defRPr sz="2400" kern="1200">
+                <a:solidFill>
+                  <a:schemeClr val="tx1"/>
+                </a:solidFill>
+                <a:latin typeface="+mn-lt"/>
+                <a:ea typeface="+mn-ea"/>
+                <a:cs typeface="+mn-cs"/>
+              </a:defRPr>
+            </a:lvl4pPr>
+            <a:lvl5pPr marL="2437973" algn="l" defTabSz="1218987" rtl="0" eaLnBrk="1" latinLnBrk="0" hangingPunct="1">
+              <a:defRPr sz="2400" kern="1200">
+                <a:solidFill>
+                  <a:schemeClr val="tx1"/>
+                </a:solidFill>
+                <a:latin typeface="+mn-lt"/>
+                <a:ea typeface="+mn-ea"/>
+                <a:cs typeface="+mn-cs"/>
+              </a:defRPr>
+            </a:lvl5pPr>
+            <a:lvl6pPr marL="3047467" algn="l" defTabSz="1218987" rtl="0" eaLnBrk="1" latinLnBrk="0" hangingPunct="1">
+              <a:defRPr sz="2400" kern="1200">
+                <a:solidFill>
+                  <a:schemeClr val="tx1"/>
+                </a:solidFill>
+                <a:latin typeface="+mn-lt"/>
+                <a:ea typeface="+mn-ea"/>
+                <a:cs typeface="+mn-cs"/>
+              </a:defRPr>
+            </a:lvl6pPr>
+            <a:lvl7pPr marL="3656960" algn="l" defTabSz="1218987" rtl="0" eaLnBrk="1" latinLnBrk="0" hangingPunct="1">
+              <a:defRPr sz="2400" kern="1200">
+                <a:solidFill>
+                  <a:schemeClr val="tx1"/>
+                </a:solidFill>
+                <a:latin typeface="+mn-lt"/>
+                <a:ea typeface="+mn-ea"/>
+                <a:cs typeface="+mn-cs"/>
+              </a:defRPr>
+            </a:lvl7pPr>
+            <a:lvl8pPr marL="4266453" algn="l" defTabSz="1218987" rtl="0" eaLnBrk="1" latinLnBrk="0" hangingPunct="1">
+              <a:defRPr sz="2400" kern="1200">
+                <a:solidFill>
+                  <a:schemeClr val="tx1"/>
+                </a:solidFill>
+                <a:latin typeface="+mn-lt"/>
+                <a:ea typeface="+mn-ea"/>
+                <a:cs typeface="+mn-cs"/>
+              </a:defRPr>
+            </a:lvl8pPr>
+            <a:lvl9pPr marL="4875947" algn="l" defTabSz="1218987" rtl="0" eaLnBrk="1" latinLnBrk="0" hangingPunct="1">
+              <a:defRPr sz="2400" kern="1200">
+                <a:solidFill>
+                  <a:schemeClr val="tx1"/>
+                </a:solidFill>
+                <a:latin typeface="+mn-lt"/>
+                <a:ea typeface="+mn-ea"/>
+                <a:cs typeface="+mn-cs"/>
+              </a:defRPr>
+            </a:lvl9pPr>
+          </a:lstStyle>
+          <a:p>
+            <a:r>
+              <a:rPr lang="en-US" sz="1800" b="1" dirty="0">
+                <a:hlinkClick r:id="rId3"/>
+              </a:rPr>
+              <a:t>https://github.com/BG-IT-Edu/School-Programming/tree/main/Courses/Applied-Programmer/Programming-Fundamentals</a:t>
+            </a:r>
+            <a:endParaRPr lang="en-GB" sz="1800" b="1" dirty="0"/>
+          </a:p>
+        </p:txBody>
+      </p:sp>
+      <p:sp>
+        <p:nvSpPr>
+          <p:cNvPr id="9" name="Title 10">
+            <a:extLst>
+              <a:ext uri="{FF2B5EF4-FFF2-40B4-BE49-F238E27FC236}">
+                <a16:creationId xmlns:a16="http://schemas.microsoft.com/office/drawing/2014/main" id="{4F62AFE5-BF4D-4EDE-858F-54CAA5CCE7B4}"/>
+              </a:ext>
+            </a:extLst>
+          </p:cNvPr>
           <p:cNvSpPr>
             <a:spLocks noGrp="1"/>
           </p:cNvSpPr>
@@ -9692,43 +9924,10 @@
             <p:ph type="title"/>
           </p:nvPr>
         </p:nvSpPr>
-        <p:spPr/>
-        <p:txBody>
-          <a:bodyPr>
-            <a:normAutofit/>
-          </a:bodyPr>
-          <a:lstStyle/>
-          <a:p>
-            <a:r>
-              <a:rPr lang="bg-BG" dirty="0"/>
-              <a:t>Програмиране </a:t>
-            </a:r>
-            <a:r>
-              <a:rPr lang="en-US" dirty="0"/>
-              <a:t>– </a:t>
-            </a:r>
-            <a:r>
-              <a:rPr lang="bg-BG" dirty="0"/>
-              <a:t>въпроси</a:t>
-            </a:r>
-            <a:endParaRPr lang="en-US" dirty="0"/>
-          </a:p>
-        </p:txBody>
-      </p:sp>
-      <p:sp>
-        <p:nvSpPr>
-          <p:cNvPr id="3" name="Text Placeholder 2"/>
-          <p:cNvSpPr>
-            <a:spLocks noGrp="1"/>
-          </p:cNvSpPr>
-          <p:nvPr>
-            <p:ph type="body" sz="quarter" idx="10"/>
-          </p:nvPr>
-        </p:nvSpPr>
         <p:spPr>
           <a:xfrm>
-            <a:off x="1529384" y="6400802"/>
-            <a:ext cx="10482604" cy="796491"/>
+            <a:off x="188815" y="40341"/>
+            <a:ext cx="11823173" cy="1110780"/>
           </a:xfrm>
         </p:spPr>
         <p:txBody>
@@ -9736,14 +9935,13 @@
           <a:lstStyle/>
           <a:p>
             <a:r>
-              <a:rPr lang="en-US" dirty="0">
-                <a:hlinkClick r:id="rId3"/>
-              </a:rPr>
-              <a:t>https://it-kariera.mon.bg/e-learning/</a:t>
-            </a:r>
-            <a:endParaRPr lang="en-US" dirty="0"/>
-          </a:p>
-          <a:p>
+              <a:rPr lang="bg-BG" altLang="en-US" sz="5400" dirty="0">
+                <a:solidFill>
+                  <a:srgbClr val="F6D18E"/>
+                </a:solidFill>
+              </a:rPr>
+              <a:t>Бройни системи</a:t>
+            </a:r>
             <a:endParaRPr lang="en-US" dirty="0"/>
           </a:p>
         </p:txBody>
@@ -10392,13 +10590,6 @@
   <p:clrMapOvr>
     <a:masterClrMapping/>
   </p:clrMapOvr>
-  <p:timing>
-    <p:tnLst>
-      <p:par>
-        <p:cTn id="1" dur="indefinite" restart="never" nodeType="tmRoot"/>
-      </p:par>
-    </p:tnLst>
-  </p:timing>
 </p:sld>
 </file>
 
@@ -10897,13 +11088,6 @@
   <p:clrMapOvr>
     <a:masterClrMapping/>
   </p:clrMapOvr>
-  <p:timing>
-    <p:tnLst>
-      <p:par>
-        <p:cTn id="1" dur="indefinite" restart="never" nodeType="tmRoot"/>
-      </p:par>
-    </p:tnLst>
-  </p:timing>
 </p:sld>
 </file>
 
@@ -12844,13 +13028,6 @@
     <a:masterClrMapping/>
   </p:clrMapOvr>
   <p:transition/>
-  <p:timing>
-    <p:tnLst>
-      <p:par>
-        <p:cTn id="1" dur="indefinite" restart="never" nodeType="tmRoot"/>
-      </p:par>
-    </p:tnLst>
-  </p:timing>
 </p:sld>
 </file>
 
@@ -14746,7 +14923,7 @@
               <a:t>Тествайте в </a:t>
             </a:r>
             <a:r>
-              <a:rPr lang="en-US" sz="2400" dirty="0" smtClean="0">
+              <a:rPr lang="en-US" sz="2400" dirty="0">
                 <a:effectLst/>
                 <a:latin typeface="Calibri" panose="020F0502020204030204" pitchFamily="34" charset="0"/>
                 <a:ea typeface="Calibri" panose="020F0502020204030204" pitchFamily="34" charset="0"/>
@@ -14755,7 +14932,7 @@
               <a:t>Judge: </a:t>
             </a:r>
             <a:r>
-              <a:rPr lang="en-US" u="sng" dirty="0" smtClean="0">
+              <a:rPr lang="en-US" u="sng" dirty="0">
                 <a:solidFill>
                   <a:srgbClr val="0563C1"/>
                 </a:solidFill>
@@ -14764,31 +14941,7 @@
                 <a:cs typeface="Times New Roman" panose="02020603050405020304" pitchFamily="18" charset="0"/>
                 <a:hlinkClick r:id="rId2"/>
               </a:rPr>
-              <a:t>https</a:t>
-            </a:r>
-            <a:r>
-              <a:rPr lang="en-US" u="sng" dirty="0">
-                <a:solidFill>
-                  <a:srgbClr val="0563C1"/>
-                </a:solidFill>
-                <a:latin typeface="Calibri" panose="020F0502020204030204" pitchFamily="34" charset="0"/>
-                <a:ea typeface="Calibri" panose="020F0502020204030204" pitchFamily="34" charset="0"/>
-                <a:cs typeface="Times New Roman" panose="02020603050405020304" pitchFamily="18" charset="0"/>
-                <a:hlinkClick r:id="rId2"/>
-              </a:rPr>
-              <a:t>://</a:t>
-            </a:r>
-            <a:r>
-              <a:rPr lang="en-US" u="sng" dirty="0" smtClean="0">
-                <a:solidFill>
-                  <a:srgbClr val="0563C1"/>
-                </a:solidFill>
-                <a:latin typeface="Calibri" panose="020F0502020204030204" pitchFamily="34" charset="0"/>
-                <a:ea typeface="Calibri" panose="020F0502020204030204" pitchFamily="34" charset="0"/>
-                <a:cs typeface="Times New Roman" panose="02020603050405020304" pitchFamily="18" charset="0"/>
-                <a:hlinkClick r:id="rId2"/>
-              </a:rPr>
-              <a:t>judge.softuni.bg/Contests/2648</a:t>
+              <a:t>https://judge.softuni.bg/Contests/2648</a:t>
             </a:r>
             <a:endParaRPr lang="en-US" sz="2400" dirty="0">
               <a:effectLst/>
@@ -14809,13 +14962,6 @@
   <p:clrMapOvr>
     <a:masterClrMapping/>
   </p:clrMapOvr>
-  <p:timing>
-    <p:tnLst>
-      <p:par>
-        <p:cTn id="1" dur="indefinite" restart="never" nodeType="tmRoot"/>
-      </p:par>
-    </p:tnLst>
-  </p:timing>
 </p:sld>
 </file>
 
@@ -15340,13 +15486,6 @@
   <p:clrMapOvr>
     <a:masterClrMapping/>
   </p:clrMapOvr>
-  <p:timing>
-    <p:tnLst>
-      <p:par>
-        <p:cTn id="1" dur="indefinite" restart="never" nodeType="tmRoot"/>
-      </p:par>
-    </p:tnLst>
-  </p:timing>
 </p:sld>
 </file>
 

--- a/Courses/Applied-Programmer/Programming-Fundamentals/02-Типове-данни/06.Типове-данни-реални-типове-данни.pptx
+++ b/Courses/Applied-Programmer/Programming-Fundamentals/02-Типове-данни/06.Типове-данни-реални-типове-данни.pptx
@@ -363,7 +363,7 @@
             <a:fld id="{FE5B4EDC-59C0-49C7-8ADA-5A781B329E02}" type="datetimeFigureOut">
               <a:rPr lang="en-US"/>
               <a:pPr/>
-              <a:t>19-Nov-20</a:t>
+              <a:t>21-Nov-20</a:t>
             </a:fld>
             <a:endParaRPr dirty="0"/>
           </a:p>
@@ -661,7 +661,7 @@
             <a:fld id="{F2D8D46A-B586-417D-BFBD-8C8FE0AAF762}" type="datetimeFigureOut">
               <a:rPr lang="en-US" smtClean="0"/>
               <a:pPr/>
-              <a:t>19-Nov-20</a:t>
+              <a:t>21-Nov-20</a:t>
             </a:fld>
             <a:endParaRPr lang="en-US" dirty="0"/>
           </a:p>
@@ -6221,6 +6221,428 @@
   <p:clrMapOvr>
     <a:masterClrMapping/>
   </p:clrMapOvr>
+  <p:timing>
+    <p:tnLst>
+      <p:par>
+        <p:cTn id="1" dur="indefinite" restart="never" nodeType="tmRoot">
+          <p:childTnLst>
+            <p:seq concurrent="1" nextAc="seek">
+              <p:cTn id="2" dur="indefinite" nodeType="mainSeq">
+                <p:childTnLst>
+                  <p:par>
+                    <p:cTn id="3" fill="hold">
+                      <p:stCondLst>
+                        <p:cond delay="indefinite"/>
+                      </p:stCondLst>
+                      <p:childTnLst>
+                        <p:par>
+                          <p:cTn id="4" fill="hold">
+                            <p:stCondLst>
+                              <p:cond delay="0"/>
+                            </p:stCondLst>
+                            <p:childTnLst>
+                              <p:par>
+                                <p:cTn id="5" presetID="1" presetClass="entr" presetSubtype="0" fill="hold" nodeType="clickEffect">
+                                  <p:stCondLst>
+                                    <p:cond delay="0"/>
+                                  </p:stCondLst>
+                                  <p:childTnLst>
+                                    <p:set>
+                                      <p:cBhvr>
+                                        <p:cTn id="6" dur="1" fill="hold">
+                                          <p:stCondLst>
+                                            <p:cond delay="0"/>
+                                          </p:stCondLst>
+                                        </p:cTn>
+                                        <p:tgtEl>
+                                          <p:spTgt spid="5">
+                                            <p:txEl>
+                                              <p:pRg st="0" end="0"/>
+                                            </p:txEl>
+                                          </p:spTgt>
+                                        </p:tgtEl>
+                                        <p:attrNameLst>
+                                          <p:attrName>style.visibility</p:attrName>
+                                        </p:attrNameLst>
+                                      </p:cBhvr>
+                                      <p:to>
+                                        <p:strVal val="visible"/>
+                                      </p:to>
+                                    </p:set>
+                                  </p:childTnLst>
+                                </p:cTn>
+                              </p:par>
+                            </p:childTnLst>
+                          </p:cTn>
+                        </p:par>
+                      </p:childTnLst>
+                    </p:cTn>
+                  </p:par>
+                  <p:par>
+                    <p:cTn id="7" fill="hold">
+                      <p:stCondLst>
+                        <p:cond delay="indefinite"/>
+                      </p:stCondLst>
+                      <p:childTnLst>
+                        <p:par>
+                          <p:cTn id="8" fill="hold">
+                            <p:stCondLst>
+                              <p:cond delay="0"/>
+                            </p:stCondLst>
+                            <p:childTnLst>
+                              <p:par>
+                                <p:cTn id="9" presetID="1" presetClass="entr" presetSubtype="0" fill="hold" nodeType="clickEffect">
+                                  <p:stCondLst>
+                                    <p:cond delay="0"/>
+                                  </p:stCondLst>
+                                  <p:childTnLst>
+                                    <p:set>
+                                      <p:cBhvr>
+                                        <p:cTn id="10" dur="1" fill="hold">
+                                          <p:stCondLst>
+                                            <p:cond delay="0"/>
+                                          </p:stCondLst>
+                                        </p:cTn>
+                                        <p:tgtEl>
+                                          <p:spTgt spid="5">
+                                            <p:txEl>
+                                              <p:pRg st="1" end="1"/>
+                                            </p:txEl>
+                                          </p:spTgt>
+                                        </p:tgtEl>
+                                        <p:attrNameLst>
+                                          <p:attrName>style.visibility</p:attrName>
+                                        </p:attrNameLst>
+                                      </p:cBhvr>
+                                      <p:to>
+                                        <p:strVal val="visible"/>
+                                      </p:to>
+                                    </p:set>
+                                  </p:childTnLst>
+                                </p:cTn>
+                              </p:par>
+                            </p:childTnLst>
+                          </p:cTn>
+                        </p:par>
+                      </p:childTnLst>
+                    </p:cTn>
+                  </p:par>
+                  <p:par>
+                    <p:cTn id="11" fill="hold">
+                      <p:stCondLst>
+                        <p:cond delay="indefinite"/>
+                      </p:stCondLst>
+                      <p:childTnLst>
+                        <p:par>
+                          <p:cTn id="12" fill="hold">
+                            <p:stCondLst>
+                              <p:cond delay="0"/>
+                            </p:stCondLst>
+                            <p:childTnLst>
+                              <p:par>
+                                <p:cTn id="13" presetID="1" presetClass="entr" presetSubtype="0" fill="hold" nodeType="clickEffect">
+                                  <p:stCondLst>
+                                    <p:cond delay="0"/>
+                                  </p:stCondLst>
+                                  <p:childTnLst>
+                                    <p:set>
+                                      <p:cBhvr>
+                                        <p:cTn id="14" dur="1" fill="hold">
+                                          <p:stCondLst>
+                                            <p:cond delay="0"/>
+                                          </p:stCondLst>
+                                        </p:cTn>
+                                        <p:tgtEl>
+                                          <p:spTgt spid="5">
+                                            <p:txEl>
+                                              <p:pRg st="2" end="2"/>
+                                            </p:txEl>
+                                          </p:spTgt>
+                                        </p:tgtEl>
+                                        <p:attrNameLst>
+                                          <p:attrName>style.visibility</p:attrName>
+                                        </p:attrNameLst>
+                                      </p:cBhvr>
+                                      <p:to>
+                                        <p:strVal val="visible"/>
+                                      </p:to>
+                                    </p:set>
+                                  </p:childTnLst>
+                                </p:cTn>
+                              </p:par>
+                            </p:childTnLst>
+                          </p:cTn>
+                        </p:par>
+                      </p:childTnLst>
+                    </p:cTn>
+                  </p:par>
+                  <p:par>
+                    <p:cTn id="15" fill="hold">
+                      <p:stCondLst>
+                        <p:cond delay="indefinite"/>
+                      </p:stCondLst>
+                      <p:childTnLst>
+                        <p:par>
+                          <p:cTn id="16" fill="hold">
+                            <p:stCondLst>
+                              <p:cond delay="0"/>
+                            </p:stCondLst>
+                            <p:childTnLst>
+                              <p:par>
+                                <p:cTn id="17" presetID="1" presetClass="entr" presetSubtype="0" fill="hold" nodeType="clickEffect">
+                                  <p:stCondLst>
+                                    <p:cond delay="0"/>
+                                  </p:stCondLst>
+                                  <p:childTnLst>
+                                    <p:set>
+                                      <p:cBhvr>
+                                        <p:cTn id="18" dur="1" fill="hold">
+                                          <p:stCondLst>
+                                            <p:cond delay="0"/>
+                                          </p:stCondLst>
+                                        </p:cTn>
+                                        <p:tgtEl>
+                                          <p:spTgt spid="5">
+                                            <p:txEl>
+                                              <p:pRg st="3" end="3"/>
+                                            </p:txEl>
+                                          </p:spTgt>
+                                        </p:tgtEl>
+                                        <p:attrNameLst>
+                                          <p:attrName>style.visibility</p:attrName>
+                                        </p:attrNameLst>
+                                      </p:cBhvr>
+                                      <p:to>
+                                        <p:strVal val="visible"/>
+                                      </p:to>
+                                    </p:set>
+                                  </p:childTnLst>
+                                </p:cTn>
+                              </p:par>
+                            </p:childTnLst>
+                          </p:cTn>
+                        </p:par>
+                      </p:childTnLst>
+                    </p:cTn>
+                  </p:par>
+                  <p:par>
+                    <p:cTn id="19" fill="hold">
+                      <p:stCondLst>
+                        <p:cond delay="indefinite"/>
+                      </p:stCondLst>
+                      <p:childTnLst>
+                        <p:par>
+                          <p:cTn id="20" fill="hold">
+                            <p:stCondLst>
+                              <p:cond delay="0"/>
+                            </p:stCondLst>
+                            <p:childTnLst>
+                              <p:par>
+                                <p:cTn id="21" presetID="1" presetClass="entr" presetSubtype="0" fill="hold" nodeType="clickEffect">
+                                  <p:stCondLst>
+                                    <p:cond delay="0"/>
+                                  </p:stCondLst>
+                                  <p:childTnLst>
+                                    <p:set>
+                                      <p:cBhvr>
+                                        <p:cTn id="22" dur="1" fill="hold">
+                                          <p:stCondLst>
+                                            <p:cond delay="0"/>
+                                          </p:stCondLst>
+                                        </p:cTn>
+                                        <p:tgtEl>
+                                          <p:spTgt spid="5">
+                                            <p:txEl>
+                                              <p:pRg st="4" end="4"/>
+                                            </p:txEl>
+                                          </p:spTgt>
+                                        </p:tgtEl>
+                                        <p:attrNameLst>
+                                          <p:attrName>style.visibility</p:attrName>
+                                        </p:attrNameLst>
+                                      </p:cBhvr>
+                                      <p:to>
+                                        <p:strVal val="visible"/>
+                                      </p:to>
+                                    </p:set>
+                                  </p:childTnLst>
+                                </p:cTn>
+                              </p:par>
+                            </p:childTnLst>
+                          </p:cTn>
+                        </p:par>
+                      </p:childTnLst>
+                    </p:cTn>
+                  </p:par>
+                  <p:par>
+                    <p:cTn id="23" fill="hold">
+                      <p:stCondLst>
+                        <p:cond delay="indefinite"/>
+                      </p:stCondLst>
+                      <p:childTnLst>
+                        <p:par>
+                          <p:cTn id="24" fill="hold">
+                            <p:stCondLst>
+                              <p:cond delay="0"/>
+                            </p:stCondLst>
+                            <p:childTnLst>
+                              <p:par>
+                                <p:cTn id="25" presetID="1" presetClass="entr" presetSubtype="0" fill="hold" nodeType="clickEffect">
+                                  <p:stCondLst>
+                                    <p:cond delay="0"/>
+                                  </p:stCondLst>
+                                  <p:childTnLst>
+                                    <p:set>
+                                      <p:cBhvr>
+                                        <p:cTn id="26" dur="1" fill="hold">
+                                          <p:stCondLst>
+                                            <p:cond delay="0"/>
+                                          </p:stCondLst>
+                                        </p:cTn>
+                                        <p:tgtEl>
+                                          <p:spTgt spid="5">
+                                            <p:txEl>
+                                              <p:pRg st="5" end="5"/>
+                                            </p:txEl>
+                                          </p:spTgt>
+                                        </p:tgtEl>
+                                        <p:attrNameLst>
+                                          <p:attrName>style.visibility</p:attrName>
+                                        </p:attrNameLst>
+                                      </p:cBhvr>
+                                      <p:to>
+                                        <p:strVal val="visible"/>
+                                      </p:to>
+                                    </p:set>
+                                  </p:childTnLst>
+                                </p:cTn>
+                              </p:par>
+                            </p:childTnLst>
+                          </p:cTn>
+                        </p:par>
+                      </p:childTnLst>
+                    </p:cTn>
+                  </p:par>
+                  <p:par>
+                    <p:cTn id="27" fill="hold">
+                      <p:stCondLst>
+                        <p:cond delay="indefinite"/>
+                      </p:stCondLst>
+                      <p:childTnLst>
+                        <p:par>
+                          <p:cTn id="28" fill="hold">
+                            <p:stCondLst>
+                              <p:cond delay="0"/>
+                            </p:stCondLst>
+                            <p:childTnLst>
+                              <p:par>
+                                <p:cTn id="29" presetID="1" presetClass="entr" presetSubtype="0" fill="hold" nodeType="clickEffect">
+                                  <p:stCondLst>
+                                    <p:cond delay="0"/>
+                                  </p:stCondLst>
+                                  <p:childTnLst>
+                                    <p:set>
+                                      <p:cBhvr>
+                                        <p:cTn id="30" dur="1" fill="hold">
+                                          <p:stCondLst>
+                                            <p:cond delay="0"/>
+                                          </p:stCondLst>
+                                        </p:cTn>
+                                        <p:tgtEl>
+                                          <p:spTgt spid="5">
+                                            <p:txEl>
+                                              <p:pRg st="6" end="6"/>
+                                            </p:txEl>
+                                          </p:spTgt>
+                                        </p:tgtEl>
+                                        <p:attrNameLst>
+                                          <p:attrName>style.visibility</p:attrName>
+                                        </p:attrNameLst>
+                                      </p:cBhvr>
+                                      <p:to>
+                                        <p:strVal val="visible"/>
+                                      </p:to>
+                                    </p:set>
+                                  </p:childTnLst>
+                                </p:cTn>
+                              </p:par>
+                            </p:childTnLst>
+                          </p:cTn>
+                        </p:par>
+                      </p:childTnLst>
+                    </p:cTn>
+                  </p:par>
+                  <p:par>
+                    <p:cTn id="31" fill="hold">
+                      <p:stCondLst>
+                        <p:cond delay="indefinite"/>
+                      </p:stCondLst>
+                      <p:childTnLst>
+                        <p:par>
+                          <p:cTn id="32" fill="hold">
+                            <p:stCondLst>
+                              <p:cond delay="0"/>
+                            </p:stCondLst>
+                            <p:childTnLst>
+                              <p:par>
+                                <p:cTn id="33" presetID="1" presetClass="entr" presetSubtype="0" fill="hold" nodeType="clickEffect">
+                                  <p:stCondLst>
+                                    <p:cond delay="0"/>
+                                  </p:stCondLst>
+                                  <p:childTnLst>
+                                    <p:set>
+                                      <p:cBhvr>
+                                        <p:cTn id="34" dur="1" fill="hold">
+                                          <p:stCondLst>
+                                            <p:cond delay="0"/>
+                                          </p:stCondLst>
+                                        </p:cTn>
+                                        <p:tgtEl>
+                                          <p:spTgt spid="5">
+                                            <p:txEl>
+                                              <p:pRg st="7" end="7"/>
+                                            </p:txEl>
+                                          </p:spTgt>
+                                        </p:tgtEl>
+                                        <p:attrNameLst>
+                                          <p:attrName>style.visibility</p:attrName>
+                                        </p:attrNameLst>
+                                      </p:cBhvr>
+                                      <p:to>
+                                        <p:strVal val="visible"/>
+                                      </p:to>
+                                    </p:set>
+                                  </p:childTnLst>
+                                </p:cTn>
+                              </p:par>
+                            </p:childTnLst>
+                          </p:cTn>
+                        </p:par>
+                      </p:childTnLst>
+                    </p:cTn>
+                  </p:par>
+                </p:childTnLst>
+              </p:cTn>
+              <p:prevCondLst>
+                <p:cond evt="onPrev" delay="0">
+                  <p:tgtEl>
+                    <p:sldTgt/>
+                  </p:tgtEl>
+                </p:cond>
+              </p:prevCondLst>
+              <p:nextCondLst>
+                <p:cond evt="onNext" delay="0">
+                  <p:tgtEl>
+                    <p:sldTgt/>
+                  </p:tgtEl>
+                </p:cond>
+              </p:nextCondLst>
+            </p:seq>
+          </p:childTnLst>
+        </p:cTn>
+      </p:par>
+    </p:tnLst>
+  </p:timing>
 </p:sld>
 </file>
 
@@ -6878,6 +7300,369 @@
     <a:masterClrMapping/>
   </p:clrMapOvr>
   <p:transition/>
+  <p:timing>
+    <p:tnLst>
+      <p:par>
+        <p:cTn id="1" dur="indefinite" restart="never" nodeType="tmRoot">
+          <p:childTnLst>
+            <p:seq concurrent="1" nextAc="seek">
+              <p:cTn id="2" dur="indefinite" nodeType="mainSeq">
+                <p:childTnLst>
+                  <p:par>
+                    <p:cTn id="3" fill="hold">
+                      <p:stCondLst>
+                        <p:cond delay="indefinite"/>
+                      </p:stCondLst>
+                      <p:childTnLst>
+                        <p:par>
+                          <p:cTn id="4" fill="hold">
+                            <p:stCondLst>
+                              <p:cond delay="0"/>
+                            </p:stCondLst>
+                            <p:childTnLst>
+                              <p:par>
+                                <p:cTn id="5" presetID="1" presetClass="entr" presetSubtype="0" fill="hold" nodeType="clickEffect">
+                                  <p:stCondLst>
+                                    <p:cond delay="0"/>
+                                  </p:stCondLst>
+                                  <p:childTnLst>
+                                    <p:set>
+                                      <p:cBhvr>
+                                        <p:cTn id="6" dur="1" fill="hold">
+                                          <p:stCondLst>
+                                            <p:cond delay="0"/>
+                                          </p:stCondLst>
+                                        </p:cTn>
+                                        <p:tgtEl>
+                                          <p:spTgt spid="575492">
+                                            <p:txEl>
+                                              <p:pRg st="0" end="0"/>
+                                            </p:txEl>
+                                          </p:spTgt>
+                                        </p:tgtEl>
+                                        <p:attrNameLst>
+                                          <p:attrName>style.visibility</p:attrName>
+                                        </p:attrNameLst>
+                                      </p:cBhvr>
+                                      <p:to>
+                                        <p:strVal val="visible"/>
+                                      </p:to>
+                                    </p:set>
+                                  </p:childTnLst>
+                                </p:cTn>
+                              </p:par>
+                              <p:par>
+                                <p:cTn id="7" presetID="1" presetClass="entr" presetSubtype="0" fill="hold" nodeType="withEffect">
+                                  <p:stCondLst>
+                                    <p:cond delay="0"/>
+                                  </p:stCondLst>
+                                  <p:childTnLst>
+                                    <p:set>
+                                      <p:cBhvr>
+                                        <p:cTn id="8" dur="1" fill="hold">
+                                          <p:stCondLst>
+                                            <p:cond delay="0"/>
+                                          </p:stCondLst>
+                                        </p:cTn>
+                                        <p:tgtEl>
+                                          <p:spTgt spid="575492">
+                                            <p:txEl>
+                                              <p:pRg st="1" end="1"/>
+                                            </p:txEl>
+                                          </p:spTgt>
+                                        </p:tgtEl>
+                                        <p:attrNameLst>
+                                          <p:attrName>style.visibility</p:attrName>
+                                        </p:attrNameLst>
+                                      </p:cBhvr>
+                                      <p:to>
+                                        <p:strVal val="visible"/>
+                                      </p:to>
+                                    </p:set>
+                                  </p:childTnLst>
+                                </p:cTn>
+                              </p:par>
+                            </p:childTnLst>
+                          </p:cTn>
+                        </p:par>
+                      </p:childTnLst>
+                    </p:cTn>
+                  </p:par>
+                  <p:par>
+                    <p:cTn id="9" fill="hold">
+                      <p:stCondLst>
+                        <p:cond delay="indefinite"/>
+                      </p:stCondLst>
+                      <p:childTnLst>
+                        <p:par>
+                          <p:cTn id="10" fill="hold">
+                            <p:stCondLst>
+                              <p:cond delay="0"/>
+                            </p:stCondLst>
+                            <p:childTnLst>
+                              <p:par>
+                                <p:cTn id="11" presetID="1" presetClass="entr" presetSubtype="0" fill="hold" nodeType="clickEffect">
+                                  <p:stCondLst>
+                                    <p:cond delay="0"/>
+                                  </p:stCondLst>
+                                  <p:childTnLst>
+                                    <p:set>
+                                      <p:cBhvr>
+                                        <p:cTn id="12" dur="1" fill="hold">
+                                          <p:stCondLst>
+                                            <p:cond delay="0"/>
+                                          </p:stCondLst>
+                                        </p:cTn>
+                                        <p:tgtEl>
+                                          <p:spTgt spid="575492">
+                                            <p:txEl>
+                                              <p:pRg st="2" end="2"/>
+                                            </p:txEl>
+                                          </p:spTgt>
+                                        </p:tgtEl>
+                                        <p:attrNameLst>
+                                          <p:attrName>style.visibility</p:attrName>
+                                        </p:attrNameLst>
+                                      </p:cBhvr>
+                                      <p:to>
+                                        <p:strVal val="visible"/>
+                                      </p:to>
+                                    </p:set>
+                                  </p:childTnLst>
+                                </p:cTn>
+                              </p:par>
+                              <p:par>
+                                <p:cTn id="13" presetID="1" presetClass="entr" presetSubtype="0" fill="hold" nodeType="withEffect">
+                                  <p:stCondLst>
+                                    <p:cond delay="0"/>
+                                  </p:stCondLst>
+                                  <p:childTnLst>
+                                    <p:set>
+                                      <p:cBhvr>
+                                        <p:cTn id="14" dur="1" fill="hold">
+                                          <p:stCondLst>
+                                            <p:cond delay="0"/>
+                                          </p:stCondLst>
+                                        </p:cTn>
+                                        <p:tgtEl>
+                                          <p:spTgt spid="575492">
+                                            <p:txEl>
+                                              <p:pRg st="3" end="3"/>
+                                            </p:txEl>
+                                          </p:spTgt>
+                                        </p:tgtEl>
+                                        <p:attrNameLst>
+                                          <p:attrName>style.visibility</p:attrName>
+                                        </p:attrNameLst>
+                                      </p:cBhvr>
+                                      <p:to>
+                                        <p:strVal val="visible"/>
+                                      </p:to>
+                                    </p:set>
+                                  </p:childTnLst>
+                                </p:cTn>
+                              </p:par>
+                              <p:par>
+                                <p:cTn id="15" presetID="1" presetClass="entr" presetSubtype="0" fill="hold" nodeType="withEffect">
+                                  <p:stCondLst>
+                                    <p:cond delay="0"/>
+                                  </p:stCondLst>
+                                  <p:childTnLst>
+                                    <p:set>
+                                      <p:cBhvr>
+                                        <p:cTn id="16" dur="1" fill="hold">
+                                          <p:stCondLst>
+                                            <p:cond delay="0"/>
+                                          </p:stCondLst>
+                                        </p:cTn>
+                                        <p:tgtEl>
+                                          <p:spTgt spid="575492">
+                                            <p:txEl>
+                                              <p:pRg st="4" end="4"/>
+                                            </p:txEl>
+                                          </p:spTgt>
+                                        </p:tgtEl>
+                                        <p:attrNameLst>
+                                          <p:attrName>style.visibility</p:attrName>
+                                        </p:attrNameLst>
+                                      </p:cBhvr>
+                                      <p:to>
+                                        <p:strVal val="visible"/>
+                                      </p:to>
+                                    </p:set>
+                                  </p:childTnLst>
+                                </p:cTn>
+                              </p:par>
+                              <p:par>
+                                <p:cTn id="17" presetID="1" presetClass="entr" presetSubtype="0" fill="hold" nodeType="withEffect">
+                                  <p:stCondLst>
+                                    <p:cond delay="0"/>
+                                  </p:stCondLst>
+                                  <p:childTnLst>
+                                    <p:set>
+                                      <p:cBhvr>
+                                        <p:cTn id="18" dur="1" fill="hold">
+                                          <p:stCondLst>
+                                            <p:cond delay="0"/>
+                                          </p:stCondLst>
+                                        </p:cTn>
+                                        <p:tgtEl>
+                                          <p:spTgt spid="575492">
+                                            <p:txEl>
+                                              <p:pRg st="5" end="5"/>
+                                            </p:txEl>
+                                          </p:spTgt>
+                                        </p:tgtEl>
+                                        <p:attrNameLst>
+                                          <p:attrName>style.visibility</p:attrName>
+                                        </p:attrNameLst>
+                                      </p:cBhvr>
+                                      <p:to>
+                                        <p:strVal val="visible"/>
+                                      </p:to>
+                                    </p:set>
+                                  </p:childTnLst>
+                                </p:cTn>
+                              </p:par>
+                            </p:childTnLst>
+                          </p:cTn>
+                        </p:par>
+                      </p:childTnLst>
+                    </p:cTn>
+                  </p:par>
+                  <p:par>
+                    <p:cTn id="19" fill="hold">
+                      <p:stCondLst>
+                        <p:cond delay="indefinite"/>
+                      </p:stCondLst>
+                      <p:childTnLst>
+                        <p:par>
+                          <p:cTn id="20" fill="hold">
+                            <p:stCondLst>
+                              <p:cond delay="0"/>
+                            </p:stCondLst>
+                            <p:childTnLst>
+                              <p:par>
+                                <p:cTn id="21" presetID="1" presetClass="entr" presetSubtype="0" fill="hold" nodeType="clickEffect">
+                                  <p:stCondLst>
+                                    <p:cond delay="0"/>
+                                  </p:stCondLst>
+                                  <p:childTnLst>
+                                    <p:set>
+                                      <p:cBhvr>
+                                        <p:cTn id="22" dur="1" fill="hold">
+                                          <p:stCondLst>
+                                            <p:cond delay="0"/>
+                                          </p:stCondLst>
+                                        </p:cTn>
+                                        <p:tgtEl>
+                                          <p:spTgt spid="575492">
+                                            <p:txEl>
+                                              <p:pRg st="6" end="6"/>
+                                            </p:txEl>
+                                          </p:spTgt>
+                                        </p:tgtEl>
+                                        <p:attrNameLst>
+                                          <p:attrName>style.visibility</p:attrName>
+                                        </p:attrNameLst>
+                                      </p:cBhvr>
+                                      <p:to>
+                                        <p:strVal val="visible"/>
+                                      </p:to>
+                                    </p:set>
+                                  </p:childTnLst>
+                                </p:cTn>
+                              </p:par>
+                              <p:par>
+                                <p:cTn id="23" presetID="1" presetClass="entr" presetSubtype="0" fill="hold" nodeType="withEffect">
+                                  <p:stCondLst>
+                                    <p:cond delay="0"/>
+                                  </p:stCondLst>
+                                  <p:childTnLst>
+                                    <p:set>
+                                      <p:cBhvr>
+                                        <p:cTn id="24" dur="1" fill="hold">
+                                          <p:stCondLst>
+                                            <p:cond delay="0"/>
+                                          </p:stCondLst>
+                                        </p:cTn>
+                                        <p:tgtEl>
+                                          <p:spTgt spid="575492">
+                                            <p:txEl>
+                                              <p:pRg st="7" end="7"/>
+                                            </p:txEl>
+                                          </p:spTgt>
+                                        </p:tgtEl>
+                                        <p:attrNameLst>
+                                          <p:attrName>style.visibility</p:attrName>
+                                        </p:attrNameLst>
+                                      </p:cBhvr>
+                                      <p:to>
+                                        <p:strVal val="visible"/>
+                                      </p:to>
+                                    </p:set>
+                                  </p:childTnLst>
+                                </p:cTn>
+                              </p:par>
+                              <p:par>
+                                <p:cTn id="25" presetID="1" presetClass="entr" presetSubtype="0" fill="hold" nodeType="withEffect">
+                                  <p:stCondLst>
+                                    <p:cond delay="0"/>
+                                  </p:stCondLst>
+                                  <p:childTnLst>
+                                    <p:set>
+                                      <p:cBhvr>
+                                        <p:cTn id="26" dur="1" fill="hold">
+                                          <p:stCondLst>
+                                            <p:cond delay="0"/>
+                                          </p:stCondLst>
+                                        </p:cTn>
+                                        <p:tgtEl>
+                                          <p:spTgt spid="575492">
+                                            <p:txEl>
+                                              <p:pRg st="8" end="8"/>
+                                            </p:txEl>
+                                          </p:spTgt>
+                                        </p:tgtEl>
+                                        <p:attrNameLst>
+                                          <p:attrName>style.visibility</p:attrName>
+                                        </p:attrNameLst>
+                                      </p:cBhvr>
+                                      <p:to>
+                                        <p:strVal val="visible"/>
+                                      </p:to>
+                                    </p:set>
+                                  </p:childTnLst>
+                                </p:cTn>
+                              </p:par>
+                            </p:childTnLst>
+                          </p:cTn>
+                        </p:par>
+                      </p:childTnLst>
+                    </p:cTn>
+                  </p:par>
+                </p:childTnLst>
+              </p:cTn>
+              <p:prevCondLst>
+                <p:cond evt="onPrev" delay="0">
+                  <p:tgtEl>
+                    <p:sldTgt/>
+                  </p:tgtEl>
+                </p:cond>
+              </p:prevCondLst>
+              <p:nextCondLst>
+                <p:cond evt="onNext" delay="0">
+                  <p:tgtEl>
+                    <p:sldTgt/>
+                  </p:tgtEl>
+                </p:cond>
+              </p:nextCondLst>
+            </p:seq>
+          </p:childTnLst>
+        </p:cTn>
+      </p:par>
+    </p:tnLst>
+  </p:timing>
 </p:sld>
 </file>
 
@@ -7388,6 +8173,343 @@
     <a:masterClrMapping/>
   </p:clrMapOvr>
   <p:transition/>
+  <p:timing>
+    <p:tnLst>
+      <p:par>
+        <p:cTn id="1" dur="indefinite" restart="never" nodeType="tmRoot">
+          <p:childTnLst>
+            <p:seq concurrent="1" nextAc="seek">
+              <p:cTn id="2" dur="indefinite" nodeType="mainSeq">
+                <p:childTnLst>
+                  <p:par>
+                    <p:cTn id="3" fill="hold">
+                      <p:stCondLst>
+                        <p:cond delay="indefinite"/>
+                      </p:stCondLst>
+                      <p:childTnLst>
+                        <p:par>
+                          <p:cTn id="4" fill="hold">
+                            <p:stCondLst>
+                              <p:cond delay="0"/>
+                            </p:stCondLst>
+                            <p:childTnLst>
+                              <p:par>
+                                <p:cTn id="5" presetID="1" presetClass="entr" presetSubtype="0" fill="hold" nodeType="clickEffect">
+                                  <p:stCondLst>
+                                    <p:cond delay="0"/>
+                                  </p:stCondLst>
+                                  <p:childTnLst>
+                                    <p:set>
+                                      <p:cBhvr>
+                                        <p:cTn id="6" dur="1" fill="hold">
+                                          <p:stCondLst>
+                                            <p:cond delay="0"/>
+                                          </p:stCondLst>
+                                        </p:cTn>
+                                        <p:tgtEl>
+                                          <p:spTgt spid="439299">
+                                            <p:txEl>
+                                              <p:pRg st="1" end="1"/>
+                                            </p:txEl>
+                                          </p:spTgt>
+                                        </p:tgtEl>
+                                        <p:attrNameLst>
+                                          <p:attrName>style.visibility</p:attrName>
+                                        </p:attrNameLst>
+                                      </p:cBhvr>
+                                      <p:to>
+                                        <p:strVal val="visible"/>
+                                      </p:to>
+                                    </p:set>
+                                  </p:childTnLst>
+                                </p:cTn>
+                              </p:par>
+                              <p:par>
+                                <p:cTn id="7" presetID="1" presetClass="entr" presetSubtype="0" fill="hold" nodeType="withEffect">
+                                  <p:stCondLst>
+                                    <p:cond delay="0"/>
+                                  </p:stCondLst>
+                                  <p:childTnLst>
+                                    <p:set>
+                                      <p:cBhvr>
+                                        <p:cTn id="8" dur="1" fill="hold">
+                                          <p:stCondLst>
+                                            <p:cond delay="0"/>
+                                          </p:stCondLst>
+                                        </p:cTn>
+                                        <p:tgtEl>
+                                          <p:spTgt spid="439299">
+                                            <p:txEl>
+                                              <p:pRg st="2" end="2"/>
+                                            </p:txEl>
+                                          </p:spTgt>
+                                        </p:tgtEl>
+                                        <p:attrNameLst>
+                                          <p:attrName>style.visibility</p:attrName>
+                                        </p:attrNameLst>
+                                      </p:cBhvr>
+                                      <p:to>
+                                        <p:strVal val="visible"/>
+                                      </p:to>
+                                    </p:set>
+                                  </p:childTnLst>
+                                </p:cTn>
+                              </p:par>
+                            </p:childTnLst>
+                          </p:cTn>
+                        </p:par>
+                      </p:childTnLst>
+                    </p:cTn>
+                  </p:par>
+                  <p:par>
+                    <p:cTn id="9" fill="hold">
+                      <p:stCondLst>
+                        <p:cond delay="indefinite"/>
+                      </p:stCondLst>
+                      <p:childTnLst>
+                        <p:par>
+                          <p:cTn id="10" fill="hold">
+                            <p:stCondLst>
+                              <p:cond delay="0"/>
+                            </p:stCondLst>
+                            <p:childTnLst>
+                              <p:par>
+                                <p:cTn id="11" presetID="1" presetClass="entr" presetSubtype="0" fill="hold" nodeType="clickEffect">
+                                  <p:stCondLst>
+                                    <p:cond delay="0"/>
+                                  </p:stCondLst>
+                                  <p:childTnLst>
+                                    <p:set>
+                                      <p:cBhvr>
+                                        <p:cTn id="12" dur="1" fill="hold">
+                                          <p:stCondLst>
+                                            <p:cond delay="0"/>
+                                          </p:stCondLst>
+                                        </p:cTn>
+                                        <p:tgtEl>
+                                          <p:spTgt spid="439299">
+                                            <p:txEl>
+                                              <p:pRg st="3" end="3"/>
+                                            </p:txEl>
+                                          </p:spTgt>
+                                        </p:tgtEl>
+                                        <p:attrNameLst>
+                                          <p:attrName>style.visibility</p:attrName>
+                                        </p:attrNameLst>
+                                      </p:cBhvr>
+                                      <p:to>
+                                        <p:strVal val="visible"/>
+                                      </p:to>
+                                    </p:set>
+                                  </p:childTnLst>
+                                </p:cTn>
+                              </p:par>
+                            </p:childTnLst>
+                          </p:cTn>
+                        </p:par>
+                      </p:childTnLst>
+                    </p:cTn>
+                  </p:par>
+                  <p:par>
+                    <p:cTn id="13" fill="hold">
+                      <p:stCondLst>
+                        <p:cond delay="indefinite"/>
+                      </p:stCondLst>
+                      <p:childTnLst>
+                        <p:par>
+                          <p:cTn id="14" fill="hold">
+                            <p:stCondLst>
+                              <p:cond delay="0"/>
+                            </p:stCondLst>
+                            <p:childTnLst>
+                              <p:par>
+                                <p:cTn id="15" presetID="1" presetClass="entr" presetSubtype="0" fill="hold" nodeType="clickEffect">
+                                  <p:stCondLst>
+                                    <p:cond delay="0"/>
+                                  </p:stCondLst>
+                                  <p:childTnLst>
+                                    <p:set>
+                                      <p:cBhvr>
+                                        <p:cTn id="16" dur="1" fill="hold">
+                                          <p:stCondLst>
+                                            <p:cond delay="0"/>
+                                          </p:stCondLst>
+                                        </p:cTn>
+                                        <p:tgtEl>
+                                          <p:spTgt spid="439299">
+                                            <p:txEl>
+                                              <p:pRg st="4" end="4"/>
+                                            </p:txEl>
+                                          </p:spTgt>
+                                        </p:tgtEl>
+                                        <p:attrNameLst>
+                                          <p:attrName>style.visibility</p:attrName>
+                                        </p:attrNameLst>
+                                      </p:cBhvr>
+                                      <p:to>
+                                        <p:strVal val="visible"/>
+                                      </p:to>
+                                    </p:set>
+                                  </p:childTnLst>
+                                </p:cTn>
+                              </p:par>
+                            </p:childTnLst>
+                          </p:cTn>
+                        </p:par>
+                      </p:childTnLst>
+                    </p:cTn>
+                  </p:par>
+                  <p:par>
+                    <p:cTn id="17" fill="hold">
+                      <p:stCondLst>
+                        <p:cond delay="indefinite"/>
+                      </p:stCondLst>
+                      <p:childTnLst>
+                        <p:par>
+                          <p:cTn id="18" fill="hold">
+                            <p:stCondLst>
+                              <p:cond delay="0"/>
+                            </p:stCondLst>
+                            <p:childTnLst>
+                              <p:par>
+                                <p:cTn id="19" presetID="1" presetClass="entr" presetSubtype="0" fill="hold" nodeType="clickEffect">
+                                  <p:stCondLst>
+                                    <p:cond delay="0"/>
+                                  </p:stCondLst>
+                                  <p:childTnLst>
+                                    <p:set>
+                                      <p:cBhvr>
+                                        <p:cTn id="20" dur="1" fill="hold">
+                                          <p:stCondLst>
+                                            <p:cond delay="0"/>
+                                          </p:stCondLst>
+                                        </p:cTn>
+                                        <p:tgtEl>
+                                          <p:spTgt spid="439299">
+                                            <p:txEl>
+                                              <p:pRg st="5" end="5"/>
+                                            </p:txEl>
+                                          </p:spTgt>
+                                        </p:tgtEl>
+                                        <p:attrNameLst>
+                                          <p:attrName>style.visibility</p:attrName>
+                                        </p:attrNameLst>
+                                      </p:cBhvr>
+                                      <p:to>
+                                        <p:strVal val="visible"/>
+                                      </p:to>
+                                    </p:set>
+                                  </p:childTnLst>
+                                </p:cTn>
+                              </p:par>
+                            </p:childTnLst>
+                          </p:cTn>
+                        </p:par>
+                      </p:childTnLst>
+                    </p:cTn>
+                  </p:par>
+                  <p:par>
+                    <p:cTn id="21" fill="hold">
+                      <p:stCondLst>
+                        <p:cond delay="indefinite"/>
+                      </p:stCondLst>
+                      <p:childTnLst>
+                        <p:par>
+                          <p:cTn id="22" fill="hold">
+                            <p:stCondLst>
+                              <p:cond delay="0"/>
+                            </p:stCondLst>
+                            <p:childTnLst>
+                              <p:par>
+                                <p:cTn id="23" presetID="1" presetClass="entr" presetSubtype="0" fill="hold" nodeType="clickEffect">
+                                  <p:stCondLst>
+                                    <p:cond delay="0"/>
+                                  </p:stCondLst>
+                                  <p:childTnLst>
+                                    <p:set>
+                                      <p:cBhvr>
+                                        <p:cTn id="24" dur="1" fill="hold">
+                                          <p:stCondLst>
+                                            <p:cond delay="0"/>
+                                          </p:stCondLst>
+                                        </p:cTn>
+                                        <p:tgtEl>
+                                          <p:spTgt spid="439299">
+                                            <p:txEl>
+                                              <p:pRg st="6" end="6"/>
+                                            </p:txEl>
+                                          </p:spTgt>
+                                        </p:tgtEl>
+                                        <p:attrNameLst>
+                                          <p:attrName>style.visibility</p:attrName>
+                                        </p:attrNameLst>
+                                      </p:cBhvr>
+                                      <p:to>
+                                        <p:strVal val="visible"/>
+                                      </p:to>
+                                    </p:set>
+                                  </p:childTnLst>
+                                </p:cTn>
+                              </p:par>
+                              <p:par>
+                                <p:cTn id="25" presetID="1" presetClass="entr" presetSubtype="0" fill="hold" nodeType="withEffect">
+                                  <p:stCondLst>
+                                    <p:cond delay="0"/>
+                                  </p:stCondLst>
+                                  <p:childTnLst>
+                                    <p:set>
+                                      <p:cBhvr>
+                                        <p:cTn id="26" dur="1" fill="hold">
+                                          <p:stCondLst>
+                                            <p:cond delay="0"/>
+                                          </p:stCondLst>
+                                        </p:cTn>
+                                        <p:tgtEl>
+                                          <p:spTgt spid="439299">
+                                            <p:txEl>
+                                              <p:pRg st="7" end="7"/>
+                                            </p:txEl>
+                                          </p:spTgt>
+                                        </p:tgtEl>
+                                        <p:attrNameLst>
+                                          <p:attrName>style.visibility</p:attrName>
+                                        </p:attrNameLst>
+                                      </p:cBhvr>
+                                      <p:to>
+                                        <p:strVal val="visible"/>
+                                      </p:to>
+                                    </p:set>
+                                  </p:childTnLst>
+                                </p:cTn>
+                              </p:par>
+                            </p:childTnLst>
+                          </p:cTn>
+                        </p:par>
+                      </p:childTnLst>
+                    </p:cTn>
+                  </p:par>
+                </p:childTnLst>
+              </p:cTn>
+              <p:prevCondLst>
+                <p:cond evt="onPrev" delay="0">
+                  <p:tgtEl>
+                    <p:sldTgt/>
+                  </p:tgtEl>
+                </p:cond>
+              </p:prevCondLst>
+              <p:nextCondLst>
+                <p:cond evt="onNext" delay="0">
+                  <p:tgtEl>
+                    <p:sldTgt/>
+                  </p:tgtEl>
+                </p:cond>
+              </p:nextCondLst>
+            </p:seq>
+          </p:childTnLst>
+        </p:cTn>
+      </p:par>
+    </p:tnLst>
+  </p:timing>
 </p:sld>
 </file>
 
@@ -8103,6 +9225,288 @@
   <p:clrMapOvr>
     <a:masterClrMapping/>
   </p:clrMapOvr>
+  <p:timing>
+    <p:tnLst>
+      <p:par>
+        <p:cTn id="1" dur="indefinite" restart="never" nodeType="tmRoot">
+          <p:childTnLst>
+            <p:seq concurrent="1" nextAc="seek">
+              <p:cTn id="2" dur="indefinite" nodeType="mainSeq">
+                <p:childTnLst>
+                  <p:par>
+                    <p:cTn id="3" fill="hold">
+                      <p:stCondLst>
+                        <p:cond delay="indefinite"/>
+                      </p:stCondLst>
+                      <p:childTnLst>
+                        <p:par>
+                          <p:cTn id="4" fill="hold">
+                            <p:stCondLst>
+                              <p:cond delay="0"/>
+                            </p:stCondLst>
+                            <p:childTnLst>
+                              <p:par>
+                                <p:cTn id="5" presetID="1" presetClass="entr" presetSubtype="0" fill="hold" grpId="0" nodeType="clickEffect">
+                                  <p:stCondLst>
+                                    <p:cond delay="0"/>
+                                  </p:stCondLst>
+                                  <p:childTnLst>
+                                    <p:set>
+                                      <p:cBhvr>
+                                        <p:cTn id="6" dur="1" fill="hold">
+                                          <p:stCondLst>
+                                            <p:cond delay="0"/>
+                                          </p:stCondLst>
+                                        </p:cTn>
+                                        <p:tgtEl>
+                                          <p:spTgt spid="11"/>
+                                        </p:tgtEl>
+                                        <p:attrNameLst>
+                                          <p:attrName>style.visibility</p:attrName>
+                                        </p:attrNameLst>
+                                      </p:cBhvr>
+                                      <p:to>
+                                        <p:strVal val="visible"/>
+                                      </p:to>
+                                    </p:set>
+                                  </p:childTnLst>
+                                </p:cTn>
+                              </p:par>
+                              <p:par>
+                                <p:cTn id="7" presetID="1" presetClass="entr" presetSubtype="0" fill="hold" grpId="0" nodeType="withEffect">
+                                  <p:stCondLst>
+                                    <p:cond delay="0"/>
+                                  </p:stCondLst>
+                                  <p:childTnLst>
+                                    <p:set>
+                                      <p:cBhvr>
+                                        <p:cTn id="8" dur="1" fill="hold">
+                                          <p:stCondLst>
+                                            <p:cond delay="0"/>
+                                          </p:stCondLst>
+                                        </p:cTn>
+                                        <p:tgtEl>
+                                          <p:spTgt spid="13"/>
+                                        </p:tgtEl>
+                                        <p:attrNameLst>
+                                          <p:attrName>style.visibility</p:attrName>
+                                        </p:attrNameLst>
+                                      </p:cBhvr>
+                                      <p:to>
+                                        <p:strVal val="visible"/>
+                                      </p:to>
+                                    </p:set>
+                                  </p:childTnLst>
+                                </p:cTn>
+                              </p:par>
+                              <p:par>
+                                <p:cTn id="9" presetID="1" presetClass="entr" presetSubtype="0" fill="hold" grpId="0" nodeType="withEffect">
+                                  <p:stCondLst>
+                                    <p:cond delay="0"/>
+                                  </p:stCondLst>
+                                  <p:childTnLst>
+                                    <p:set>
+                                      <p:cBhvr>
+                                        <p:cTn id="10" dur="1" fill="hold">
+                                          <p:stCondLst>
+                                            <p:cond delay="0"/>
+                                          </p:stCondLst>
+                                        </p:cTn>
+                                        <p:tgtEl>
+                                          <p:spTgt spid="12"/>
+                                        </p:tgtEl>
+                                        <p:attrNameLst>
+                                          <p:attrName>style.visibility</p:attrName>
+                                        </p:attrNameLst>
+                                      </p:cBhvr>
+                                      <p:to>
+                                        <p:strVal val="visible"/>
+                                      </p:to>
+                                    </p:set>
+                                  </p:childTnLst>
+                                </p:cTn>
+                              </p:par>
+                            </p:childTnLst>
+                          </p:cTn>
+                        </p:par>
+                      </p:childTnLst>
+                    </p:cTn>
+                  </p:par>
+                  <p:par>
+                    <p:cTn id="11" fill="hold">
+                      <p:stCondLst>
+                        <p:cond delay="indefinite"/>
+                      </p:stCondLst>
+                      <p:childTnLst>
+                        <p:par>
+                          <p:cTn id="12" fill="hold">
+                            <p:stCondLst>
+                              <p:cond delay="0"/>
+                            </p:stCondLst>
+                            <p:childTnLst>
+                              <p:par>
+                                <p:cTn id="13" presetID="1" presetClass="entr" presetSubtype="0" fill="hold" grpId="0" nodeType="clickEffect">
+                                  <p:stCondLst>
+                                    <p:cond delay="0"/>
+                                  </p:stCondLst>
+                                  <p:childTnLst>
+                                    <p:set>
+                                      <p:cBhvr>
+                                        <p:cTn id="14" dur="1" fill="hold">
+                                          <p:stCondLst>
+                                            <p:cond delay="0"/>
+                                          </p:stCondLst>
+                                        </p:cTn>
+                                        <p:tgtEl>
+                                          <p:spTgt spid="14"/>
+                                        </p:tgtEl>
+                                        <p:attrNameLst>
+                                          <p:attrName>style.visibility</p:attrName>
+                                        </p:attrNameLst>
+                                      </p:cBhvr>
+                                      <p:to>
+                                        <p:strVal val="visible"/>
+                                      </p:to>
+                                    </p:set>
+                                  </p:childTnLst>
+                                </p:cTn>
+                              </p:par>
+                              <p:par>
+                                <p:cTn id="15" presetID="1" presetClass="entr" presetSubtype="0" fill="hold" grpId="0" nodeType="withEffect">
+                                  <p:stCondLst>
+                                    <p:cond delay="0"/>
+                                  </p:stCondLst>
+                                  <p:childTnLst>
+                                    <p:set>
+                                      <p:cBhvr>
+                                        <p:cTn id="16" dur="1" fill="hold">
+                                          <p:stCondLst>
+                                            <p:cond delay="0"/>
+                                          </p:stCondLst>
+                                        </p:cTn>
+                                        <p:tgtEl>
+                                          <p:spTgt spid="16"/>
+                                        </p:tgtEl>
+                                        <p:attrNameLst>
+                                          <p:attrName>style.visibility</p:attrName>
+                                        </p:attrNameLst>
+                                      </p:cBhvr>
+                                      <p:to>
+                                        <p:strVal val="visible"/>
+                                      </p:to>
+                                    </p:set>
+                                  </p:childTnLst>
+                                </p:cTn>
+                              </p:par>
+                              <p:par>
+                                <p:cTn id="17" presetID="1" presetClass="entr" presetSubtype="0" fill="hold" grpId="0" nodeType="withEffect">
+                                  <p:stCondLst>
+                                    <p:cond delay="0"/>
+                                  </p:stCondLst>
+                                  <p:childTnLst>
+                                    <p:set>
+                                      <p:cBhvr>
+                                        <p:cTn id="18" dur="1" fill="hold">
+                                          <p:stCondLst>
+                                            <p:cond delay="0"/>
+                                          </p:stCondLst>
+                                        </p:cTn>
+                                        <p:tgtEl>
+                                          <p:spTgt spid="15"/>
+                                        </p:tgtEl>
+                                        <p:attrNameLst>
+                                          <p:attrName>style.visibility</p:attrName>
+                                        </p:attrNameLst>
+                                      </p:cBhvr>
+                                      <p:to>
+                                        <p:strVal val="visible"/>
+                                      </p:to>
+                                    </p:set>
+                                  </p:childTnLst>
+                                </p:cTn>
+                              </p:par>
+                            </p:childTnLst>
+                          </p:cTn>
+                        </p:par>
+                      </p:childTnLst>
+                    </p:cTn>
+                  </p:par>
+                  <p:par>
+                    <p:cTn id="19" fill="hold">
+                      <p:stCondLst>
+                        <p:cond delay="indefinite"/>
+                      </p:stCondLst>
+                      <p:childTnLst>
+                        <p:par>
+                          <p:cTn id="20" fill="hold">
+                            <p:stCondLst>
+                              <p:cond delay="0"/>
+                            </p:stCondLst>
+                            <p:childTnLst>
+                              <p:par>
+                                <p:cTn id="21" presetID="1" presetClass="entr" presetSubtype="0" fill="hold" grpId="0" nodeType="clickEffect">
+                                  <p:stCondLst>
+                                    <p:cond delay="0"/>
+                                  </p:stCondLst>
+                                  <p:childTnLst>
+                                    <p:set>
+                                      <p:cBhvr>
+                                        <p:cTn id="22" dur="1" fill="hold">
+                                          <p:stCondLst>
+                                            <p:cond delay="0"/>
+                                          </p:stCondLst>
+                                        </p:cTn>
+                                        <p:tgtEl>
+                                          <p:spTgt spid="2"/>
+                                        </p:tgtEl>
+                                        <p:attrNameLst>
+                                          <p:attrName>style.visibility</p:attrName>
+                                        </p:attrNameLst>
+                                      </p:cBhvr>
+                                      <p:to>
+                                        <p:strVal val="visible"/>
+                                      </p:to>
+                                    </p:set>
+                                  </p:childTnLst>
+                                </p:cTn>
+                              </p:par>
+                            </p:childTnLst>
+                          </p:cTn>
+                        </p:par>
+                      </p:childTnLst>
+                    </p:cTn>
+                  </p:par>
+                </p:childTnLst>
+              </p:cTn>
+              <p:prevCondLst>
+                <p:cond evt="onPrev" delay="0">
+                  <p:tgtEl>
+                    <p:sldTgt/>
+                  </p:tgtEl>
+                </p:cond>
+              </p:prevCondLst>
+              <p:nextCondLst>
+                <p:cond evt="onNext" delay="0">
+                  <p:tgtEl>
+                    <p:sldTgt/>
+                  </p:tgtEl>
+                </p:cond>
+              </p:nextCondLst>
+            </p:seq>
+          </p:childTnLst>
+        </p:cTn>
+      </p:par>
+    </p:tnLst>
+    <p:bldLst>
+      <p:bldP spid="11" grpId="0" animBg="1"/>
+      <p:bldP spid="12" grpId="0" animBg="1"/>
+      <p:bldP spid="13" grpId="0" animBg="1"/>
+      <p:bldP spid="14" grpId="0" animBg="1"/>
+      <p:bldP spid="15" grpId="0" animBg="1"/>
+      <p:bldP spid="16" grpId="0" animBg="1"/>
+      <p:bldP spid="2" grpId="0"/>
+    </p:bldLst>
+  </p:timing>
 </p:sld>
 </file>
 
@@ -8661,7 +10065,7 @@
                             </p:stCondLst>
                             <p:childTnLst>
                               <p:par>
-                                <p:cTn id="5" presetID="1" presetClass="entr" presetSubtype="0" fill="hold" nodeType="clickEffect">
+                                <p:cTn id="5" presetID="1" presetClass="entr" presetSubtype="0" fill="hold" grpId="0" nodeType="clickEffect">
                                   <p:stCondLst>
                                     <p:cond delay="0"/>
                                   </p:stCondLst>
@@ -8669,6 +10073,51 @@
                                     <p:set>
                                       <p:cBhvr>
                                         <p:cTn id="6" dur="1" fill="hold">
+                                          <p:stCondLst>
+                                            <p:cond delay="0"/>
+                                          </p:stCondLst>
+                                        </p:cTn>
+                                        <p:tgtEl>
+                                          <p:spTgt spid="17"/>
+                                        </p:tgtEl>
+                                        <p:attrNameLst>
+                                          <p:attrName>style.visibility</p:attrName>
+                                        </p:attrNameLst>
+                                      </p:cBhvr>
+                                      <p:to>
+                                        <p:strVal val="visible"/>
+                                      </p:to>
+                                    </p:set>
+                                  </p:childTnLst>
+                                </p:cTn>
+                              </p:par>
+                            </p:childTnLst>
+                          </p:cTn>
+                        </p:par>
+                      </p:childTnLst>
+                    </p:cTn>
+                  </p:par>
+                  <p:par>
+                    <p:cTn id="7" fill="hold">
+                      <p:stCondLst>
+                        <p:cond delay="indefinite"/>
+                      </p:stCondLst>
+                      <p:childTnLst>
+                        <p:par>
+                          <p:cTn id="8" fill="hold">
+                            <p:stCondLst>
+                              <p:cond delay="0"/>
+                            </p:stCondLst>
+                            <p:childTnLst>
+                              <p:par>
+                                <p:cTn id="9" presetID="1" presetClass="entr" presetSubtype="0" fill="hold" nodeType="clickEffect">
+                                  <p:stCondLst>
+                                    <p:cond delay="0"/>
+                                  </p:stCondLst>
+                                  <p:childTnLst>
+                                    <p:set>
+                                      <p:cBhvr>
+                                        <p:cTn id="10" dur="1" fill="hold">
                                           <p:stCondLst>
                                             <p:cond delay="0"/>
                                           </p:stCondLst>
@@ -8718,6 +10167,9 @@
         </p:cTn>
       </p:par>
     </p:tnLst>
+    <p:bldLst>
+      <p:bldP spid="17" grpId="0" animBg="1"/>
+    </p:bldLst>
   </p:timing>
 </p:sld>
 </file>
@@ -9753,6 +11205,294 @@
   <p:clrMapOvr>
     <a:masterClrMapping/>
   </p:clrMapOvr>
+  <p:timing>
+    <p:tnLst>
+      <p:par>
+        <p:cTn id="1" dur="indefinite" restart="never" nodeType="tmRoot">
+          <p:childTnLst>
+            <p:seq concurrent="1" nextAc="seek">
+              <p:cTn id="2" dur="indefinite" nodeType="mainSeq">
+                <p:childTnLst>
+                  <p:par>
+                    <p:cTn id="3" fill="hold">
+                      <p:stCondLst>
+                        <p:cond delay="indefinite"/>
+                      </p:stCondLst>
+                      <p:childTnLst>
+                        <p:par>
+                          <p:cTn id="4" fill="hold">
+                            <p:stCondLst>
+                              <p:cond delay="0"/>
+                            </p:stCondLst>
+                            <p:childTnLst>
+                              <p:par>
+                                <p:cTn id="5" presetID="1" presetClass="entr" presetSubtype="0" fill="hold" nodeType="clickEffect">
+                                  <p:stCondLst>
+                                    <p:cond delay="0"/>
+                                  </p:stCondLst>
+                                  <p:childTnLst>
+                                    <p:set>
+                                      <p:cBhvr>
+                                        <p:cTn id="6" dur="1" fill="hold">
+                                          <p:stCondLst>
+                                            <p:cond delay="0"/>
+                                          </p:stCondLst>
+                                        </p:cTn>
+                                        <p:tgtEl>
+                                          <p:spTgt spid="5">
+                                            <p:txEl>
+                                              <p:pRg st="1" end="1"/>
+                                            </p:txEl>
+                                          </p:spTgt>
+                                        </p:tgtEl>
+                                        <p:attrNameLst>
+                                          <p:attrName>style.visibility</p:attrName>
+                                        </p:attrNameLst>
+                                      </p:cBhvr>
+                                      <p:to>
+                                        <p:strVal val="visible"/>
+                                      </p:to>
+                                    </p:set>
+                                  </p:childTnLst>
+                                </p:cTn>
+                              </p:par>
+                            </p:childTnLst>
+                          </p:cTn>
+                        </p:par>
+                      </p:childTnLst>
+                    </p:cTn>
+                  </p:par>
+                  <p:par>
+                    <p:cTn id="7" fill="hold">
+                      <p:stCondLst>
+                        <p:cond delay="indefinite"/>
+                      </p:stCondLst>
+                      <p:childTnLst>
+                        <p:par>
+                          <p:cTn id="8" fill="hold">
+                            <p:stCondLst>
+                              <p:cond delay="0"/>
+                            </p:stCondLst>
+                            <p:childTnLst>
+                              <p:par>
+                                <p:cTn id="9" presetID="1" presetClass="entr" presetSubtype="0" fill="hold" nodeType="clickEffect">
+                                  <p:stCondLst>
+                                    <p:cond delay="0"/>
+                                  </p:stCondLst>
+                                  <p:childTnLst>
+                                    <p:set>
+                                      <p:cBhvr>
+                                        <p:cTn id="10" dur="1" fill="hold">
+                                          <p:stCondLst>
+                                            <p:cond delay="0"/>
+                                          </p:stCondLst>
+                                        </p:cTn>
+                                        <p:tgtEl>
+                                          <p:spTgt spid="5">
+                                            <p:txEl>
+                                              <p:pRg st="2" end="2"/>
+                                            </p:txEl>
+                                          </p:spTgt>
+                                        </p:tgtEl>
+                                        <p:attrNameLst>
+                                          <p:attrName>style.visibility</p:attrName>
+                                        </p:attrNameLst>
+                                      </p:cBhvr>
+                                      <p:to>
+                                        <p:strVal val="visible"/>
+                                      </p:to>
+                                    </p:set>
+                                  </p:childTnLst>
+                                </p:cTn>
+                              </p:par>
+                              <p:par>
+                                <p:cTn id="11" presetID="1" presetClass="entr" presetSubtype="0" fill="hold" nodeType="withEffect">
+                                  <p:stCondLst>
+                                    <p:cond delay="0"/>
+                                  </p:stCondLst>
+                                  <p:childTnLst>
+                                    <p:set>
+                                      <p:cBhvr>
+                                        <p:cTn id="12" dur="1" fill="hold">
+                                          <p:stCondLst>
+                                            <p:cond delay="0"/>
+                                          </p:stCondLst>
+                                        </p:cTn>
+                                        <p:tgtEl>
+                                          <p:spTgt spid="5">
+                                            <p:txEl>
+                                              <p:pRg st="3" end="3"/>
+                                            </p:txEl>
+                                          </p:spTgt>
+                                        </p:tgtEl>
+                                        <p:attrNameLst>
+                                          <p:attrName>style.visibility</p:attrName>
+                                        </p:attrNameLst>
+                                      </p:cBhvr>
+                                      <p:to>
+                                        <p:strVal val="visible"/>
+                                      </p:to>
+                                    </p:set>
+                                  </p:childTnLst>
+                                </p:cTn>
+                              </p:par>
+                            </p:childTnLst>
+                          </p:cTn>
+                        </p:par>
+                      </p:childTnLst>
+                    </p:cTn>
+                  </p:par>
+                  <p:par>
+                    <p:cTn id="13" fill="hold">
+                      <p:stCondLst>
+                        <p:cond delay="indefinite"/>
+                      </p:stCondLst>
+                      <p:childTnLst>
+                        <p:par>
+                          <p:cTn id="14" fill="hold">
+                            <p:stCondLst>
+                              <p:cond delay="0"/>
+                            </p:stCondLst>
+                            <p:childTnLst>
+                              <p:par>
+                                <p:cTn id="15" presetID="1" presetClass="entr" presetSubtype="0" fill="hold" nodeType="clickEffect">
+                                  <p:stCondLst>
+                                    <p:cond delay="0"/>
+                                  </p:stCondLst>
+                                  <p:childTnLst>
+                                    <p:set>
+                                      <p:cBhvr>
+                                        <p:cTn id="16" dur="1" fill="hold">
+                                          <p:stCondLst>
+                                            <p:cond delay="0"/>
+                                          </p:stCondLst>
+                                        </p:cTn>
+                                        <p:tgtEl>
+                                          <p:spTgt spid="5">
+                                            <p:txEl>
+                                              <p:pRg st="4" end="4"/>
+                                            </p:txEl>
+                                          </p:spTgt>
+                                        </p:tgtEl>
+                                        <p:attrNameLst>
+                                          <p:attrName>style.visibility</p:attrName>
+                                        </p:attrNameLst>
+                                      </p:cBhvr>
+                                      <p:to>
+                                        <p:strVal val="visible"/>
+                                      </p:to>
+                                    </p:set>
+                                  </p:childTnLst>
+                                </p:cTn>
+                              </p:par>
+                            </p:childTnLst>
+                          </p:cTn>
+                        </p:par>
+                      </p:childTnLst>
+                    </p:cTn>
+                  </p:par>
+                  <p:par>
+                    <p:cTn id="17" fill="hold">
+                      <p:stCondLst>
+                        <p:cond delay="indefinite"/>
+                      </p:stCondLst>
+                      <p:childTnLst>
+                        <p:par>
+                          <p:cTn id="18" fill="hold">
+                            <p:stCondLst>
+                              <p:cond delay="0"/>
+                            </p:stCondLst>
+                            <p:childTnLst>
+                              <p:par>
+                                <p:cTn id="19" presetID="1" presetClass="entr" presetSubtype="0" fill="hold" nodeType="clickEffect">
+                                  <p:stCondLst>
+                                    <p:cond delay="0"/>
+                                  </p:stCondLst>
+                                  <p:childTnLst>
+                                    <p:set>
+                                      <p:cBhvr>
+                                        <p:cTn id="20" dur="1" fill="hold">
+                                          <p:stCondLst>
+                                            <p:cond delay="0"/>
+                                          </p:stCondLst>
+                                        </p:cTn>
+                                        <p:tgtEl>
+                                          <p:spTgt spid="5">
+                                            <p:txEl>
+                                              <p:pRg st="5" end="5"/>
+                                            </p:txEl>
+                                          </p:spTgt>
+                                        </p:tgtEl>
+                                        <p:attrNameLst>
+                                          <p:attrName>style.visibility</p:attrName>
+                                        </p:attrNameLst>
+                                      </p:cBhvr>
+                                      <p:to>
+                                        <p:strVal val="visible"/>
+                                      </p:to>
+                                    </p:set>
+                                  </p:childTnLst>
+                                </p:cTn>
+                              </p:par>
+                              <p:par>
+                                <p:cTn id="21" presetID="1" presetClass="entr" presetSubtype="0" fill="hold" nodeType="withEffect">
+                                  <p:stCondLst>
+                                    <p:cond delay="0"/>
+                                  </p:stCondLst>
+                                  <p:childTnLst>
+                                    <p:set>
+                                      <p:cBhvr>
+                                        <p:cTn id="22" dur="1" fill="hold">
+                                          <p:stCondLst>
+                                            <p:cond delay="0"/>
+                                          </p:stCondLst>
+                                        </p:cTn>
+                                        <p:tgtEl>
+                                          <p:spTgt spid="5">
+                                            <p:txEl>
+                                              <p:pRg st="6" end="6"/>
+                                            </p:txEl>
+                                          </p:spTgt>
+                                        </p:tgtEl>
+                                        <p:attrNameLst>
+                                          <p:attrName>style.visibility</p:attrName>
+                                        </p:attrNameLst>
+                                      </p:cBhvr>
+                                      <p:to>
+                                        <p:strVal val="visible"/>
+                                      </p:to>
+                                    </p:set>
+                                  </p:childTnLst>
+                                </p:cTn>
+                              </p:par>
+                            </p:childTnLst>
+                          </p:cTn>
+                        </p:par>
+                      </p:childTnLst>
+                    </p:cTn>
+                  </p:par>
+                </p:childTnLst>
+              </p:cTn>
+              <p:prevCondLst>
+                <p:cond evt="onPrev" delay="0">
+                  <p:tgtEl>
+                    <p:sldTgt/>
+                  </p:tgtEl>
+                </p:cond>
+              </p:prevCondLst>
+              <p:nextCondLst>
+                <p:cond evt="onNext" delay="0">
+                  <p:tgtEl>
+                    <p:sldTgt/>
+                  </p:tgtEl>
+                </p:cond>
+              </p:nextCondLst>
+            </p:seq>
+          </p:childTnLst>
+        </p:cTn>
+      </p:par>
+    </p:tnLst>
+  </p:timing>
 </p:sld>
 </file>
 
@@ -10590,6 +12330,134 @@
   <p:clrMapOvr>
     <a:masterClrMapping/>
   </p:clrMapOvr>
+  <p:timing>
+    <p:tnLst>
+      <p:par>
+        <p:cTn id="1" dur="indefinite" restart="never" nodeType="tmRoot">
+          <p:childTnLst>
+            <p:seq concurrent="1" nextAc="seek">
+              <p:cTn id="2" dur="indefinite" nodeType="mainSeq">
+                <p:childTnLst>
+                  <p:par>
+                    <p:cTn id="3" fill="hold">
+                      <p:stCondLst>
+                        <p:cond delay="indefinite"/>
+                      </p:stCondLst>
+                      <p:childTnLst>
+                        <p:par>
+                          <p:cTn id="4" fill="hold">
+                            <p:stCondLst>
+                              <p:cond delay="0"/>
+                            </p:stCondLst>
+                            <p:childTnLst>
+                              <p:par>
+                                <p:cTn id="5" presetID="1" presetClass="entr" presetSubtype="0" fill="hold" nodeType="clickEffect">
+                                  <p:stCondLst>
+                                    <p:cond delay="0"/>
+                                  </p:stCondLst>
+                                  <p:childTnLst>
+                                    <p:set>
+                                      <p:cBhvr>
+                                        <p:cTn id="6" dur="1" fill="hold">
+                                          <p:stCondLst>
+                                            <p:cond delay="0"/>
+                                          </p:stCondLst>
+                                        </p:cTn>
+                                        <p:tgtEl>
+                                          <p:spTgt spid="423939">
+                                            <p:txEl>
+                                              <p:pRg st="1" end="1"/>
+                                            </p:txEl>
+                                          </p:spTgt>
+                                        </p:tgtEl>
+                                        <p:attrNameLst>
+                                          <p:attrName>style.visibility</p:attrName>
+                                        </p:attrNameLst>
+                                      </p:cBhvr>
+                                      <p:to>
+                                        <p:strVal val="visible"/>
+                                      </p:to>
+                                    </p:set>
+                                  </p:childTnLst>
+                                </p:cTn>
+                              </p:par>
+                            </p:childTnLst>
+                          </p:cTn>
+                        </p:par>
+                      </p:childTnLst>
+                    </p:cTn>
+                  </p:par>
+                  <p:par>
+                    <p:cTn id="7" fill="hold">
+                      <p:stCondLst>
+                        <p:cond delay="indefinite"/>
+                      </p:stCondLst>
+                      <p:childTnLst>
+                        <p:par>
+                          <p:cTn id="8" fill="hold">
+                            <p:stCondLst>
+                              <p:cond delay="0"/>
+                            </p:stCondLst>
+                            <p:childTnLst>
+                              <p:par>
+                                <p:cTn id="9" presetID="1" presetClass="entr" presetSubtype="0" fill="hold" nodeType="clickEffect">
+                                  <p:stCondLst>
+                                    <p:cond delay="0"/>
+                                  </p:stCondLst>
+                                  <p:childTnLst>
+                                    <p:set>
+                                      <p:cBhvr>
+                                        <p:cTn id="10" dur="1" fill="hold">
+                                          <p:stCondLst>
+                                            <p:cond delay="0"/>
+                                          </p:stCondLst>
+                                        </p:cTn>
+                                        <p:tgtEl>
+                                          <p:spTgt spid="423939">
+                                            <p:txEl>
+                                              <p:pRg st="2" end="2"/>
+                                            </p:txEl>
+                                          </p:spTgt>
+                                        </p:tgtEl>
+                                        <p:attrNameLst>
+                                          <p:attrName>style.visibility</p:attrName>
+                                        </p:attrNameLst>
+                                      </p:cBhvr>
+                                      <p:to>
+                                        <p:strVal val="visible"/>
+                                      </p:to>
+                                    </p:set>
+                                  </p:childTnLst>
+                                </p:cTn>
+                              </p:par>
+                            </p:childTnLst>
+                          </p:cTn>
+                        </p:par>
+                      </p:childTnLst>
+                    </p:cTn>
+                  </p:par>
+                </p:childTnLst>
+              </p:cTn>
+              <p:prevCondLst>
+                <p:cond evt="onPrev" delay="0">
+                  <p:tgtEl>
+                    <p:sldTgt/>
+                  </p:tgtEl>
+                </p:cond>
+              </p:prevCondLst>
+              <p:nextCondLst>
+                <p:cond evt="onNext" delay="0">
+                  <p:tgtEl>
+                    <p:sldTgt/>
+                  </p:tgtEl>
+                </p:cond>
+              </p:nextCondLst>
+            </p:seq>
+          </p:childTnLst>
+        </p:cTn>
+      </p:par>
+    </p:tnLst>
+  </p:timing>
 </p:sld>
 </file>
 
@@ -11608,7 +13476,7 @@
                                         <p:tgtEl>
                                           <p:spTgt spid="438275">
                                             <p:txEl>
-                                              <p:pRg st="2" end="2"/>
+                                              <p:pRg st="1" end="1"/>
                                             </p:txEl>
                                           </p:spTgt>
                                         </p:tgtEl>
@@ -11657,7 +13525,7 @@
                                         <p:tgtEl>
                                           <p:spTgt spid="438275">
                                             <p:txEl>
-                                              <p:pRg st="3" end="3"/>
+                                              <p:pRg st="2" end="2"/>
                                             </p:txEl>
                                           </p:spTgt>
                                         </p:tgtEl>
@@ -11699,6 +13567,55 @@
                                     <p:set>
                                       <p:cBhvr>
                                         <p:cTn id="14" dur="1" fill="hold">
+                                          <p:stCondLst>
+                                            <p:cond delay="0"/>
+                                          </p:stCondLst>
+                                        </p:cTn>
+                                        <p:tgtEl>
+                                          <p:spTgt spid="438275">
+                                            <p:txEl>
+                                              <p:pRg st="3" end="3"/>
+                                            </p:txEl>
+                                          </p:spTgt>
+                                        </p:tgtEl>
+                                        <p:attrNameLst>
+                                          <p:attrName>style.visibility</p:attrName>
+                                        </p:attrNameLst>
+                                      </p:cBhvr>
+                                      <p:to>
+                                        <p:strVal val="visible"/>
+                                      </p:to>
+                                    </p:set>
+                                  </p:childTnLst>
+                                </p:cTn>
+                              </p:par>
+                            </p:childTnLst>
+                          </p:cTn>
+                        </p:par>
+                      </p:childTnLst>
+                    </p:cTn>
+                  </p:par>
+                  <p:par>
+                    <p:cTn id="15" fill="hold">
+                      <p:stCondLst>
+                        <p:cond delay="indefinite"/>
+                      </p:stCondLst>
+                      <p:childTnLst>
+                        <p:par>
+                          <p:cTn id="16" fill="hold">
+                            <p:stCondLst>
+                              <p:cond delay="0"/>
+                            </p:stCondLst>
+                            <p:childTnLst>
+                              <p:par>
+                                <p:cTn id="17" presetID="1" presetClass="entr" presetSubtype="0" fill="hold" nodeType="clickEffect">
+                                  <p:stCondLst>
+                                    <p:cond delay="0"/>
+                                  </p:stCondLst>
+                                  <p:childTnLst>
+                                    <p:set>
+                                      <p:cBhvr>
+                                        <p:cTn id="18" dur="1" fill="hold">
                                           <p:stCondLst>
                                             <p:cond delay="0"/>
                                           </p:stCondLst>
@@ -12367,7 +14284,7 @@
                                         <p:tgtEl>
                                           <p:spTgt spid="5">
                                             <p:txEl>
-                                              <p:pRg st="5" end="5"/>
+                                              <p:pRg st="1" end="1"/>
                                             </p:txEl>
                                           </p:spTgt>
                                         </p:tgtEl>
@@ -12398,6 +14315,184 @@
                                         <p:tgtEl>
                                           <p:spTgt spid="5">
                                             <p:txEl>
+                                              <p:pRg st="2" end="2"/>
+                                            </p:txEl>
+                                          </p:spTgt>
+                                        </p:tgtEl>
+                                        <p:attrNameLst>
+                                          <p:attrName>style.visibility</p:attrName>
+                                        </p:attrNameLst>
+                                      </p:cBhvr>
+                                      <p:to>
+                                        <p:strVal val="visible"/>
+                                      </p:to>
+                                    </p:set>
+                                  </p:childTnLst>
+                                </p:cTn>
+                              </p:par>
+                            </p:childTnLst>
+                          </p:cTn>
+                        </p:par>
+                      </p:childTnLst>
+                    </p:cTn>
+                  </p:par>
+                  <p:par>
+                    <p:cTn id="9" fill="hold">
+                      <p:stCondLst>
+                        <p:cond delay="indefinite"/>
+                      </p:stCondLst>
+                      <p:childTnLst>
+                        <p:par>
+                          <p:cTn id="10" fill="hold">
+                            <p:stCondLst>
+                              <p:cond delay="0"/>
+                            </p:stCondLst>
+                            <p:childTnLst>
+                              <p:par>
+                                <p:cTn id="11" presetID="1" presetClass="entr" presetSubtype="0" fill="hold" nodeType="clickEffect">
+                                  <p:stCondLst>
+                                    <p:cond delay="0"/>
+                                  </p:stCondLst>
+                                  <p:childTnLst>
+                                    <p:set>
+                                      <p:cBhvr>
+                                        <p:cTn id="12" dur="1" fill="hold">
+                                          <p:stCondLst>
+                                            <p:cond delay="0"/>
+                                          </p:stCondLst>
+                                        </p:cTn>
+                                        <p:tgtEl>
+                                          <p:spTgt spid="5">
+                                            <p:txEl>
+                                              <p:pRg st="3" end="3"/>
+                                            </p:txEl>
+                                          </p:spTgt>
+                                        </p:tgtEl>
+                                        <p:attrNameLst>
+                                          <p:attrName>style.visibility</p:attrName>
+                                        </p:attrNameLst>
+                                      </p:cBhvr>
+                                      <p:to>
+                                        <p:strVal val="visible"/>
+                                      </p:to>
+                                    </p:set>
+                                  </p:childTnLst>
+                                </p:cTn>
+                              </p:par>
+                              <p:par>
+                                <p:cTn id="13" presetID="1" presetClass="entr" presetSubtype="0" fill="hold" nodeType="withEffect">
+                                  <p:stCondLst>
+                                    <p:cond delay="0"/>
+                                  </p:stCondLst>
+                                  <p:childTnLst>
+                                    <p:set>
+                                      <p:cBhvr>
+                                        <p:cTn id="14" dur="1" fill="hold">
+                                          <p:stCondLst>
+                                            <p:cond delay="0"/>
+                                          </p:stCondLst>
+                                        </p:cTn>
+                                        <p:tgtEl>
+                                          <p:spTgt spid="5">
+                                            <p:txEl>
+                                              <p:pRg st="4" end="4"/>
+                                            </p:txEl>
+                                          </p:spTgt>
+                                        </p:tgtEl>
+                                        <p:attrNameLst>
+                                          <p:attrName>style.visibility</p:attrName>
+                                        </p:attrNameLst>
+                                      </p:cBhvr>
+                                      <p:to>
+                                        <p:strVal val="visible"/>
+                                      </p:to>
+                                    </p:set>
+                                  </p:childTnLst>
+                                </p:cTn>
+                              </p:par>
+                            </p:childTnLst>
+                          </p:cTn>
+                        </p:par>
+                      </p:childTnLst>
+                    </p:cTn>
+                  </p:par>
+                  <p:par>
+                    <p:cTn id="15" fill="hold">
+                      <p:stCondLst>
+                        <p:cond delay="indefinite"/>
+                      </p:stCondLst>
+                      <p:childTnLst>
+                        <p:par>
+                          <p:cTn id="16" fill="hold">
+                            <p:stCondLst>
+                              <p:cond delay="0"/>
+                            </p:stCondLst>
+                            <p:childTnLst>
+                              <p:par>
+                                <p:cTn id="17" presetID="1" presetClass="entr" presetSubtype="0" fill="hold" nodeType="clickEffect">
+                                  <p:stCondLst>
+                                    <p:cond delay="0"/>
+                                  </p:stCondLst>
+                                  <p:childTnLst>
+                                    <p:set>
+                                      <p:cBhvr>
+                                        <p:cTn id="18" dur="1" fill="hold">
+                                          <p:stCondLst>
+                                            <p:cond delay="0"/>
+                                          </p:stCondLst>
+                                        </p:cTn>
+                                        <p:tgtEl>
+                                          <p:spTgt spid="5">
+                                            <p:txEl>
+                                              <p:pRg st="5" end="5"/>
+                                            </p:txEl>
+                                          </p:spTgt>
+                                        </p:tgtEl>
+                                        <p:attrNameLst>
+                                          <p:attrName>style.visibility</p:attrName>
+                                        </p:attrNameLst>
+                                      </p:cBhvr>
+                                      <p:to>
+                                        <p:strVal val="visible"/>
+                                      </p:to>
+                                    </p:set>
+                                  </p:childTnLst>
+                                </p:cTn>
+                              </p:par>
+                            </p:childTnLst>
+                          </p:cTn>
+                        </p:par>
+                      </p:childTnLst>
+                    </p:cTn>
+                  </p:par>
+                  <p:par>
+                    <p:cTn id="19" fill="hold">
+                      <p:stCondLst>
+                        <p:cond delay="indefinite"/>
+                      </p:stCondLst>
+                      <p:childTnLst>
+                        <p:par>
+                          <p:cTn id="20" fill="hold">
+                            <p:stCondLst>
+                              <p:cond delay="0"/>
+                            </p:stCondLst>
+                            <p:childTnLst>
+                              <p:par>
+                                <p:cTn id="21" presetID="1" presetClass="entr" presetSubtype="0" fill="hold" nodeType="clickEffect">
+                                  <p:stCondLst>
+                                    <p:cond delay="0"/>
+                                  </p:stCondLst>
+                                  <p:childTnLst>
+                                    <p:set>
+                                      <p:cBhvr>
+                                        <p:cTn id="22" dur="1" fill="hold">
+                                          <p:stCondLst>
+                                            <p:cond delay="0"/>
+                                          </p:stCondLst>
+                                        </p:cTn>
+                                        <p:tgtEl>
+                                          <p:spTgt spid="5">
+                                            <p:txEl>
                                               <p:pRg st="6" end="6"/>
                                             </p:txEl>
                                           </p:spTgt>
@@ -12413,15 +14508,33 @@
                                   </p:childTnLst>
                                 </p:cTn>
                               </p:par>
+                            </p:childTnLst>
+                          </p:cTn>
+                        </p:par>
+                      </p:childTnLst>
+                    </p:cTn>
+                  </p:par>
+                  <p:par>
+                    <p:cTn id="23" fill="hold">
+                      <p:stCondLst>
+                        <p:cond delay="indefinite"/>
+                      </p:stCondLst>
+                      <p:childTnLst>
+                        <p:par>
+                          <p:cTn id="24" fill="hold">
+                            <p:stCondLst>
+                              <p:cond delay="0"/>
+                            </p:stCondLst>
+                            <p:childTnLst>
                               <p:par>
-                                <p:cTn id="9" presetID="1" presetClass="entr" presetSubtype="0" fill="hold" nodeType="withEffect">
+                                <p:cTn id="25" presetID="1" presetClass="entr" presetSubtype="0" fill="hold" nodeType="clickEffect">
                                   <p:stCondLst>
                                     <p:cond delay="0"/>
                                   </p:stCondLst>
                                   <p:childTnLst>
                                     <p:set>
                                       <p:cBhvr>
-                                        <p:cTn id="10" dur="1" fill="hold">
+                                        <p:cTn id="26" dur="1" fill="hold">
                                           <p:stCondLst>
                                             <p:cond delay="0"/>
                                           </p:stCondLst>
@@ -12738,7 +14851,7 @@
         </p:nvSpPr>
         <p:spPr bwMode="auto">
           <a:xfrm>
-            <a:off x="760412" y="2209800"/>
+            <a:off x="757226" y="2225832"/>
             <a:ext cx="10668000" cy="1717393"/>
           </a:xfrm>
           <a:prstGeom prst="rect">
@@ -13028,6 +15141,276 @@
     <a:masterClrMapping/>
   </p:clrMapOvr>
   <p:transition/>
+  <p:timing>
+    <p:tnLst>
+      <p:par>
+        <p:cTn id="1" dur="indefinite" restart="never" nodeType="tmRoot">
+          <p:childTnLst>
+            <p:seq concurrent="1" nextAc="seek">
+              <p:cTn id="2" dur="indefinite" nodeType="mainSeq">
+                <p:childTnLst>
+                  <p:par>
+                    <p:cTn id="3" fill="hold">
+                      <p:stCondLst>
+                        <p:cond delay="indefinite"/>
+                      </p:stCondLst>
+                      <p:childTnLst>
+                        <p:par>
+                          <p:cTn id="4" fill="hold">
+                            <p:stCondLst>
+                              <p:cond delay="0"/>
+                            </p:stCondLst>
+                            <p:childTnLst>
+                              <p:par>
+                                <p:cTn id="5" presetID="1" presetClass="entr" presetSubtype="0" fill="hold" grpId="0" nodeType="clickEffect">
+                                  <p:stCondLst>
+                                    <p:cond delay="0"/>
+                                  </p:stCondLst>
+                                  <p:childTnLst>
+                                    <p:set>
+                                      <p:cBhvr>
+                                        <p:cTn id="6" dur="1" fill="hold">
+                                          <p:stCondLst>
+                                            <p:cond delay="0"/>
+                                          </p:stCondLst>
+                                        </p:cTn>
+                                        <p:tgtEl>
+                                          <p:spTgt spid="433156"/>
+                                        </p:tgtEl>
+                                        <p:attrNameLst>
+                                          <p:attrName>style.visibility</p:attrName>
+                                        </p:attrNameLst>
+                                      </p:cBhvr>
+                                      <p:to>
+                                        <p:strVal val="visible"/>
+                                      </p:to>
+                                    </p:set>
+                                  </p:childTnLst>
+                                </p:cTn>
+                              </p:par>
+                            </p:childTnLst>
+                          </p:cTn>
+                        </p:par>
+                      </p:childTnLst>
+                    </p:cTn>
+                  </p:par>
+                  <p:par>
+                    <p:cTn id="7" fill="hold">
+                      <p:stCondLst>
+                        <p:cond delay="indefinite"/>
+                      </p:stCondLst>
+                      <p:childTnLst>
+                        <p:par>
+                          <p:cTn id="8" fill="hold">
+                            <p:stCondLst>
+                              <p:cond delay="0"/>
+                            </p:stCondLst>
+                            <p:childTnLst>
+                              <p:par>
+                                <p:cTn id="9" presetID="1" presetClass="entr" presetSubtype="0" fill="hold" nodeType="clickEffect">
+                                  <p:stCondLst>
+                                    <p:cond delay="0"/>
+                                  </p:stCondLst>
+                                  <p:childTnLst>
+                                    <p:set>
+                                      <p:cBhvr>
+                                        <p:cTn id="10" dur="1" fill="hold">
+                                          <p:stCondLst>
+                                            <p:cond delay="0"/>
+                                          </p:stCondLst>
+                                        </p:cTn>
+                                        <p:tgtEl>
+                                          <p:spTgt spid="2"/>
+                                        </p:tgtEl>
+                                        <p:attrNameLst>
+                                          <p:attrName>style.visibility</p:attrName>
+                                        </p:attrNameLst>
+                                      </p:cBhvr>
+                                      <p:to>
+                                        <p:strVal val="visible"/>
+                                      </p:to>
+                                    </p:set>
+                                  </p:childTnLst>
+                                </p:cTn>
+                              </p:par>
+                            </p:childTnLst>
+                          </p:cTn>
+                        </p:par>
+                      </p:childTnLst>
+                    </p:cTn>
+                  </p:par>
+                  <p:par>
+                    <p:cTn id="11" fill="hold">
+                      <p:stCondLst>
+                        <p:cond delay="indefinite"/>
+                      </p:stCondLst>
+                      <p:childTnLst>
+                        <p:par>
+                          <p:cTn id="12" fill="hold">
+                            <p:stCondLst>
+                              <p:cond delay="0"/>
+                            </p:stCondLst>
+                            <p:childTnLst>
+                              <p:par>
+                                <p:cTn id="13" presetID="1" presetClass="entr" presetSubtype="0" fill="hold" nodeType="clickEffect">
+                                  <p:stCondLst>
+                                    <p:cond delay="0"/>
+                                  </p:stCondLst>
+                                  <p:childTnLst>
+                                    <p:set>
+                                      <p:cBhvr>
+                                        <p:cTn id="14" dur="1" fill="hold">
+                                          <p:stCondLst>
+                                            <p:cond delay="0"/>
+                                          </p:stCondLst>
+                                        </p:cTn>
+                                        <p:tgtEl>
+                                          <p:spTgt spid="433155">
+                                            <p:txEl>
+                                              <p:pRg st="4" end="4"/>
+                                            </p:txEl>
+                                          </p:spTgt>
+                                        </p:tgtEl>
+                                        <p:attrNameLst>
+                                          <p:attrName>style.visibility</p:attrName>
+                                        </p:attrNameLst>
+                                      </p:cBhvr>
+                                      <p:to>
+                                        <p:strVal val="visible"/>
+                                      </p:to>
+                                    </p:set>
+                                  </p:childTnLst>
+                                </p:cTn>
+                              </p:par>
+                            </p:childTnLst>
+                          </p:cTn>
+                        </p:par>
+                      </p:childTnLst>
+                    </p:cTn>
+                  </p:par>
+                  <p:par>
+                    <p:cTn id="15" fill="hold">
+                      <p:stCondLst>
+                        <p:cond delay="indefinite"/>
+                      </p:stCondLst>
+                      <p:childTnLst>
+                        <p:par>
+                          <p:cTn id="16" fill="hold">
+                            <p:stCondLst>
+                              <p:cond delay="0"/>
+                            </p:stCondLst>
+                            <p:childTnLst>
+                              <p:par>
+                                <p:cTn id="17" presetID="1" presetClass="entr" presetSubtype="0" fill="hold" nodeType="clickEffect">
+                                  <p:stCondLst>
+                                    <p:cond delay="0"/>
+                                  </p:stCondLst>
+                                  <p:childTnLst>
+                                    <p:set>
+                                      <p:cBhvr>
+                                        <p:cTn id="18" dur="1" fill="hold">
+                                          <p:stCondLst>
+                                            <p:cond delay="0"/>
+                                          </p:stCondLst>
+                                        </p:cTn>
+                                        <p:tgtEl>
+                                          <p:spTgt spid="433155">
+                                            <p:txEl>
+                                              <p:pRg st="5" end="5"/>
+                                            </p:txEl>
+                                          </p:spTgt>
+                                        </p:tgtEl>
+                                        <p:attrNameLst>
+                                          <p:attrName>style.visibility</p:attrName>
+                                        </p:attrNameLst>
+                                      </p:cBhvr>
+                                      <p:to>
+                                        <p:strVal val="visible"/>
+                                      </p:to>
+                                    </p:set>
+                                  </p:childTnLst>
+                                </p:cTn>
+                              </p:par>
+                            </p:childTnLst>
+                          </p:cTn>
+                        </p:par>
+                      </p:childTnLst>
+                    </p:cTn>
+                  </p:par>
+                  <p:par>
+                    <p:cTn id="19" fill="hold">
+                      <p:stCondLst>
+                        <p:cond delay="indefinite"/>
+                      </p:stCondLst>
+                      <p:childTnLst>
+                        <p:par>
+                          <p:cTn id="20" fill="hold">
+                            <p:stCondLst>
+                              <p:cond delay="0"/>
+                            </p:stCondLst>
+                            <p:childTnLst>
+                              <p:par>
+                                <p:cTn id="21" presetID="1" presetClass="entr" presetSubtype="0" fill="hold" nodeType="clickEffect">
+                                  <p:stCondLst>
+                                    <p:cond delay="0"/>
+                                  </p:stCondLst>
+                                  <p:childTnLst>
+                                    <p:set>
+                                      <p:cBhvr>
+                                        <p:cTn id="22" dur="1" fill="hold">
+                                          <p:stCondLst>
+                                            <p:cond delay="0"/>
+                                          </p:stCondLst>
+                                        </p:cTn>
+                                        <p:tgtEl>
+                                          <p:spTgt spid="433155">
+                                            <p:txEl>
+                                              <p:pRg st="6" end="6"/>
+                                            </p:txEl>
+                                          </p:spTgt>
+                                        </p:tgtEl>
+                                        <p:attrNameLst>
+                                          <p:attrName>style.visibility</p:attrName>
+                                        </p:attrNameLst>
+                                      </p:cBhvr>
+                                      <p:to>
+                                        <p:strVal val="visible"/>
+                                      </p:to>
+                                    </p:set>
+                                  </p:childTnLst>
+                                </p:cTn>
+                              </p:par>
+                            </p:childTnLst>
+                          </p:cTn>
+                        </p:par>
+                      </p:childTnLst>
+                    </p:cTn>
+                  </p:par>
+                </p:childTnLst>
+              </p:cTn>
+              <p:prevCondLst>
+                <p:cond evt="onPrev" delay="0">
+                  <p:tgtEl>
+                    <p:sldTgt/>
+                  </p:tgtEl>
+                </p:cond>
+              </p:prevCondLst>
+              <p:nextCondLst>
+                <p:cond evt="onNext" delay="0">
+                  <p:tgtEl>
+                    <p:sldTgt/>
+                  </p:tgtEl>
+                </p:cond>
+              </p:nextCondLst>
+            </p:seq>
+          </p:childTnLst>
+        </p:cTn>
+      </p:par>
+    </p:tnLst>
+    <p:bldLst>
+      <p:bldP spid="433156" grpId="0" animBg="1"/>
+    </p:bldLst>
+  </p:timing>
 </p:sld>
 </file>
 
@@ -13126,7 +15509,7 @@
             </a:r>
             <a:r>
               <a:rPr lang="bg-BG" sz="3200" dirty="0"/>
-              <a:t>матетматическ</a:t>
+              <a:t>математически</a:t>
             </a:r>
             <a:r>
               <a:rPr lang="en-US" sz="3200" dirty="0"/>
@@ -13972,6 +16355,1259 @@
                             </p:stCondLst>
                             <p:childTnLst>
                               <p:par>
+                                <p:cTn id="5" presetID="1" presetClass="entr" presetSubtype="0" fill="hold" nodeType="clickEffect">
+                                  <p:stCondLst>
+                                    <p:cond delay="0"/>
+                                  </p:stCondLst>
+                                  <p:childTnLst>
+                                    <p:set>
+                                      <p:cBhvr>
+                                        <p:cTn id="6" dur="1" fill="hold">
+                                          <p:stCondLst>
+                                            <p:cond delay="0"/>
+                                          </p:stCondLst>
+                                        </p:cTn>
+                                        <p:tgtEl>
+                                          <p:spTgt spid="3">
+                                            <p:txEl>
+                                              <p:pRg st="0" end="0"/>
+                                            </p:txEl>
+                                          </p:spTgt>
+                                        </p:tgtEl>
+                                        <p:attrNameLst>
+                                          <p:attrName>style.visibility</p:attrName>
+                                        </p:attrNameLst>
+                                      </p:cBhvr>
+                                      <p:to>
+                                        <p:strVal val="visible"/>
+                                      </p:to>
+                                    </p:set>
+                                  </p:childTnLst>
+                                </p:cTn>
+                              </p:par>
+                            </p:childTnLst>
+                          </p:cTn>
+                        </p:par>
+                      </p:childTnLst>
+                    </p:cTn>
+                  </p:par>
+                  <p:par>
+                    <p:cTn id="7" fill="hold">
+                      <p:stCondLst>
+                        <p:cond delay="indefinite"/>
+                      </p:stCondLst>
+                      <p:childTnLst>
+                        <p:par>
+                          <p:cTn id="8" fill="hold">
+                            <p:stCondLst>
+                              <p:cond delay="0"/>
+                            </p:stCondLst>
+                            <p:childTnLst>
+                              <p:par>
+                                <p:cTn id="9" presetID="1" presetClass="entr" presetSubtype="0" fill="hold" grpId="0" nodeType="clickEffect">
+                                  <p:stCondLst>
+                                    <p:cond delay="0"/>
+                                  </p:stCondLst>
+                                  <p:childTnLst>
+                                    <p:set>
+                                      <p:cBhvr>
+                                        <p:cTn id="10" dur="1" fill="hold">
+                                          <p:stCondLst>
+                                            <p:cond delay="0"/>
+                                          </p:stCondLst>
+                                        </p:cTn>
+                                        <p:tgtEl>
+                                          <p:spTgt spid="6"/>
+                                        </p:tgtEl>
+                                        <p:attrNameLst>
+                                          <p:attrName>style.visibility</p:attrName>
+                                        </p:attrNameLst>
+                                      </p:cBhvr>
+                                      <p:to>
+                                        <p:strVal val="visible"/>
+                                      </p:to>
+                                    </p:set>
+                                  </p:childTnLst>
+                                </p:cTn>
+                              </p:par>
+                            </p:childTnLst>
+                          </p:cTn>
+                        </p:par>
+                      </p:childTnLst>
+                    </p:cTn>
+                  </p:par>
+                  <p:par>
+                    <p:cTn id="11" fill="hold">
+                      <p:stCondLst>
+                        <p:cond delay="indefinite"/>
+                      </p:stCondLst>
+                      <p:childTnLst>
+                        <p:par>
+                          <p:cTn id="12" fill="hold">
+                            <p:stCondLst>
+                              <p:cond delay="0"/>
+                            </p:stCondLst>
+                            <p:childTnLst>
+                              <p:par>
+                                <p:cTn id="13" presetID="1" presetClass="entr" presetSubtype="0" fill="hold" nodeType="clickEffect">
+                                  <p:stCondLst>
+                                    <p:cond delay="0"/>
+                                  </p:stCondLst>
+                                  <p:childTnLst>
+                                    <p:set>
+                                      <p:cBhvr>
+                                        <p:cTn id="14" dur="1" fill="hold">
+                                          <p:stCondLst>
+                                            <p:cond delay="0"/>
+                                          </p:stCondLst>
+                                        </p:cTn>
+                                        <p:tgtEl>
+                                          <p:spTgt spid="3">
+                                            <p:txEl>
+                                              <p:pRg st="1" end="1"/>
+                                            </p:txEl>
+                                          </p:spTgt>
+                                        </p:tgtEl>
+                                        <p:attrNameLst>
+                                          <p:attrName>style.visibility</p:attrName>
+                                        </p:attrNameLst>
+                                      </p:cBhvr>
+                                      <p:to>
+                                        <p:strVal val="visible"/>
+                                      </p:to>
+                                    </p:set>
+                                  </p:childTnLst>
+                                </p:cTn>
+                              </p:par>
+                            </p:childTnLst>
+                          </p:cTn>
+                        </p:par>
+                      </p:childTnLst>
+                    </p:cTn>
+                  </p:par>
+                  <p:par>
+                    <p:cTn id="15" fill="hold">
+                      <p:stCondLst>
+                        <p:cond delay="indefinite"/>
+                      </p:stCondLst>
+                      <p:childTnLst>
+                        <p:par>
+                          <p:cTn id="16" fill="hold">
+                            <p:stCondLst>
+                              <p:cond delay="0"/>
+                            </p:stCondLst>
+                            <p:childTnLst>
+                              <p:par>
+                                <p:cTn id="17" presetID="1" presetClass="entr" presetSubtype="0" fill="hold" nodeType="clickEffect">
+                                  <p:stCondLst>
+                                    <p:cond delay="0"/>
+                                  </p:stCondLst>
+                                  <p:childTnLst>
+                                    <p:set>
+                                      <p:cBhvr>
+                                        <p:cTn id="18" dur="1" fill="hold">
+                                          <p:stCondLst>
+                                            <p:cond delay="0"/>
+                                          </p:stCondLst>
+                                        </p:cTn>
+                                        <p:tgtEl>
+                                          <p:spTgt spid="3">
+                                            <p:txEl>
+                                              <p:pRg st="2" end="2"/>
+                                            </p:txEl>
+                                          </p:spTgt>
+                                        </p:tgtEl>
+                                        <p:attrNameLst>
+                                          <p:attrName>style.visibility</p:attrName>
+                                        </p:attrNameLst>
+                                      </p:cBhvr>
+                                      <p:to>
+                                        <p:strVal val="visible"/>
+                                      </p:to>
+                                    </p:set>
+                                  </p:childTnLst>
+                                </p:cTn>
+                              </p:par>
+                            </p:childTnLst>
+                          </p:cTn>
+                        </p:par>
+                      </p:childTnLst>
+                    </p:cTn>
+                  </p:par>
+                  <p:par>
+                    <p:cTn id="19" fill="hold">
+                      <p:stCondLst>
+                        <p:cond delay="indefinite"/>
+                      </p:stCondLst>
+                      <p:childTnLst>
+                        <p:par>
+                          <p:cTn id="20" fill="hold">
+                            <p:stCondLst>
+                              <p:cond delay="0"/>
+                            </p:stCondLst>
+                            <p:childTnLst>
+                              <p:par>
+                                <p:cTn id="21" presetID="1" presetClass="entr" presetSubtype="0" fill="hold" nodeType="clickEffect">
+                                  <p:stCondLst>
+                                    <p:cond delay="0"/>
+                                  </p:stCondLst>
+                                  <p:childTnLst>
+                                    <p:set>
+                                      <p:cBhvr>
+                                        <p:cTn id="22" dur="1" fill="hold">
+                                          <p:stCondLst>
+                                            <p:cond delay="0"/>
+                                          </p:stCondLst>
+                                        </p:cTn>
+                                        <p:tgtEl>
+                                          <p:spTgt spid="3">
+                                            <p:txEl>
+                                              <p:pRg st="3" end="3"/>
+                                            </p:txEl>
+                                          </p:spTgt>
+                                        </p:tgtEl>
+                                        <p:attrNameLst>
+                                          <p:attrName>style.visibility</p:attrName>
+                                        </p:attrNameLst>
+                                      </p:cBhvr>
+                                      <p:to>
+                                        <p:strVal val="visible"/>
+                                      </p:to>
+                                    </p:set>
+                                  </p:childTnLst>
+                                </p:cTn>
+                              </p:par>
+                            </p:childTnLst>
+                          </p:cTn>
+                        </p:par>
+                      </p:childTnLst>
+                    </p:cTn>
+                  </p:par>
+                  <p:par>
+                    <p:cTn id="23" fill="hold">
+                      <p:stCondLst>
+                        <p:cond delay="indefinite"/>
+                      </p:stCondLst>
+                      <p:childTnLst>
+                        <p:par>
+                          <p:cTn id="24" fill="hold">
+                            <p:stCondLst>
+                              <p:cond delay="0"/>
+                            </p:stCondLst>
+                            <p:childTnLst>
+                              <p:par>
+                                <p:cTn id="25" presetID="1" presetClass="entr" presetSubtype="0" fill="hold" grpId="0" nodeType="clickEffect">
+                                  <p:stCondLst>
+                                    <p:cond delay="0"/>
+                                  </p:stCondLst>
+                                  <p:childTnLst>
+                                    <p:set>
+                                      <p:cBhvr>
+                                        <p:cTn id="26" dur="1" fill="hold">
+                                          <p:stCondLst>
+                                            <p:cond delay="0"/>
+                                          </p:stCondLst>
+                                        </p:cTn>
+                                        <p:tgtEl>
+                                          <p:spTgt spid="5"/>
+                                        </p:tgtEl>
+                                        <p:attrNameLst>
+                                          <p:attrName>style.visibility</p:attrName>
+                                        </p:attrNameLst>
+                                      </p:cBhvr>
+                                      <p:to>
+                                        <p:strVal val="visible"/>
+                                      </p:to>
+                                    </p:set>
+                                  </p:childTnLst>
+                                </p:cTn>
+                              </p:par>
+                            </p:childTnLst>
+                          </p:cTn>
+                        </p:par>
+                      </p:childTnLst>
+                    </p:cTn>
+                  </p:par>
+                </p:childTnLst>
+              </p:cTn>
+              <p:prevCondLst>
+                <p:cond evt="onPrev" delay="0">
+                  <p:tgtEl>
+                    <p:sldTgt/>
+                  </p:tgtEl>
+                </p:cond>
+              </p:prevCondLst>
+              <p:nextCondLst>
+                <p:cond evt="onNext" delay="0">
+                  <p:tgtEl>
+                    <p:sldTgt/>
+                  </p:tgtEl>
+                </p:cond>
+              </p:nextCondLst>
+            </p:seq>
+          </p:childTnLst>
+        </p:cTn>
+      </p:par>
+    </p:tnLst>
+    <p:bldLst>
+      <p:bldP spid="5" grpId="0" animBg="1"/>
+      <p:bldP spid="6" grpId="0" animBg="1"/>
+    </p:bldLst>
+  </p:timing>
+</p:sld>
+</file>
+
+<file path=ppt/slides/slide8.xml><?xml version="1.0" encoding="utf-8"?>
+<p:sld xmlns:a="http://schemas.openxmlformats.org/drawingml/2006/main" xmlns:r="http://schemas.openxmlformats.org/officeDocument/2006/relationships" xmlns:p="http://schemas.openxmlformats.org/presentationml/2006/main">
+  <p:cSld>
+    <p:spTree>
+      <p:nvGrpSpPr>
+        <p:cNvPr id="1" name=""/>
+        <p:cNvGrpSpPr/>
+        <p:nvPr/>
+      </p:nvGrpSpPr>
+      <p:grpSpPr>
+        <a:xfrm>
+          <a:off x="0" y="0"/>
+          <a:ext cx="0" cy="0"/>
+          <a:chOff x="0" y="0"/>
+          <a:chExt cx="0" cy="0"/>
+        </a:xfrm>
+      </p:grpSpPr>
+      <p:sp>
+        <p:nvSpPr>
+          <p:cNvPr id="3" name="Content Placeholder 2"/>
+          <p:cNvSpPr>
+            <a:spLocks noGrp="1"/>
+          </p:cNvSpPr>
+          <p:nvPr>
+            <p:ph idx="1"/>
+          </p:nvPr>
+        </p:nvSpPr>
+        <p:spPr/>
+        <p:txBody>
+          <a:bodyPr/>
+          <a:lstStyle/>
+          <a:p>
+            <a:r>
+              <a:rPr lang="bg-BG" dirty="0"/>
+              <a:t>Напишете програма, в която да въведете радиус</a:t>
+            </a:r>
+            <a:r>
+              <a:rPr lang="en-US" dirty="0"/>
+              <a:t> </a:t>
+            </a:r>
+            <a:r>
+              <a:rPr lang="en-US" b="1" dirty="0">
+                <a:solidFill>
+                  <a:schemeClr val="tx2">
+                    <a:lumMod val="75000"/>
+                  </a:schemeClr>
+                </a:solidFill>
+                <a:latin typeface="Consolas" panose="020B0609020204030204" pitchFamily="49" charset="0"/>
+              </a:rPr>
+              <a:t>r</a:t>
+            </a:r>
+            <a:r>
+              <a:rPr lang="en-US" dirty="0"/>
+              <a:t> (</a:t>
+            </a:r>
+            <a:r>
+              <a:rPr lang="bg-BG" dirty="0"/>
+              <a:t>реално число</a:t>
+            </a:r>
+            <a:r>
+              <a:rPr lang="en-US" dirty="0"/>
+              <a:t>) </a:t>
+            </a:r>
+            <a:r>
+              <a:rPr lang="bg-BG" dirty="0"/>
+              <a:t>и изведете</a:t>
+            </a:r>
+            <a:r>
+              <a:rPr lang="en-US" dirty="0"/>
+              <a:t> </a:t>
+            </a:r>
+            <a:r>
+              <a:rPr lang="bg-BG" dirty="0">
+                <a:solidFill>
+                  <a:schemeClr val="tx2">
+                    <a:lumMod val="75000"/>
+                  </a:schemeClr>
+                </a:solidFill>
+              </a:rPr>
+              <a:t>лицето на кръга</a:t>
+            </a:r>
+            <a:r>
+              <a:rPr lang="en-US" dirty="0">
+                <a:solidFill>
+                  <a:schemeClr val="tx2">
+                    <a:lumMod val="75000"/>
+                  </a:schemeClr>
+                </a:solidFill>
+              </a:rPr>
+              <a:t> </a:t>
+            </a:r>
+            <a:r>
+              <a:rPr lang="bg-BG" dirty="0"/>
+              <a:t>с точност</a:t>
+            </a:r>
+            <a:r>
+              <a:rPr lang="en-US" dirty="0"/>
+              <a:t> </a:t>
+            </a:r>
+            <a:r>
+              <a:rPr lang="en-US" dirty="0">
+                <a:solidFill>
+                  <a:schemeClr val="tx2">
+                    <a:lumMod val="75000"/>
+                  </a:schemeClr>
+                </a:solidFill>
+              </a:rPr>
+              <a:t>12 </a:t>
+            </a:r>
+            <a:r>
+              <a:rPr lang="bg-BG" dirty="0">
+                <a:solidFill>
+                  <a:schemeClr val="tx2">
+                    <a:lumMod val="75000"/>
+                  </a:schemeClr>
+                </a:solidFill>
+              </a:rPr>
+              <a:t>знака</a:t>
+            </a:r>
+            <a:r>
+              <a:rPr lang="en-US" dirty="0">
+                <a:solidFill>
+                  <a:schemeClr val="tx2">
+                    <a:lumMod val="75000"/>
+                  </a:schemeClr>
+                </a:solidFill>
+              </a:rPr>
+              <a:t> </a:t>
+            </a:r>
+            <a:r>
+              <a:rPr lang="bg-BG" dirty="0"/>
+              <a:t>след запетаята</a:t>
+            </a:r>
+            <a:r>
+              <a:rPr lang="en-US" dirty="0"/>
+              <a:t>:</a:t>
+            </a:r>
+          </a:p>
+          <a:p>
+            <a:pPr marL="0" indent="0">
+              <a:buNone/>
+            </a:pPr>
+            <a:endParaRPr lang="en-US" dirty="0"/>
+          </a:p>
+          <a:p>
+            <a:pPr>
+              <a:spcBef>
+                <a:spcPts val="1800"/>
+              </a:spcBef>
+            </a:pPr>
+            <a:r>
+              <a:rPr lang="bg-BG" dirty="0"/>
+              <a:t>Примерно решение</a:t>
+            </a:r>
+            <a:r>
+              <a:rPr lang="en-US" dirty="0"/>
+              <a:t>:</a:t>
+            </a:r>
+            <a:endParaRPr lang="en-US" b="1" dirty="0">
+              <a:solidFill>
+                <a:schemeClr val="tx2">
+                  <a:lumMod val="75000"/>
+                </a:schemeClr>
+              </a:solidFill>
+              <a:latin typeface="Consolas" panose="020B0609020204030204" pitchFamily="49" charset="0"/>
+            </a:endParaRPr>
+          </a:p>
+        </p:txBody>
+      </p:sp>
+      <p:sp>
+        <p:nvSpPr>
+          <p:cNvPr id="4" name="Title 3"/>
+          <p:cNvSpPr>
+            <a:spLocks noGrp="1"/>
+          </p:cNvSpPr>
+          <p:nvPr>
+            <p:ph type="title"/>
+          </p:nvPr>
+        </p:nvSpPr>
+        <p:spPr/>
+        <p:txBody>
+          <a:bodyPr>
+            <a:normAutofit/>
+          </a:bodyPr>
+          <a:lstStyle/>
+          <a:p>
+            <a:r>
+              <a:rPr lang="bg-BG" dirty="0"/>
+              <a:t>Задача</a:t>
+            </a:r>
+            <a:r>
+              <a:rPr lang="en-US" dirty="0"/>
+              <a:t>: </a:t>
+            </a:r>
+            <a:r>
+              <a:rPr lang="bg-BG" dirty="0"/>
+              <a:t>Лице на кръг</a:t>
+            </a:r>
+            <a:r>
+              <a:rPr lang="en-US" dirty="0"/>
+              <a:t> (</a:t>
+            </a:r>
+            <a:r>
+              <a:rPr lang="bg-BG" dirty="0"/>
+              <a:t>с точност 12 знака</a:t>
+            </a:r>
+            <a:r>
+              <a:rPr lang="en-US" dirty="0"/>
+              <a:t>)</a:t>
+            </a:r>
+          </a:p>
+        </p:txBody>
+      </p:sp>
+      <p:sp>
+        <p:nvSpPr>
+          <p:cNvPr id="6" name="Rectangle 5"/>
+          <p:cNvSpPr>
+            <a:spLocks noChangeArrowheads="1"/>
+          </p:cNvSpPr>
+          <p:nvPr/>
+        </p:nvSpPr>
+        <p:spPr bwMode="auto">
+          <a:xfrm>
+            <a:off x="836612" y="4651300"/>
+            <a:ext cx="10439400" cy="1139900"/>
+          </a:xfrm>
+          <a:prstGeom prst="rect">
+            <a:avLst/>
+          </a:prstGeom>
+          <a:solidFill>
+            <a:schemeClr val="accent5">
+              <a:lumMod val="40000"/>
+              <a:lumOff val="60000"/>
+              <a:alpha val="20000"/>
+            </a:schemeClr>
+          </a:solidFill>
+          <a:ln w="12700">
+            <a:solidFill>
+              <a:schemeClr val="accent5">
+                <a:lumMod val="60000"/>
+                <a:lumOff val="40000"/>
+              </a:schemeClr>
+            </a:solidFill>
+          </a:ln>
+        </p:spPr>
+        <p:txBody>
+          <a:bodyPr wrap="square" lIns="180000" tIns="108000" rIns="180000" bIns="108000">
+            <a:spAutoFit/>
+          </a:bodyPr>
+          <a:lstStyle/>
+          <a:p>
+            <a:pPr eaLnBrk="0" hangingPunct="0">
+              <a:lnSpc>
+                <a:spcPct val="110000"/>
+              </a:lnSpc>
+              <a:buClr>
+                <a:schemeClr val="accent5">
+                  <a:lumMod val="40000"/>
+                  <a:lumOff val="60000"/>
+                </a:schemeClr>
+              </a:buClr>
+              <a:buSzPct val="70000"/>
+            </a:pPr>
+            <a:r>
+              <a:rPr lang="en-US" sz="2800" b="1" noProof="1">
+                <a:solidFill>
+                  <a:srgbClr val="FBEEDC"/>
+                </a:solidFill>
+                <a:effectLst>
+                  <a:outerShdw blurRad="38100" dist="38100" dir="2700000" algn="tl">
+                    <a:srgbClr val="000000">
+                      <a:alpha val="43137"/>
+                    </a:srgbClr>
+                  </a:outerShdw>
+                </a:effectLst>
+                <a:latin typeface="Consolas" pitchFamily="49" charset="0"/>
+                <a:cs typeface="Consolas" pitchFamily="49" charset="0"/>
+              </a:rPr>
+              <a:t>double r = double.Parse(Console.ReadLine());</a:t>
+            </a:r>
+          </a:p>
+          <a:p>
+            <a:pPr eaLnBrk="0" hangingPunct="0">
+              <a:lnSpc>
+                <a:spcPct val="110000"/>
+              </a:lnSpc>
+              <a:buClr>
+                <a:schemeClr val="accent5">
+                  <a:lumMod val="40000"/>
+                  <a:lumOff val="60000"/>
+                </a:schemeClr>
+              </a:buClr>
+              <a:buSzPct val="70000"/>
+            </a:pPr>
+            <a:r>
+              <a:rPr lang="en-US" sz="2800" b="1" noProof="1">
+                <a:solidFill>
+                  <a:srgbClr val="FBEEDC"/>
+                </a:solidFill>
+                <a:effectLst>
+                  <a:outerShdw blurRad="38100" dist="38100" dir="2700000" algn="tl">
+                    <a:srgbClr val="000000">
+                      <a:alpha val="43137"/>
+                    </a:srgbClr>
+                  </a:outerShdw>
+                </a:effectLst>
+                <a:latin typeface="Consolas" pitchFamily="49" charset="0"/>
+                <a:cs typeface="Consolas" pitchFamily="49" charset="0"/>
+              </a:rPr>
+              <a:t>Console.WriteLine("{0:f12}", Math.PI * r * r);</a:t>
+            </a:r>
+            <a:endParaRPr lang="bg-BG" sz="2800" b="1" noProof="1">
+              <a:solidFill>
+                <a:srgbClr val="FBEEDC"/>
+              </a:solidFill>
+              <a:effectLst>
+                <a:outerShdw blurRad="38100" dist="38100" dir="2700000" algn="tl">
+                  <a:srgbClr val="000000">
+                    <a:alpha val="43137"/>
+                  </a:srgbClr>
+                </a:outerShdw>
+              </a:effectLst>
+              <a:latin typeface="Consolas" pitchFamily="49" charset="0"/>
+              <a:cs typeface="Consolas" pitchFamily="49" charset="0"/>
+            </a:endParaRPr>
+          </a:p>
+        </p:txBody>
+      </p:sp>
+      <p:sp>
+        <p:nvSpPr>
+          <p:cNvPr id="11" name="Rectangle 10"/>
+          <p:cNvSpPr>
+            <a:spLocks noChangeArrowheads="1"/>
+          </p:cNvSpPr>
+          <p:nvPr/>
+        </p:nvSpPr>
+        <p:spPr bwMode="auto">
+          <a:xfrm>
+            <a:off x="698586" y="2971800"/>
+            <a:ext cx="990600" cy="692085"/>
+          </a:xfrm>
+          <a:prstGeom prst="rect">
+            <a:avLst/>
+          </a:prstGeom>
+          <a:solidFill>
+            <a:schemeClr val="accent5">
+              <a:lumMod val="40000"/>
+              <a:lumOff val="60000"/>
+              <a:alpha val="20000"/>
+            </a:schemeClr>
+          </a:solidFill>
+          <a:ln w="12700">
+            <a:solidFill>
+              <a:schemeClr val="accent5">
+                <a:lumMod val="60000"/>
+                <a:lumOff val="40000"/>
+              </a:schemeClr>
+            </a:solidFill>
+          </a:ln>
+        </p:spPr>
+        <p:txBody>
+          <a:bodyPr wrap="square" lIns="180000" tIns="108000" rIns="180000" bIns="108000">
+            <a:spAutoFit/>
+          </a:bodyPr>
+          <a:lstStyle/>
+          <a:p>
+            <a:pPr eaLnBrk="0" hangingPunct="0">
+              <a:lnSpc>
+                <a:spcPct val="110000"/>
+              </a:lnSpc>
+              <a:buClr>
+                <a:schemeClr val="accent5">
+                  <a:lumMod val="40000"/>
+                  <a:lumOff val="60000"/>
+                </a:schemeClr>
+              </a:buClr>
+              <a:buSzPct val="70000"/>
+            </a:pPr>
+            <a:r>
+              <a:rPr lang="en-US" sz="2800" b="1" noProof="1">
+                <a:solidFill>
+                  <a:srgbClr val="FBEEDC"/>
+                </a:solidFill>
+                <a:effectLst>
+                  <a:outerShdw blurRad="38100" dist="38100" dir="2700000" algn="tl">
+                    <a:srgbClr val="000000">
+                      <a:alpha val="43137"/>
+                    </a:srgbClr>
+                  </a:outerShdw>
+                </a:effectLst>
+                <a:latin typeface="Consolas" pitchFamily="49" charset="0"/>
+                <a:cs typeface="Consolas" pitchFamily="49" charset="0"/>
+              </a:rPr>
+              <a:t>2.5</a:t>
+            </a:r>
+          </a:p>
+        </p:txBody>
+      </p:sp>
+      <p:sp>
+        <p:nvSpPr>
+          <p:cNvPr id="12" name="Rectangle 11"/>
+          <p:cNvSpPr>
+            <a:spLocks noChangeArrowheads="1"/>
+          </p:cNvSpPr>
+          <p:nvPr/>
+        </p:nvSpPr>
+        <p:spPr bwMode="auto">
+          <a:xfrm>
+            <a:off x="2527386" y="2971800"/>
+            <a:ext cx="3319378" cy="692085"/>
+          </a:xfrm>
+          <a:prstGeom prst="rect">
+            <a:avLst/>
+          </a:prstGeom>
+          <a:solidFill>
+            <a:schemeClr val="accent5">
+              <a:lumMod val="40000"/>
+              <a:lumOff val="60000"/>
+              <a:alpha val="20000"/>
+            </a:schemeClr>
+          </a:solidFill>
+          <a:ln w="12700">
+            <a:solidFill>
+              <a:schemeClr val="accent5">
+                <a:lumMod val="60000"/>
+                <a:lumOff val="40000"/>
+              </a:schemeClr>
+            </a:solidFill>
+          </a:ln>
+        </p:spPr>
+        <p:txBody>
+          <a:bodyPr wrap="square" lIns="180000" tIns="108000" rIns="180000" bIns="108000">
+            <a:spAutoFit/>
+          </a:bodyPr>
+          <a:lstStyle/>
+          <a:p>
+            <a:pPr eaLnBrk="0" hangingPunct="0">
+              <a:lnSpc>
+                <a:spcPct val="110000"/>
+              </a:lnSpc>
+              <a:buClr>
+                <a:schemeClr val="accent5">
+                  <a:lumMod val="40000"/>
+                  <a:lumOff val="60000"/>
+                </a:schemeClr>
+              </a:buClr>
+              <a:buSzPct val="70000"/>
+            </a:pPr>
+            <a:r>
+              <a:rPr lang="en-US" sz="2800" b="1" noProof="1">
+                <a:solidFill>
+                  <a:srgbClr val="FBEEDC"/>
+                </a:solidFill>
+                <a:effectLst>
+                  <a:outerShdw blurRad="38100" dist="38100" dir="2700000" algn="tl">
+                    <a:srgbClr val="000000">
+                      <a:alpha val="43137"/>
+                    </a:srgbClr>
+                  </a:outerShdw>
+                </a:effectLst>
+                <a:latin typeface="Consolas" pitchFamily="49" charset="0"/>
+                <a:cs typeface="Consolas" pitchFamily="49" charset="0"/>
+              </a:rPr>
+              <a:t>19.634954084936</a:t>
+            </a:r>
+          </a:p>
+        </p:txBody>
+      </p:sp>
+      <p:sp>
+        <p:nvSpPr>
+          <p:cNvPr id="13" name="Right Arrow 12"/>
+          <p:cNvSpPr/>
+          <p:nvPr/>
+        </p:nvSpPr>
+        <p:spPr>
+          <a:xfrm>
+            <a:off x="1898738" y="3114262"/>
+            <a:ext cx="457200" cy="381000"/>
+          </a:xfrm>
+          <a:prstGeom prst="rightArrow">
+            <a:avLst/>
+          </a:prstGeom>
+        </p:spPr>
+        <p:style>
+          <a:lnRef idx="2">
+            <a:schemeClr val="accent1">
+              <a:shade val="50000"/>
+            </a:schemeClr>
+          </a:lnRef>
+          <a:fillRef idx="1">
+            <a:schemeClr val="accent1"/>
+          </a:fillRef>
+          <a:effectRef idx="0">
+            <a:schemeClr val="accent1"/>
+          </a:effectRef>
+          <a:fontRef idx="minor">
+            <a:schemeClr val="lt1"/>
+          </a:fontRef>
+        </p:style>
+        <p:txBody>
+          <a:bodyPr rtlCol="0" anchor="ctr"/>
+          <a:lstStyle/>
+          <a:p>
+            <a:pPr algn="ctr"/>
+            <a:endParaRPr lang="en-US" sz="2800"/>
+          </a:p>
+        </p:txBody>
+      </p:sp>
+      <p:sp>
+        <p:nvSpPr>
+          <p:cNvPr id="17" name="Rectangle 16"/>
+          <p:cNvSpPr>
+            <a:spLocks noChangeArrowheads="1"/>
+          </p:cNvSpPr>
+          <p:nvPr/>
+        </p:nvSpPr>
+        <p:spPr bwMode="auto">
+          <a:xfrm>
+            <a:off x="6532564" y="2971800"/>
+            <a:ext cx="990600" cy="692085"/>
+          </a:xfrm>
+          <a:prstGeom prst="rect">
+            <a:avLst/>
+          </a:prstGeom>
+          <a:solidFill>
+            <a:schemeClr val="accent5">
+              <a:lumMod val="40000"/>
+              <a:lumOff val="60000"/>
+              <a:alpha val="20000"/>
+            </a:schemeClr>
+          </a:solidFill>
+          <a:ln w="12700">
+            <a:solidFill>
+              <a:schemeClr val="accent5">
+                <a:lumMod val="60000"/>
+                <a:lumOff val="40000"/>
+              </a:schemeClr>
+            </a:solidFill>
+          </a:ln>
+        </p:spPr>
+        <p:txBody>
+          <a:bodyPr wrap="square" lIns="180000" tIns="108000" rIns="180000" bIns="108000">
+            <a:spAutoFit/>
+          </a:bodyPr>
+          <a:lstStyle/>
+          <a:p>
+            <a:pPr eaLnBrk="0" hangingPunct="0">
+              <a:lnSpc>
+                <a:spcPct val="110000"/>
+              </a:lnSpc>
+              <a:buClr>
+                <a:schemeClr val="accent5">
+                  <a:lumMod val="40000"/>
+                  <a:lumOff val="60000"/>
+                </a:schemeClr>
+              </a:buClr>
+              <a:buSzPct val="70000"/>
+            </a:pPr>
+            <a:r>
+              <a:rPr lang="en-US" sz="2800" b="1" noProof="1">
+                <a:solidFill>
+                  <a:srgbClr val="FBEEDC"/>
+                </a:solidFill>
+                <a:effectLst>
+                  <a:outerShdw blurRad="38100" dist="38100" dir="2700000" algn="tl">
+                    <a:srgbClr val="000000">
+                      <a:alpha val="43137"/>
+                    </a:srgbClr>
+                  </a:outerShdw>
+                </a:effectLst>
+                <a:latin typeface="Consolas" pitchFamily="49" charset="0"/>
+                <a:cs typeface="Consolas" pitchFamily="49" charset="0"/>
+              </a:rPr>
+              <a:t>1.2</a:t>
+            </a:r>
+          </a:p>
+        </p:txBody>
+      </p:sp>
+      <p:sp>
+        <p:nvSpPr>
+          <p:cNvPr id="18" name="Rectangle 17"/>
+          <p:cNvSpPr>
+            <a:spLocks noChangeArrowheads="1"/>
+          </p:cNvSpPr>
+          <p:nvPr/>
+        </p:nvSpPr>
+        <p:spPr bwMode="auto">
+          <a:xfrm>
+            <a:off x="8361364" y="2971800"/>
+            <a:ext cx="3124200" cy="692085"/>
+          </a:xfrm>
+          <a:prstGeom prst="rect">
+            <a:avLst/>
+          </a:prstGeom>
+          <a:solidFill>
+            <a:schemeClr val="accent5">
+              <a:lumMod val="40000"/>
+              <a:lumOff val="60000"/>
+              <a:alpha val="20000"/>
+            </a:schemeClr>
+          </a:solidFill>
+          <a:ln w="12700">
+            <a:solidFill>
+              <a:schemeClr val="accent5">
+                <a:lumMod val="60000"/>
+                <a:lumOff val="40000"/>
+              </a:schemeClr>
+            </a:solidFill>
+          </a:ln>
+        </p:spPr>
+        <p:txBody>
+          <a:bodyPr wrap="square" lIns="180000" tIns="108000" rIns="180000" bIns="108000">
+            <a:spAutoFit/>
+          </a:bodyPr>
+          <a:lstStyle/>
+          <a:p>
+            <a:pPr eaLnBrk="0" hangingPunct="0">
+              <a:lnSpc>
+                <a:spcPct val="110000"/>
+              </a:lnSpc>
+              <a:buClr>
+                <a:schemeClr val="accent5">
+                  <a:lumMod val="40000"/>
+                  <a:lumOff val="60000"/>
+                </a:schemeClr>
+              </a:buClr>
+              <a:buSzPct val="70000"/>
+            </a:pPr>
+            <a:r>
+              <a:rPr lang="en-US" sz="2800" b="1" noProof="1">
+                <a:solidFill>
+                  <a:srgbClr val="FBEEDC"/>
+                </a:solidFill>
+                <a:effectLst>
+                  <a:outerShdw blurRad="38100" dist="38100" dir="2700000" algn="tl">
+                    <a:srgbClr val="000000">
+                      <a:alpha val="43137"/>
+                    </a:srgbClr>
+                  </a:outerShdw>
+                </a:effectLst>
+                <a:latin typeface="Consolas" pitchFamily="49" charset="0"/>
+                <a:cs typeface="Consolas" pitchFamily="49" charset="0"/>
+              </a:rPr>
+              <a:t>4.523893421169</a:t>
+            </a:r>
+          </a:p>
+        </p:txBody>
+      </p:sp>
+      <p:sp>
+        <p:nvSpPr>
+          <p:cNvPr id="19" name="Right Arrow 18"/>
+          <p:cNvSpPr/>
+          <p:nvPr/>
+        </p:nvSpPr>
+        <p:spPr>
+          <a:xfrm>
+            <a:off x="7732716" y="3114262"/>
+            <a:ext cx="457200" cy="381000"/>
+          </a:xfrm>
+          <a:prstGeom prst="rightArrow">
+            <a:avLst/>
+          </a:prstGeom>
+        </p:spPr>
+        <p:style>
+          <a:lnRef idx="2">
+            <a:schemeClr val="accent1">
+              <a:shade val="50000"/>
+            </a:schemeClr>
+          </a:lnRef>
+          <a:fillRef idx="1">
+            <a:schemeClr val="accent1"/>
+          </a:fillRef>
+          <a:effectRef idx="0">
+            <a:schemeClr val="accent1"/>
+          </a:effectRef>
+          <a:fontRef idx="minor">
+            <a:schemeClr val="lt1"/>
+          </a:fontRef>
+        </p:style>
+        <p:txBody>
+          <a:bodyPr rtlCol="0" anchor="ctr"/>
+          <a:lstStyle/>
+          <a:p>
+            <a:pPr algn="ctr"/>
+            <a:endParaRPr lang="en-US" sz="2800"/>
+          </a:p>
+        </p:txBody>
+      </p:sp>
+      <p:sp>
+        <p:nvSpPr>
+          <p:cNvPr id="14" name="Slide Number Placeholder">
+            <a:extLst>
+              <a:ext uri="{FF2B5EF4-FFF2-40B4-BE49-F238E27FC236}">
+                <a16:creationId xmlns:a16="http://schemas.microsoft.com/office/drawing/2014/main" id="{2AB03286-4D36-4F1D-9B23-8278E82316A3}"/>
+              </a:ext>
+            </a:extLst>
+          </p:cNvPr>
+          <p:cNvSpPr>
+            <a:spLocks noGrp="1"/>
+          </p:cNvSpPr>
+          <p:nvPr>
+            <p:ph type="sldNum" sz="quarter" idx="4"/>
+          </p:nvPr>
+        </p:nvSpPr>
+        <p:spPr>
+          <a:xfrm>
+            <a:off x="11566412" y="6525002"/>
+            <a:ext cx="428822" cy="196477"/>
+          </a:xfrm>
+          <a:prstGeom prst="rect">
+            <a:avLst/>
+          </a:prstGeom>
+        </p:spPr>
+        <p:txBody>
+          <a:bodyPr vert="horz" lIns="36000" tIns="36000" rIns="36000" bIns="36000" rtlCol="0" anchor="ctr"/>
+          <a:lstStyle>
+            <a:lvl1pPr algn="r">
+              <a:defRPr sz="1000">
+                <a:solidFill>
+                  <a:schemeClr val="tx1">
+                    <a:tint val="75000"/>
+                  </a:schemeClr>
+                </a:solidFill>
+              </a:defRPr>
+            </a:lvl1pPr>
+          </a:lstStyle>
+          <a:p>
+            <a:fld id="{C014DD1E-5D91-48A3-AD6D-45FBA980D106}" type="slidenum">
+              <a:rPr lang="en-US" smtClean="0">
+                <a:solidFill>
+                  <a:prstClr val="white">
+                    <a:tint val="75000"/>
+                  </a:prstClr>
+                </a:solidFill>
+              </a:rPr>
+              <a:pPr/>
+              <a:t>8</a:t>
+            </a:fld>
+            <a:endParaRPr lang="en-US" dirty="0">
+              <a:solidFill>
+                <a:prstClr val="white">
+                  <a:tint val="75000"/>
+                </a:prstClr>
+              </a:solidFill>
+            </a:endParaRPr>
+          </a:p>
+        </p:txBody>
+      </p:sp>
+      <p:sp>
+        <p:nvSpPr>
+          <p:cNvPr id="15" name="Текстово поле 8">
+            <a:extLst>
+              <a:ext uri="{FF2B5EF4-FFF2-40B4-BE49-F238E27FC236}">
+                <a16:creationId xmlns:a16="http://schemas.microsoft.com/office/drawing/2014/main" id="{B775C725-2D35-46A8-AC07-A0FDF9684789}"/>
+              </a:ext>
+            </a:extLst>
+          </p:cNvPr>
+          <p:cNvSpPr txBox="1"/>
+          <p:nvPr/>
+        </p:nvSpPr>
+        <p:spPr>
+          <a:xfrm>
+            <a:off x="646112" y="6172200"/>
+            <a:ext cx="10820400" cy="470000"/>
+          </a:xfrm>
+          <a:prstGeom prst="rect">
+            <a:avLst/>
+          </a:prstGeom>
+          <a:noFill/>
+        </p:spPr>
+        <p:txBody>
+          <a:bodyPr wrap="square">
+            <a:spAutoFit/>
+          </a:bodyPr>
+          <a:lstStyle>
+            <a:defPPr>
+              <a:defRPr lang="en-US"/>
+            </a:defPPr>
+            <a:lvl1pPr marL="0" algn="l" defTabSz="1218987" rtl="0" eaLnBrk="1" latinLnBrk="0" hangingPunct="1">
+              <a:defRPr sz="2400" kern="1200">
+                <a:solidFill>
+                  <a:schemeClr val="tx1"/>
+                </a:solidFill>
+                <a:latin typeface="+mn-lt"/>
+                <a:ea typeface="+mn-ea"/>
+                <a:cs typeface="+mn-cs"/>
+              </a:defRPr>
+            </a:lvl1pPr>
+            <a:lvl2pPr marL="609493" algn="l" defTabSz="1218987" rtl="0" eaLnBrk="1" latinLnBrk="0" hangingPunct="1">
+              <a:defRPr sz="2400" kern="1200">
+                <a:solidFill>
+                  <a:schemeClr val="tx1"/>
+                </a:solidFill>
+                <a:latin typeface="+mn-lt"/>
+                <a:ea typeface="+mn-ea"/>
+                <a:cs typeface="+mn-cs"/>
+              </a:defRPr>
+            </a:lvl2pPr>
+            <a:lvl3pPr marL="1218987" algn="l" defTabSz="1218987" rtl="0" eaLnBrk="1" latinLnBrk="0" hangingPunct="1">
+              <a:defRPr sz="2400" kern="1200">
+                <a:solidFill>
+                  <a:schemeClr val="tx1"/>
+                </a:solidFill>
+                <a:latin typeface="+mn-lt"/>
+                <a:ea typeface="+mn-ea"/>
+                <a:cs typeface="+mn-cs"/>
+              </a:defRPr>
+            </a:lvl3pPr>
+            <a:lvl4pPr marL="1828480" algn="l" defTabSz="1218987" rtl="0" eaLnBrk="1" latinLnBrk="0" hangingPunct="1">
+              <a:defRPr sz="2400" kern="1200">
+                <a:solidFill>
+                  <a:schemeClr val="tx1"/>
+                </a:solidFill>
+                <a:latin typeface="+mn-lt"/>
+                <a:ea typeface="+mn-ea"/>
+                <a:cs typeface="+mn-cs"/>
+              </a:defRPr>
+            </a:lvl4pPr>
+            <a:lvl5pPr marL="2437973" algn="l" defTabSz="1218987" rtl="0" eaLnBrk="1" latinLnBrk="0" hangingPunct="1">
+              <a:defRPr sz="2400" kern="1200">
+                <a:solidFill>
+                  <a:schemeClr val="tx1"/>
+                </a:solidFill>
+                <a:latin typeface="+mn-lt"/>
+                <a:ea typeface="+mn-ea"/>
+                <a:cs typeface="+mn-cs"/>
+              </a:defRPr>
+            </a:lvl5pPr>
+            <a:lvl6pPr marL="3047467" algn="l" defTabSz="1218987" rtl="0" eaLnBrk="1" latinLnBrk="0" hangingPunct="1">
+              <a:defRPr sz="2400" kern="1200">
+                <a:solidFill>
+                  <a:schemeClr val="tx1"/>
+                </a:solidFill>
+                <a:latin typeface="+mn-lt"/>
+                <a:ea typeface="+mn-ea"/>
+                <a:cs typeface="+mn-cs"/>
+              </a:defRPr>
+            </a:lvl6pPr>
+            <a:lvl7pPr marL="3656960" algn="l" defTabSz="1218987" rtl="0" eaLnBrk="1" latinLnBrk="0" hangingPunct="1">
+              <a:defRPr sz="2400" kern="1200">
+                <a:solidFill>
+                  <a:schemeClr val="tx1"/>
+                </a:solidFill>
+                <a:latin typeface="+mn-lt"/>
+                <a:ea typeface="+mn-ea"/>
+                <a:cs typeface="+mn-cs"/>
+              </a:defRPr>
+            </a:lvl7pPr>
+            <a:lvl8pPr marL="4266453" algn="l" defTabSz="1218987" rtl="0" eaLnBrk="1" latinLnBrk="0" hangingPunct="1">
+              <a:defRPr sz="2400" kern="1200">
+                <a:solidFill>
+                  <a:schemeClr val="tx1"/>
+                </a:solidFill>
+                <a:latin typeface="+mn-lt"/>
+                <a:ea typeface="+mn-ea"/>
+                <a:cs typeface="+mn-cs"/>
+              </a:defRPr>
+            </a:lvl8pPr>
+            <a:lvl9pPr marL="4875947" algn="l" defTabSz="1218987" rtl="0" eaLnBrk="1" latinLnBrk="0" hangingPunct="1">
+              <a:defRPr sz="2400" kern="1200">
+                <a:solidFill>
+                  <a:schemeClr val="tx1"/>
+                </a:solidFill>
+                <a:latin typeface="+mn-lt"/>
+                <a:ea typeface="+mn-ea"/>
+                <a:cs typeface="+mn-cs"/>
+              </a:defRPr>
+            </a:lvl9pPr>
+          </a:lstStyle>
+          <a:p>
+            <a:pPr marL="0" marR="0" algn="ctr">
+              <a:lnSpc>
+                <a:spcPct val="107000"/>
+              </a:lnSpc>
+              <a:spcBef>
+                <a:spcPts val="0"/>
+              </a:spcBef>
+              <a:spcAft>
+                <a:spcPts val="0"/>
+              </a:spcAft>
+            </a:pPr>
+            <a:r>
+              <a:rPr lang="bg-BG" sz="2400" dirty="0">
+                <a:effectLst/>
+                <a:latin typeface="Calibri" panose="020F0502020204030204" pitchFamily="34" charset="0"/>
+                <a:ea typeface="Calibri" panose="020F0502020204030204" pitchFamily="34" charset="0"/>
+                <a:cs typeface="Times New Roman" panose="02020603050405020304" pitchFamily="18" charset="0"/>
+              </a:rPr>
+              <a:t>Тествайте в </a:t>
+            </a:r>
+            <a:r>
+              <a:rPr lang="en-US" sz="2400" dirty="0">
+                <a:effectLst/>
+                <a:latin typeface="Calibri" panose="020F0502020204030204" pitchFamily="34" charset="0"/>
+                <a:ea typeface="Calibri" panose="020F0502020204030204" pitchFamily="34" charset="0"/>
+                <a:cs typeface="Times New Roman" panose="02020603050405020304" pitchFamily="18" charset="0"/>
+              </a:rPr>
+              <a:t>Judge: </a:t>
+            </a:r>
+            <a:r>
+              <a:rPr lang="en-US" u="sng" dirty="0">
+                <a:solidFill>
+                  <a:srgbClr val="0563C1"/>
+                </a:solidFill>
+                <a:latin typeface="Calibri" panose="020F0502020204030204" pitchFamily="34" charset="0"/>
+                <a:ea typeface="Calibri" panose="020F0502020204030204" pitchFamily="34" charset="0"/>
+                <a:cs typeface="Times New Roman" panose="02020603050405020304" pitchFamily="18" charset="0"/>
+                <a:hlinkClick r:id="rId2"/>
+              </a:rPr>
+              <a:t>https://judge.softuni.bg/Contests/2648</a:t>
+            </a:r>
+            <a:endParaRPr lang="en-US" sz="2400" dirty="0">
+              <a:effectLst/>
+              <a:latin typeface="Calibri" panose="020F0502020204030204" pitchFamily="34" charset="0"/>
+              <a:ea typeface="Calibri" panose="020F0502020204030204" pitchFamily="34" charset="0"/>
+              <a:cs typeface="Times New Roman" panose="02020603050405020304" pitchFamily="18" charset="0"/>
+            </a:endParaRPr>
+          </a:p>
+        </p:txBody>
+      </p:sp>
+    </p:spTree>
+    <p:extLst>
+      <p:ext uri="{BB962C8B-B14F-4D97-AF65-F5344CB8AC3E}">
+        <p14:creationId xmlns:p14="http://schemas.microsoft.com/office/powerpoint/2010/main" val="342907714"/>
+      </p:ext>
+    </p:extLst>
+  </p:cSld>
+  <p:clrMapOvr>
+    <a:masterClrMapping/>
+  </p:clrMapOvr>
+  <p:timing>
+    <p:tnLst>
+      <p:par>
+        <p:cTn id="1" dur="indefinite" restart="never" nodeType="tmRoot">
+          <p:childTnLst>
+            <p:seq concurrent="1" nextAc="seek">
+              <p:cTn id="2" dur="indefinite" nodeType="mainSeq">
+                <p:childTnLst>
+                  <p:par>
+                    <p:cTn id="3" fill="hold">
+                      <p:stCondLst>
+                        <p:cond delay="indefinite"/>
+                      </p:stCondLst>
+                      <p:childTnLst>
+                        <p:par>
+                          <p:cTn id="4" fill="hold">
+                            <p:stCondLst>
+                              <p:cond delay="0"/>
+                            </p:stCondLst>
+                            <p:childTnLst>
+                              <p:par>
                                 <p:cTn id="5" presetID="1" presetClass="entr" presetSubtype="0" fill="hold" grpId="0" nodeType="clickEffect">
                                   <p:stCondLst>
                                     <p:cond delay="0"/>
@@ -13985,7 +17621,281 @@
                                           </p:stCondLst>
                                         </p:cTn>
                                         <p:tgtEl>
+                                          <p:spTgt spid="11"/>
+                                        </p:tgtEl>
+                                        <p:attrNameLst>
+                                          <p:attrName>style.visibility</p:attrName>
+                                        </p:attrNameLst>
+                                      </p:cBhvr>
+                                      <p:to>
+                                        <p:strVal val="visible"/>
+                                      </p:to>
+                                    </p:set>
+                                  </p:childTnLst>
+                                </p:cTn>
+                              </p:par>
+                              <p:par>
+                                <p:cTn id="7" presetID="1" presetClass="entr" presetSubtype="0" fill="hold" grpId="0" nodeType="withEffect">
+                                  <p:stCondLst>
+                                    <p:cond delay="0"/>
+                                  </p:stCondLst>
+                                  <p:childTnLst>
+                                    <p:set>
+                                      <p:cBhvr>
+                                        <p:cTn id="8" dur="1" fill="hold">
+                                          <p:stCondLst>
+                                            <p:cond delay="0"/>
+                                          </p:stCondLst>
+                                        </p:cTn>
+                                        <p:tgtEl>
+                                          <p:spTgt spid="13"/>
+                                        </p:tgtEl>
+                                        <p:attrNameLst>
+                                          <p:attrName>style.visibility</p:attrName>
+                                        </p:attrNameLst>
+                                      </p:cBhvr>
+                                      <p:to>
+                                        <p:strVal val="visible"/>
+                                      </p:to>
+                                    </p:set>
+                                  </p:childTnLst>
+                                </p:cTn>
+                              </p:par>
+                              <p:par>
+                                <p:cTn id="9" presetID="1" presetClass="entr" presetSubtype="0" fill="hold" grpId="0" nodeType="withEffect">
+                                  <p:stCondLst>
+                                    <p:cond delay="0"/>
+                                  </p:stCondLst>
+                                  <p:childTnLst>
+                                    <p:set>
+                                      <p:cBhvr>
+                                        <p:cTn id="10" dur="1" fill="hold">
+                                          <p:stCondLst>
+                                            <p:cond delay="0"/>
+                                          </p:stCondLst>
+                                        </p:cTn>
+                                        <p:tgtEl>
+                                          <p:spTgt spid="12"/>
+                                        </p:tgtEl>
+                                        <p:attrNameLst>
+                                          <p:attrName>style.visibility</p:attrName>
+                                        </p:attrNameLst>
+                                      </p:cBhvr>
+                                      <p:to>
+                                        <p:strVal val="visible"/>
+                                      </p:to>
+                                    </p:set>
+                                  </p:childTnLst>
+                                </p:cTn>
+                              </p:par>
+                            </p:childTnLst>
+                          </p:cTn>
+                        </p:par>
+                      </p:childTnLst>
+                    </p:cTn>
+                  </p:par>
+                  <p:par>
+                    <p:cTn id="11" fill="hold">
+                      <p:stCondLst>
+                        <p:cond delay="indefinite"/>
+                      </p:stCondLst>
+                      <p:childTnLst>
+                        <p:par>
+                          <p:cTn id="12" fill="hold">
+                            <p:stCondLst>
+                              <p:cond delay="0"/>
+                            </p:stCondLst>
+                            <p:childTnLst>
+                              <p:par>
+                                <p:cTn id="13" presetID="1" presetClass="entr" presetSubtype="0" fill="hold" grpId="0" nodeType="clickEffect">
+                                  <p:stCondLst>
+                                    <p:cond delay="0"/>
+                                  </p:stCondLst>
+                                  <p:childTnLst>
+                                    <p:set>
+                                      <p:cBhvr>
+                                        <p:cTn id="14" dur="1" fill="hold">
+                                          <p:stCondLst>
+                                            <p:cond delay="0"/>
+                                          </p:stCondLst>
+                                        </p:cTn>
+                                        <p:tgtEl>
+                                          <p:spTgt spid="17"/>
+                                        </p:tgtEl>
+                                        <p:attrNameLst>
+                                          <p:attrName>style.visibility</p:attrName>
+                                        </p:attrNameLst>
+                                      </p:cBhvr>
+                                      <p:to>
+                                        <p:strVal val="visible"/>
+                                      </p:to>
+                                    </p:set>
+                                  </p:childTnLst>
+                                </p:cTn>
+                              </p:par>
+                              <p:par>
+                                <p:cTn id="15" presetID="1" presetClass="entr" presetSubtype="0" fill="hold" grpId="0" nodeType="withEffect">
+                                  <p:stCondLst>
+                                    <p:cond delay="0"/>
+                                  </p:stCondLst>
+                                  <p:childTnLst>
+                                    <p:set>
+                                      <p:cBhvr>
+                                        <p:cTn id="16" dur="1" fill="hold">
+                                          <p:stCondLst>
+                                            <p:cond delay="0"/>
+                                          </p:stCondLst>
+                                        </p:cTn>
+                                        <p:tgtEl>
+                                          <p:spTgt spid="19"/>
+                                        </p:tgtEl>
+                                        <p:attrNameLst>
+                                          <p:attrName>style.visibility</p:attrName>
+                                        </p:attrNameLst>
+                                      </p:cBhvr>
+                                      <p:to>
+                                        <p:strVal val="visible"/>
+                                      </p:to>
+                                    </p:set>
+                                  </p:childTnLst>
+                                </p:cTn>
+                              </p:par>
+                              <p:par>
+                                <p:cTn id="17" presetID="1" presetClass="entr" presetSubtype="0" fill="hold" grpId="0" nodeType="withEffect">
+                                  <p:stCondLst>
+                                    <p:cond delay="0"/>
+                                  </p:stCondLst>
+                                  <p:childTnLst>
+                                    <p:set>
+                                      <p:cBhvr>
+                                        <p:cTn id="18" dur="1" fill="hold">
+                                          <p:stCondLst>
+                                            <p:cond delay="0"/>
+                                          </p:stCondLst>
+                                        </p:cTn>
+                                        <p:tgtEl>
+                                          <p:spTgt spid="18"/>
+                                        </p:tgtEl>
+                                        <p:attrNameLst>
+                                          <p:attrName>style.visibility</p:attrName>
+                                        </p:attrNameLst>
+                                      </p:cBhvr>
+                                      <p:to>
+                                        <p:strVal val="visible"/>
+                                      </p:to>
+                                    </p:set>
+                                  </p:childTnLst>
+                                </p:cTn>
+                              </p:par>
+                            </p:childTnLst>
+                          </p:cTn>
+                        </p:par>
+                      </p:childTnLst>
+                    </p:cTn>
+                  </p:par>
+                  <p:par>
+                    <p:cTn id="19" fill="hold">
+                      <p:stCondLst>
+                        <p:cond delay="indefinite"/>
+                      </p:stCondLst>
+                      <p:childTnLst>
+                        <p:par>
+                          <p:cTn id="20" fill="hold">
+                            <p:stCondLst>
+                              <p:cond delay="0"/>
+                            </p:stCondLst>
+                            <p:childTnLst>
+                              <p:par>
+                                <p:cTn id="21" presetID="1" presetClass="entr" presetSubtype="0" fill="hold" nodeType="clickEffect">
+                                  <p:stCondLst>
+                                    <p:cond delay="0"/>
+                                  </p:stCondLst>
+                                  <p:childTnLst>
+                                    <p:set>
+                                      <p:cBhvr>
+                                        <p:cTn id="22" dur="1" fill="hold">
+                                          <p:stCondLst>
+                                            <p:cond delay="0"/>
+                                          </p:stCondLst>
+                                        </p:cTn>
+                                        <p:tgtEl>
+                                          <p:spTgt spid="3">
+                                            <p:txEl>
+                                              <p:pRg st="2" end="2"/>
+                                            </p:txEl>
+                                          </p:spTgt>
+                                        </p:tgtEl>
+                                        <p:attrNameLst>
+                                          <p:attrName>style.visibility</p:attrName>
+                                        </p:attrNameLst>
+                                      </p:cBhvr>
+                                      <p:to>
+                                        <p:strVal val="visible"/>
+                                      </p:to>
+                                    </p:set>
+                                  </p:childTnLst>
+                                </p:cTn>
+                              </p:par>
+                              <p:par>
+                                <p:cTn id="23" presetID="1" presetClass="entr" presetSubtype="0" fill="hold" grpId="0" nodeType="withEffect">
+                                  <p:stCondLst>
+                                    <p:cond delay="0"/>
+                                  </p:stCondLst>
+                                  <p:childTnLst>
+                                    <p:set>
+                                      <p:cBhvr>
+                                        <p:cTn id="24" dur="1" fill="hold">
+                                          <p:stCondLst>
+                                            <p:cond delay="0"/>
+                                          </p:stCondLst>
+                                        </p:cTn>
+                                        <p:tgtEl>
                                           <p:spTgt spid="6"/>
+                                        </p:tgtEl>
+                                        <p:attrNameLst>
+                                          <p:attrName>style.visibility</p:attrName>
+                                        </p:attrNameLst>
+                                      </p:cBhvr>
+                                      <p:to>
+                                        <p:strVal val="visible"/>
+                                      </p:to>
+                                    </p:set>
+                                  </p:childTnLst>
+                                </p:cTn>
+                              </p:par>
+                            </p:childTnLst>
+                          </p:cTn>
+                        </p:par>
+                      </p:childTnLst>
+                    </p:cTn>
+                  </p:par>
+                  <p:par>
+                    <p:cTn id="25" fill="hold">
+                      <p:stCondLst>
+                        <p:cond delay="indefinite"/>
+                      </p:stCondLst>
+                      <p:childTnLst>
+                        <p:par>
+                          <p:cTn id="26" fill="hold">
+                            <p:stCondLst>
+                              <p:cond delay="0"/>
+                            </p:stCondLst>
+                            <p:childTnLst>
+                              <p:par>
+                                <p:cTn id="27" presetID="1" presetClass="entr" presetSubtype="0" fill="hold" grpId="0" nodeType="clickEffect">
+                                  <p:stCondLst>
+                                    <p:cond delay="0"/>
+                                  </p:stCondLst>
+                                  <p:childTnLst>
+                                    <p:set>
+                                      <p:cBhvr>
+                                        <p:cTn id="28" dur="1" fill="hold">
+                                          <p:stCondLst>
+                                            <p:cond delay="0"/>
+                                          </p:stCondLst>
+                                        </p:cTn>
+                                        <p:tgtEl>
+                                          <p:spTgt spid="15"/>
                                         </p:tgtEl>
                                         <p:attrNameLst>
                                           <p:attrName>style.visibility</p:attrName>
@@ -14027,941 +17937,15 @@
     </p:tnLst>
     <p:bldLst>
       <p:bldP spid="6" grpId="0" animBg="1"/>
+      <p:bldP spid="11" grpId="0" animBg="1"/>
+      <p:bldP spid="12" grpId="0" animBg="1"/>
+      <p:bldP spid="13" grpId="0" animBg="1"/>
+      <p:bldP spid="17" grpId="0" animBg="1"/>
+      <p:bldP spid="18" grpId="0" animBg="1"/>
+      <p:bldP spid="19" grpId="0" animBg="1"/>
+      <p:bldP spid="15" grpId="0"/>
     </p:bldLst>
   </p:timing>
-</p:sld>
-</file>
-
-<file path=ppt/slides/slide8.xml><?xml version="1.0" encoding="utf-8"?>
-<p:sld xmlns:a="http://schemas.openxmlformats.org/drawingml/2006/main" xmlns:r="http://schemas.openxmlformats.org/officeDocument/2006/relationships" xmlns:p="http://schemas.openxmlformats.org/presentationml/2006/main">
-  <p:cSld>
-    <p:spTree>
-      <p:nvGrpSpPr>
-        <p:cNvPr id="1" name=""/>
-        <p:cNvGrpSpPr/>
-        <p:nvPr/>
-      </p:nvGrpSpPr>
-      <p:grpSpPr>
-        <a:xfrm>
-          <a:off x="0" y="0"/>
-          <a:ext cx="0" cy="0"/>
-          <a:chOff x="0" y="0"/>
-          <a:chExt cx="0" cy="0"/>
-        </a:xfrm>
-      </p:grpSpPr>
-      <p:sp>
-        <p:nvSpPr>
-          <p:cNvPr id="3" name="Content Placeholder 2"/>
-          <p:cNvSpPr>
-            <a:spLocks noGrp="1"/>
-          </p:cNvSpPr>
-          <p:nvPr>
-            <p:ph idx="1"/>
-          </p:nvPr>
-        </p:nvSpPr>
-        <p:spPr/>
-        <p:txBody>
-          <a:bodyPr/>
-          <a:lstStyle/>
-          <a:p>
-            <a:r>
-              <a:rPr lang="bg-BG" dirty="0"/>
-              <a:t>Напишете програма, в която да въведете радиус</a:t>
-            </a:r>
-            <a:r>
-              <a:rPr lang="en-US" dirty="0"/>
-              <a:t> </a:t>
-            </a:r>
-            <a:r>
-              <a:rPr lang="en-US" b="1" dirty="0">
-                <a:solidFill>
-                  <a:schemeClr val="tx2">
-                    <a:lumMod val="75000"/>
-                  </a:schemeClr>
-                </a:solidFill>
-                <a:latin typeface="Consolas" panose="020B0609020204030204" pitchFamily="49" charset="0"/>
-              </a:rPr>
-              <a:t>r</a:t>
-            </a:r>
-            <a:r>
-              <a:rPr lang="en-US" dirty="0"/>
-              <a:t> (</a:t>
-            </a:r>
-            <a:r>
-              <a:rPr lang="bg-BG" dirty="0"/>
-              <a:t>реално число</a:t>
-            </a:r>
-            <a:r>
-              <a:rPr lang="en-US" dirty="0"/>
-              <a:t>) </a:t>
-            </a:r>
-            <a:r>
-              <a:rPr lang="bg-BG" dirty="0"/>
-              <a:t>и изведете</a:t>
-            </a:r>
-            <a:r>
-              <a:rPr lang="en-US" dirty="0"/>
-              <a:t> </a:t>
-            </a:r>
-            <a:r>
-              <a:rPr lang="bg-BG" dirty="0">
-                <a:solidFill>
-                  <a:schemeClr val="tx2">
-                    <a:lumMod val="75000"/>
-                  </a:schemeClr>
-                </a:solidFill>
-              </a:rPr>
-              <a:t>лицето на кръга</a:t>
-            </a:r>
-            <a:r>
-              <a:rPr lang="en-US" dirty="0">
-                <a:solidFill>
-                  <a:schemeClr val="tx2">
-                    <a:lumMod val="75000"/>
-                  </a:schemeClr>
-                </a:solidFill>
-              </a:rPr>
-              <a:t> </a:t>
-            </a:r>
-            <a:r>
-              <a:rPr lang="bg-BG" dirty="0"/>
-              <a:t>с точност</a:t>
-            </a:r>
-            <a:r>
-              <a:rPr lang="en-US" dirty="0"/>
-              <a:t> </a:t>
-            </a:r>
-            <a:r>
-              <a:rPr lang="en-US" dirty="0">
-                <a:solidFill>
-                  <a:schemeClr val="tx2">
-                    <a:lumMod val="75000"/>
-                  </a:schemeClr>
-                </a:solidFill>
-              </a:rPr>
-              <a:t>12 </a:t>
-            </a:r>
-            <a:r>
-              <a:rPr lang="bg-BG" dirty="0">
-                <a:solidFill>
-                  <a:schemeClr val="tx2">
-                    <a:lumMod val="75000"/>
-                  </a:schemeClr>
-                </a:solidFill>
-              </a:rPr>
-              <a:t>знака</a:t>
-            </a:r>
-            <a:r>
-              <a:rPr lang="en-US" dirty="0">
-                <a:solidFill>
-                  <a:schemeClr val="tx2">
-                    <a:lumMod val="75000"/>
-                  </a:schemeClr>
-                </a:solidFill>
-              </a:rPr>
-              <a:t> </a:t>
-            </a:r>
-            <a:r>
-              <a:rPr lang="bg-BG" dirty="0"/>
-              <a:t>след запетаята</a:t>
-            </a:r>
-            <a:r>
-              <a:rPr lang="en-US" dirty="0"/>
-              <a:t>:</a:t>
-            </a:r>
-          </a:p>
-          <a:p>
-            <a:pPr marL="0" indent="0">
-              <a:buNone/>
-            </a:pPr>
-            <a:endParaRPr lang="en-US" dirty="0"/>
-          </a:p>
-          <a:p>
-            <a:pPr>
-              <a:spcBef>
-                <a:spcPts val="1800"/>
-              </a:spcBef>
-            </a:pPr>
-            <a:r>
-              <a:rPr lang="bg-BG" dirty="0"/>
-              <a:t>Примерно решение</a:t>
-            </a:r>
-            <a:r>
-              <a:rPr lang="en-US" dirty="0"/>
-              <a:t>:</a:t>
-            </a:r>
-            <a:endParaRPr lang="en-US" b="1" dirty="0">
-              <a:solidFill>
-                <a:schemeClr val="tx2">
-                  <a:lumMod val="75000"/>
-                </a:schemeClr>
-              </a:solidFill>
-              <a:latin typeface="Consolas" panose="020B0609020204030204" pitchFamily="49" charset="0"/>
-            </a:endParaRPr>
-          </a:p>
-        </p:txBody>
-      </p:sp>
-      <p:sp>
-        <p:nvSpPr>
-          <p:cNvPr id="4" name="Title 3"/>
-          <p:cNvSpPr>
-            <a:spLocks noGrp="1"/>
-          </p:cNvSpPr>
-          <p:nvPr>
-            <p:ph type="title"/>
-          </p:nvPr>
-        </p:nvSpPr>
-        <p:spPr/>
-        <p:txBody>
-          <a:bodyPr>
-            <a:normAutofit/>
-          </a:bodyPr>
-          <a:lstStyle/>
-          <a:p>
-            <a:r>
-              <a:rPr lang="bg-BG" dirty="0"/>
-              <a:t>Задача</a:t>
-            </a:r>
-            <a:r>
-              <a:rPr lang="en-US" dirty="0"/>
-              <a:t>: </a:t>
-            </a:r>
-            <a:r>
-              <a:rPr lang="bg-BG" dirty="0"/>
-              <a:t>Лице на кръг</a:t>
-            </a:r>
-            <a:r>
-              <a:rPr lang="en-US" dirty="0"/>
-              <a:t> (</a:t>
-            </a:r>
-            <a:r>
-              <a:rPr lang="bg-BG" dirty="0"/>
-              <a:t>с точност 12 знака</a:t>
-            </a:r>
-            <a:r>
-              <a:rPr lang="en-US" dirty="0"/>
-              <a:t>)</a:t>
-            </a:r>
-          </a:p>
-        </p:txBody>
-      </p:sp>
-      <p:sp>
-        <p:nvSpPr>
-          <p:cNvPr id="6" name="Rectangle 5"/>
-          <p:cNvSpPr>
-            <a:spLocks noChangeArrowheads="1"/>
-          </p:cNvSpPr>
-          <p:nvPr/>
-        </p:nvSpPr>
-        <p:spPr bwMode="auto">
-          <a:xfrm>
-            <a:off x="836612" y="4651300"/>
-            <a:ext cx="10439400" cy="1139900"/>
-          </a:xfrm>
-          <a:prstGeom prst="rect">
-            <a:avLst/>
-          </a:prstGeom>
-          <a:solidFill>
-            <a:schemeClr val="accent5">
-              <a:lumMod val="40000"/>
-              <a:lumOff val="60000"/>
-              <a:alpha val="20000"/>
-            </a:schemeClr>
-          </a:solidFill>
-          <a:ln w="12700">
-            <a:solidFill>
-              <a:schemeClr val="accent5">
-                <a:lumMod val="60000"/>
-                <a:lumOff val="40000"/>
-              </a:schemeClr>
-            </a:solidFill>
-          </a:ln>
-        </p:spPr>
-        <p:txBody>
-          <a:bodyPr wrap="square" lIns="180000" tIns="108000" rIns="180000" bIns="108000">
-            <a:spAutoFit/>
-          </a:bodyPr>
-          <a:lstStyle/>
-          <a:p>
-            <a:pPr eaLnBrk="0" hangingPunct="0">
-              <a:lnSpc>
-                <a:spcPct val="110000"/>
-              </a:lnSpc>
-              <a:buClr>
-                <a:schemeClr val="accent5">
-                  <a:lumMod val="40000"/>
-                  <a:lumOff val="60000"/>
-                </a:schemeClr>
-              </a:buClr>
-              <a:buSzPct val="70000"/>
-            </a:pPr>
-            <a:r>
-              <a:rPr lang="en-US" sz="2800" b="1" noProof="1">
-                <a:solidFill>
-                  <a:srgbClr val="FBEEDC"/>
-                </a:solidFill>
-                <a:effectLst>
-                  <a:outerShdw blurRad="38100" dist="38100" dir="2700000" algn="tl">
-                    <a:srgbClr val="000000">
-                      <a:alpha val="43137"/>
-                    </a:srgbClr>
-                  </a:outerShdw>
-                </a:effectLst>
-                <a:latin typeface="Consolas" pitchFamily="49" charset="0"/>
-                <a:cs typeface="Consolas" pitchFamily="49" charset="0"/>
-              </a:rPr>
-              <a:t>double r = double.Parse(Console.ReadLine());</a:t>
-            </a:r>
-          </a:p>
-          <a:p>
-            <a:pPr eaLnBrk="0" hangingPunct="0">
-              <a:lnSpc>
-                <a:spcPct val="110000"/>
-              </a:lnSpc>
-              <a:buClr>
-                <a:schemeClr val="accent5">
-                  <a:lumMod val="40000"/>
-                  <a:lumOff val="60000"/>
-                </a:schemeClr>
-              </a:buClr>
-              <a:buSzPct val="70000"/>
-            </a:pPr>
-            <a:r>
-              <a:rPr lang="en-US" sz="2800" b="1" noProof="1">
-                <a:solidFill>
-                  <a:srgbClr val="FBEEDC"/>
-                </a:solidFill>
-                <a:effectLst>
-                  <a:outerShdw blurRad="38100" dist="38100" dir="2700000" algn="tl">
-                    <a:srgbClr val="000000">
-                      <a:alpha val="43137"/>
-                    </a:srgbClr>
-                  </a:outerShdw>
-                </a:effectLst>
-                <a:latin typeface="Consolas" pitchFamily="49" charset="0"/>
-                <a:cs typeface="Consolas" pitchFamily="49" charset="0"/>
-              </a:rPr>
-              <a:t>Console.WriteLine("{0:f12}", Math.PI * r * r);</a:t>
-            </a:r>
-            <a:endParaRPr lang="bg-BG" sz="2800" b="1" noProof="1">
-              <a:solidFill>
-                <a:srgbClr val="FBEEDC"/>
-              </a:solidFill>
-              <a:effectLst>
-                <a:outerShdw blurRad="38100" dist="38100" dir="2700000" algn="tl">
-                  <a:srgbClr val="000000">
-                    <a:alpha val="43137"/>
-                  </a:srgbClr>
-                </a:outerShdw>
-              </a:effectLst>
-              <a:latin typeface="Consolas" pitchFamily="49" charset="0"/>
-              <a:cs typeface="Consolas" pitchFamily="49" charset="0"/>
-            </a:endParaRPr>
-          </a:p>
-        </p:txBody>
-      </p:sp>
-      <p:sp>
-        <p:nvSpPr>
-          <p:cNvPr id="11" name="Rectangle 10"/>
-          <p:cNvSpPr>
-            <a:spLocks noChangeArrowheads="1"/>
-          </p:cNvSpPr>
-          <p:nvPr/>
-        </p:nvSpPr>
-        <p:spPr bwMode="auto">
-          <a:xfrm>
-            <a:off x="698586" y="2971800"/>
-            <a:ext cx="990600" cy="692085"/>
-          </a:xfrm>
-          <a:prstGeom prst="rect">
-            <a:avLst/>
-          </a:prstGeom>
-          <a:solidFill>
-            <a:schemeClr val="accent5">
-              <a:lumMod val="40000"/>
-              <a:lumOff val="60000"/>
-              <a:alpha val="20000"/>
-            </a:schemeClr>
-          </a:solidFill>
-          <a:ln w="12700">
-            <a:solidFill>
-              <a:schemeClr val="accent5">
-                <a:lumMod val="60000"/>
-                <a:lumOff val="40000"/>
-              </a:schemeClr>
-            </a:solidFill>
-          </a:ln>
-        </p:spPr>
-        <p:txBody>
-          <a:bodyPr wrap="square" lIns="180000" tIns="108000" rIns="180000" bIns="108000">
-            <a:spAutoFit/>
-          </a:bodyPr>
-          <a:lstStyle/>
-          <a:p>
-            <a:pPr eaLnBrk="0" hangingPunct="0">
-              <a:lnSpc>
-                <a:spcPct val="110000"/>
-              </a:lnSpc>
-              <a:buClr>
-                <a:schemeClr val="accent5">
-                  <a:lumMod val="40000"/>
-                  <a:lumOff val="60000"/>
-                </a:schemeClr>
-              </a:buClr>
-              <a:buSzPct val="70000"/>
-            </a:pPr>
-            <a:r>
-              <a:rPr lang="en-US" sz="2800" b="1" noProof="1">
-                <a:solidFill>
-                  <a:srgbClr val="FBEEDC"/>
-                </a:solidFill>
-                <a:effectLst>
-                  <a:outerShdw blurRad="38100" dist="38100" dir="2700000" algn="tl">
-                    <a:srgbClr val="000000">
-                      <a:alpha val="43137"/>
-                    </a:srgbClr>
-                  </a:outerShdw>
-                </a:effectLst>
-                <a:latin typeface="Consolas" pitchFamily="49" charset="0"/>
-                <a:cs typeface="Consolas" pitchFamily="49" charset="0"/>
-              </a:rPr>
-              <a:t>2.5</a:t>
-            </a:r>
-          </a:p>
-        </p:txBody>
-      </p:sp>
-      <p:sp>
-        <p:nvSpPr>
-          <p:cNvPr id="12" name="Rectangle 11"/>
-          <p:cNvSpPr>
-            <a:spLocks noChangeArrowheads="1"/>
-          </p:cNvSpPr>
-          <p:nvPr/>
-        </p:nvSpPr>
-        <p:spPr bwMode="auto">
-          <a:xfrm>
-            <a:off x="2527386" y="2971800"/>
-            <a:ext cx="3319378" cy="692085"/>
-          </a:xfrm>
-          <a:prstGeom prst="rect">
-            <a:avLst/>
-          </a:prstGeom>
-          <a:solidFill>
-            <a:schemeClr val="accent5">
-              <a:lumMod val="40000"/>
-              <a:lumOff val="60000"/>
-              <a:alpha val="20000"/>
-            </a:schemeClr>
-          </a:solidFill>
-          <a:ln w="12700">
-            <a:solidFill>
-              <a:schemeClr val="accent5">
-                <a:lumMod val="60000"/>
-                <a:lumOff val="40000"/>
-              </a:schemeClr>
-            </a:solidFill>
-          </a:ln>
-        </p:spPr>
-        <p:txBody>
-          <a:bodyPr wrap="square" lIns="180000" tIns="108000" rIns="180000" bIns="108000">
-            <a:spAutoFit/>
-          </a:bodyPr>
-          <a:lstStyle/>
-          <a:p>
-            <a:pPr eaLnBrk="0" hangingPunct="0">
-              <a:lnSpc>
-                <a:spcPct val="110000"/>
-              </a:lnSpc>
-              <a:buClr>
-                <a:schemeClr val="accent5">
-                  <a:lumMod val="40000"/>
-                  <a:lumOff val="60000"/>
-                </a:schemeClr>
-              </a:buClr>
-              <a:buSzPct val="70000"/>
-            </a:pPr>
-            <a:r>
-              <a:rPr lang="en-US" sz="2800" b="1" noProof="1">
-                <a:solidFill>
-                  <a:srgbClr val="FBEEDC"/>
-                </a:solidFill>
-                <a:effectLst>
-                  <a:outerShdw blurRad="38100" dist="38100" dir="2700000" algn="tl">
-                    <a:srgbClr val="000000">
-                      <a:alpha val="43137"/>
-                    </a:srgbClr>
-                  </a:outerShdw>
-                </a:effectLst>
-                <a:latin typeface="Consolas" pitchFamily="49" charset="0"/>
-                <a:cs typeface="Consolas" pitchFamily="49" charset="0"/>
-              </a:rPr>
-              <a:t>19.634954084936</a:t>
-            </a:r>
-          </a:p>
-        </p:txBody>
-      </p:sp>
-      <p:sp>
-        <p:nvSpPr>
-          <p:cNvPr id="13" name="Right Arrow 12"/>
-          <p:cNvSpPr/>
-          <p:nvPr/>
-        </p:nvSpPr>
-        <p:spPr>
-          <a:xfrm>
-            <a:off x="1898738" y="3114262"/>
-            <a:ext cx="457200" cy="381000"/>
-          </a:xfrm>
-          <a:prstGeom prst="rightArrow">
-            <a:avLst/>
-          </a:prstGeom>
-        </p:spPr>
-        <p:style>
-          <a:lnRef idx="2">
-            <a:schemeClr val="accent1">
-              <a:shade val="50000"/>
-            </a:schemeClr>
-          </a:lnRef>
-          <a:fillRef idx="1">
-            <a:schemeClr val="accent1"/>
-          </a:fillRef>
-          <a:effectRef idx="0">
-            <a:schemeClr val="accent1"/>
-          </a:effectRef>
-          <a:fontRef idx="minor">
-            <a:schemeClr val="lt1"/>
-          </a:fontRef>
-        </p:style>
-        <p:txBody>
-          <a:bodyPr rtlCol="0" anchor="ctr"/>
-          <a:lstStyle/>
-          <a:p>
-            <a:pPr algn="ctr"/>
-            <a:endParaRPr lang="en-US" sz="2800"/>
-          </a:p>
-        </p:txBody>
-      </p:sp>
-      <p:sp>
-        <p:nvSpPr>
-          <p:cNvPr id="17" name="Rectangle 16"/>
-          <p:cNvSpPr>
-            <a:spLocks noChangeArrowheads="1"/>
-          </p:cNvSpPr>
-          <p:nvPr/>
-        </p:nvSpPr>
-        <p:spPr bwMode="auto">
-          <a:xfrm>
-            <a:off x="6532564" y="2971800"/>
-            <a:ext cx="990600" cy="692085"/>
-          </a:xfrm>
-          <a:prstGeom prst="rect">
-            <a:avLst/>
-          </a:prstGeom>
-          <a:solidFill>
-            <a:schemeClr val="accent5">
-              <a:lumMod val="40000"/>
-              <a:lumOff val="60000"/>
-              <a:alpha val="20000"/>
-            </a:schemeClr>
-          </a:solidFill>
-          <a:ln w="12700">
-            <a:solidFill>
-              <a:schemeClr val="accent5">
-                <a:lumMod val="60000"/>
-                <a:lumOff val="40000"/>
-              </a:schemeClr>
-            </a:solidFill>
-          </a:ln>
-        </p:spPr>
-        <p:txBody>
-          <a:bodyPr wrap="square" lIns="180000" tIns="108000" rIns="180000" bIns="108000">
-            <a:spAutoFit/>
-          </a:bodyPr>
-          <a:lstStyle/>
-          <a:p>
-            <a:pPr eaLnBrk="0" hangingPunct="0">
-              <a:lnSpc>
-                <a:spcPct val="110000"/>
-              </a:lnSpc>
-              <a:buClr>
-                <a:schemeClr val="accent5">
-                  <a:lumMod val="40000"/>
-                  <a:lumOff val="60000"/>
-                </a:schemeClr>
-              </a:buClr>
-              <a:buSzPct val="70000"/>
-            </a:pPr>
-            <a:r>
-              <a:rPr lang="en-US" sz="2800" b="1" noProof="1">
-                <a:solidFill>
-                  <a:srgbClr val="FBEEDC"/>
-                </a:solidFill>
-                <a:effectLst>
-                  <a:outerShdw blurRad="38100" dist="38100" dir="2700000" algn="tl">
-                    <a:srgbClr val="000000">
-                      <a:alpha val="43137"/>
-                    </a:srgbClr>
-                  </a:outerShdw>
-                </a:effectLst>
-                <a:latin typeface="Consolas" pitchFamily="49" charset="0"/>
-                <a:cs typeface="Consolas" pitchFamily="49" charset="0"/>
-              </a:rPr>
-              <a:t>1.2</a:t>
-            </a:r>
-          </a:p>
-        </p:txBody>
-      </p:sp>
-      <p:sp>
-        <p:nvSpPr>
-          <p:cNvPr id="18" name="Rectangle 17"/>
-          <p:cNvSpPr>
-            <a:spLocks noChangeArrowheads="1"/>
-          </p:cNvSpPr>
-          <p:nvPr/>
-        </p:nvSpPr>
-        <p:spPr bwMode="auto">
-          <a:xfrm>
-            <a:off x="8361364" y="2971800"/>
-            <a:ext cx="3124200" cy="692085"/>
-          </a:xfrm>
-          <a:prstGeom prst="rect">
-            <a:avLst/>
-          </a:prstGeom>
-          <a:solidFill>
-            <a:schemeClr val="accent5">
-              <a:lumMod val="40000"/>
-              <a:lumOff val="60000"/>
-              <a:alpha val="20000"/>
-            </a:schemeClr>
-          </a:solidFill>
-          <a:ln w="12700">
-            <a:solidFill>
-              <a:schemeClr val="accent5">
-                <a:lumMod val="60000"/>
-                <a:lumOff val="40000"/>
-              </a:schemeClr>
-            </a:solidFill>
-          </a:ln>
-        </p:spPr>
-        <p:txBody>
-          <a:bodyPr wrap="square" lIns="180000" tIns="108000" rIns="180000" bIns="108000">
-            <a:spAutoFit/>
-          </a:bodyPr>
-          <a:lstStyle/>
-          <a:p>
-            <a:pPr eaLnBrk="0" hangingPunct="0">
-              <a:lnSpc>
-                <a:spcPct val="110000"/>
-              </a:lnSpc>
-              <a:buClr>
-                <a:schemeClr val="accent5">
-                  <a:lumMod val="40000"/>
-                  <a:lumOff val="60000"/>
-                </a:schemeClr>
-              </a:buClr>
-              <a:buSzPct val="70000"/>
-            </a:pPr>
-            <a:r>
-              <a:rPr lang="en-US" sz="2800" b="1" noProof="1">
-                <a:solidFill>
-                  <a:srgbClr val="FBEEDC"/>
-                </a:solidFill>
-                <a:effectLst>
-                  <a:outerShdw blurRad="38100" dist="38100" dir="2700000" algn="tl">
-                    <a:srgbClr val="000000">
-                      <a:alpha val="43137"/>
-                    </a:srgbClr>
-                  </a:outerShdw>
-                </a:effectLst>
-                <a:latin typeface="Consolas" pitchFamily="49" charset="0"/>
-                <a:cs typeface="Consolas" pitchFamily="49" charset="0"/>
-              </a:rPr>
-              <a:t>4.523893421169</a:t>
-            </a:r>
-          </a:p>
-        </p:txBody>
-      </p:sp>
-      <p:sp>
-        <p:nvSpPr>
-          <p:cNvPr id="19" name="Right Arrow 18"/>
-          <p:cNvSpPr/>
-          <p:nvPr/>
-        </p:nvSpPr>
-        <p:spPr>
-          <a:xfrm>
-            <a:off x="7732716" y="3114262"/>
-            <a:ext cx="457200" cy="381000"/>
-          </a:xfrm>
-          <a:prstGeom prst="rightArrow">
-            <a:avLst/>
-          </a:prstGeom>
-        </p:spPr>
-        <p:style>
-          <a:lnRef idx="2">
-            <a:schemeClr val="accent1">
-              <a:shade val="50000"/>
-            </a:schemeClr>
-          </a:lnRef>
-          <a:fillRef idx="1">
-            <a:schemeClr val="accent1"/>
-          </a:fillRef>
-          <a:effectRef idx="0">
-            <a:schemeClr val="accent1"/>
-          </a:effectRef>
-          <a:fontRef idx="minor">
-            <a:schemeClr val="lt1"/>
-          </a:fontRef>
-        </p:style>
-        <p:txBody>
-          <a:bodyPr rtlCol="0" anchor="ctr"/>
-          <a:lstStyle/>
-          <a:p>
-            <a:pPr algn="ctr"/>
-            <a:endParaRPr lang="en-US" sz="2800"/>
-          </a:p>
-        </p:txBody>
-      </p:sp>
-      <p:sp>
-        <p:nvSpPr>
-          <p:cNvPr id="14" name="Slide Number Placeholder">
-            <a:extLst>
-              <a:ext uri="{FF2B5EF4-FFF2-40B4-BE49-F238E27FC236}">
-                <a16:creationId xmlns:a16="http://schemas.microsoft.com/office/drawing/2014/main" id="{2AB03286-4D36-4F1D-9B23-8278E82316A3}"/>
-              </a:ext>
-            </a:extLst>
-          </p:cNvPr>
-          <p:cNvSpPr>
-            <a:spLocks noGrp="1"/>
-          </p:cNvSpPr>
-          <p:nvPr>
-            <p:ph type="sldNum" sz="quarter" idx="4"/>
-          </p:nvPr>
-        </p:nvSpPr>
-        <p:spPr>
-          <a:xfrm>
-            <a:off x="11566412" y="6525002"/>
-            <a:ext cx="428822" cy="196477"/>
-          </a:xfrm>
-          <a:prstGeom prst="rect">
-            <a:avLst/>
-          </a:prstGeom>
-        </p:spPr>
-        <p:txBody>
-          <a:bodyPr vert="horz" lIns="36000" tIns="36000" rIns="36000" bIns="36000" rtlCol="0" anchor="ctr"/>
-          <a:lstStyle>
-            <a:lvl1pPr algn="r">
-              <a:defRPr sz="1000">
-                <a:solidFill>
-                  <a:schemeClr val="tx1">
-                    <a:tint val="75000"/>
-                  </a:schemeClr>
-                </a:solidFill>
-              </a:defRPr>
-            </a:lvl1pPr>
-          </a:lstStyle>
-          <a:p>
-            <a:fld id="{C014DD1E-5D91-48A3-AD6D-45FBA980D106}" type="slidenum">
-              <a:rPr lang="en-US" smtClean="0">
-                <a:solidFill>
-                  <a:prstClr val="white">
-                    <a:tint val="75000"/>
-                  </a:prstClr>
-                </a:solidFill>
-              </a:rPr>
-              <a:pPr/>
-              <a:t>8</a:t>
-            </a:fld>
-            <a:endParaRPr lang="en-US" dirty="0">
-              <a:solidFill>
-                <a:prstClr val="white">
-                  <a:tint val="75000"/>
-                </a:prstClr>
-              </a:solidFill>
-            </a:endParaRPr>
-          </a:p>
-        </p:txBody>
-      </p:sp>
-      <p:sp>
-        <p:nvSpPr>
-          <p:cNvPr id="15" name="Текстово поле 8">
-            <a:extLst>
-              <a:ext uri="{FF2B5EF4-FFF2-40B4-BE49-F238E27FC236}">
-                <a16:creationId xmlns:a16="http://schemas.microsoft.com/office/drawing/2014/main" id="{B775C725-2D35-46A8-AC07-A0FDF9684789}"/>
-              </a:ext>
-            </a:extLst>
-          </p:cNvPr>
-          <p:cNvSpPr txBox="1"/>
-          <p:nvPr/>
-        </p:nvSpPr>
-        <p:spPr>
-          <a:xfrm>
-            <a:off x="646112" y="6172200"/>
-            <a:ext cx="10820400" cy="470000"/>
-          </a:xfrm>
-          <a:prstGeom prst="rect">
-            <a:avLst/>
-          </a:prstGeom>
-          <a:noFill/>
-        </p:spPr>
-        <p:txBody>
-          <a:bodyPr wrap="square">
-            <a:spAutoFit/>
-          </a:bodyPr>
-          <a:lstStyle>
-            <a:defPPr>
-              <a:defRPr lang="en-US"/>
-            </a:defPPr>
-            <a:lvl1pPr marL="0" algn="l" defTabSz="1218987" rtl="0" eaLnBrk="1" latinLnBrk="0" hangingPunct="1">
-              <a:defRPr sz="2400" kern="1200">
-                <a:solidFill>
-                  <a:schemeClr val="tx1"/>
-                </a:solidFill>
-                <a:latin typeface="+mn-lt"/>
-                <a:ea typeface="+mn-ea"/>
-                <a:cs typeface="+mn-cs"/>
-              </a:defRPr>
-            </a:lvl1pPr>
-            <a:lvl2pPr marL="609493" algn="l" defTabSz="1218987" rtl="0" eaLnBrk="1" latinLnBrk="0" hangingPunct="1">
-              <a:defRPr sz="2400" kern="1200">
-                <a:solidFill>
-                  <a:schemeClr val="tx1"/>
-                </a:solidFill>
-                <a:latin typeface="+mn-lt"/>
-                <a:ea typeface="+mn-ea"/>
-                <a:cs typeface="+mn-cs"/>
-              </a:defRPr>
-            </a:lvl2pPr>
-            <a:lvl3pPr marL="1218987" algn="l" defTabSz="1218987" rtl="0" eaLnBrk="1" latinLnBrk="0" hangingPunct="1">
-              <a:defRPr sz="2400" kern="1200">
-                <a:solidFill>
-                  <a:schemeClr val="tx1"/>
-                </a:solidFill>
-                <a:latin typeface="+mn-lt"/>
-                <a:ea typeface="+mn-ea"/>
-                <a:cs typeface="+mn-cs"/>
-              </a:defRPr>
-            </a:lvl3pPr>
-            <a:lvl4pPr marL="1828480" algn="l" defTabSz="1218987" rtl="0" eaLnBrk="1" latinLnBrk="0" hangingPunct="1">
-              <a:defRPr sz="2400" kern="1200">
-                <a:solidFill>
-                  <a:schemeClr val="tx1"/>
-                </a:solidFill>
-                <a:latin typeface="+mn-lt"/>
-                <a:ea typeface="+mn-ea"/>
-                <a:cs typeface="+mn-cs"/>
-              </a:defRPr>
-            </a:lvl4pPr>
-            <a:lvl5pPr marL="2437973" algn="l" defTabSz="1218987" rtl="0" eaLnBrk="1" latinLnBrk="0" hangingPunct="1">
-              <a:defRPr sz="2400" kern="1200">
-                <a:solidFill>
-                  <a:schemeClr val="tx1"/>
-                </a:solidFill>
-                <a:latin typeface="+mn-lt"/>
-                <a:ea typeface="+mn-ea"/>
-                <a:cs typeface="+mn-cs"/>
-              </a:defRPr>
-            </a:lvl5pPr>
-            <a:lvl6pPr marL="3047467" algn="l" defTabSz="1218987" rtl="0" eaLnBrk="1" latinLnBrk="0" hangingPunct="1">
-              <a:defRPr sz="2400" kern="1200">
-                <a:solidFill>
-                  <a:schemeClr val="tx1"/>
-                </a:solidFill>
-                <a:latin typeface="+mn-lt"/>
-                <a:ea typeface="+mn-ea"/>
-                <a:cs typeface="+mn-cs"/>
-              </a:defRPr>
-            </a:lvl6pPr>
-            <a:lvl7pPr marL="3656960" algn="l" defTabSz="1218987" rtl="0" eaLnBrk="1" latinLnBrk="0" hangingPunct="1">
-              <a:defRPr sz="2400" kern="1200">
-                <a:solidFill>
-                  <a:schemeClr val="tx1"/>
-                </a:solidFill>
-                <a:latin typeface="+mn-lt"/>
-                <a:ea typeface="+mn-ea"/>
-                <a:cs typeface="+mn-cs"/>
-              </a:defRPr>
-            </a:lvl7pPr>
-            <a:lvl8pPr marL="4266453" algn="l" defTabSz="1218987" rtl="0" eaLnBrk="1" latinLnBrk="0" hangingPunct="1">
-              <a:defRPr sz="2400" kern="1200">
-                <a:solidFill>
-                  <a:schemeClr val="tx1"/>
-                </a:solidFill>
-                <a:latin typeface="+mn-lt"/>
-                <a:ea typeface="+mn-ea"/>
-                <a:cs typeface="+mn-cs"/>
-              </a:defRPr>
-            </a:lvl8pPr>
-            <a:lvl9pPr marL="4875947" algn="l" defTabSz="1218987" rtl="0" eaLnBrk="1" latinLnBrk="0" hangingPunct="1">
-              <a:defRPr sz="2400" kern="1200">
-                <a:solidFill>
-                  <a:schemeClr val="tx1"/>
-                </a:solidFill>
-                <a:latin typeface="+mn-lt"/>
-                <a:ea typeface="+mn-ea"/>
-                <a:cs typeface="+mn-cs"/>
-              </a:defRPr>
-            </a:lvl9pPr>
-          </a:lstStyle>
-          <a:p>
-            <a:pPr marL="0" marR="0" algn="ctr">
-              <a:lnSpc>
-                <a:spcPct val="107000"/>
-              </a:lnSpc>
-              <a:spcBef>
-                <a:spcPts val="0"/>
-              </a:spcBef>
-              <a:spcAft>
-                <a:spcPts val="0"/>
-              </a:spcAft>
-            </a:pPr>
-            <a:r>
-              <a:rPr lang="bg-BG" sz="2400" dirty="0">
-                <a:effectLst/>
-                <a:latin typeface="Calibri" panose="020F0502020204030204" pitchFamily="34" charset="0"/>
-                <a:ea typeface="Calibri" panose="020F0502020204030204" pitchFamily="34" charset="0"/>
-                <a:cs typeface="Times New Roman" panose="02020603050405020304" pitchFamily="18" charset="0"/>
-              </a:rPr>
-              <a:t>Тествайте в </a:t>
-            </a:r>
-            <a:r>
-              <a:rPr lang="en-US" sz="2400" dirty="0">
-                <a:effectLst/>
-                <a:latin typeface="Calibri" panose="020F0502020204030204" pitchFamily="34" charset="0"/>
-                <a:ea typeface="Calibri" panose="020F0502020204030204" pitchFamily="34" charset="0"/>
-                <a:cs typeface="Times New Roman" panose="02020603050405020304" pitchFamily="18" charset="0"/>
-              </a:rPr>
-              <a:t>Judge: </a:t>
-            </a:r>
-            <a:r>
-              <a:rPr lang="en-US" u="sng" dirty="0">
-                <a:solidFill>
-                  <a:srgbClr val="0563C1"/>
-                </a:solidFill>
-                <a:latin typeface="Calibri" panose="020F0502020204030204" pitchFamily="34" charset="0"/>
-                <a:ea typeface="Calibri" panose="020F0502020204030204" pitchFamily="34" charset="0"/>
-                <a:cs typeface="Times New Roman" panose="02020603050405020304" pitchFamily="18" charset="0"/>
-                <a:hlinkClick r:id="rId2"/>
-              </a:rPr>
-              <a:t>https://judge.softuni.bg/Contests/2648</a:t>
-            </a:r>
-            <a:endParaRPr lang="en-US" sz="2400" dirty="0">
-              <a:effectLst/>
-              <a:latin typeface="Calibri" panose="020F0502020204030204" pitchFamily="34" charset="0"/>
-              <a:ea typeface="Calibri" panose="020F0502020204030204" pitchFamily="34" charset="0"/>
-              <a:cs typeface="Times New Roman" panose="02020603050405020304" pitchFamily="18" charset="0"/>
-            </a:endParaRPr>
-          </a:p>
-        </p:txBody>
-      </p:sp>
-    </p:spTree>
-    <p:extLst>
-      <p:ext uri="{BB962C8B-B14F-4D97-AF65-F5344CB8AC3E}">
-        <p14:creationId xmlns:p14="http://schemas.microsoft.com/office/powerpoint/2010/main" val="342907714"/>
-      </p:ext>
-    </p:extLst>
-  </p:cSld>
-  <p:clrMapOvr>
-    <a:masterClrMapping/>
-  </p:clrMapOvr>
 </p:sld>
 </file>
 
@@ -15486,6 +18470,84 @@
   <p:clrMapOvr>
     <a:masterClrMapping/>
   </p:clrMapOvr>
+  <p:timing>
+    <p:tnLst>
+      <p:par>
+        <p:cTn id="1" dur="indefinite" restart="never" nodeType="tmRoot">
+          <p:childTnLst>
+            <p:seq concurrent="1" nextAc="seek">
+              <p:cTn id="2" dur="indefinite" nodeType="mainSeq">
+                <p:childTnLst>
+                  <p:par>
+                    <p:cTn id="3" fill="hold">
+                      <p:stCondLst>
+                        <p:cond delay="indefinite"/>
+                      </p:stCondLst>
+                      <p:childTnLst>
+                        <p:par>
+                          <p:cTn id="4" fill="hold">
+                            <p:stCondLst>
+                              <p:cond delay="0"/>
+                            </p:stCondLst>
+                            <p:childTnLst>
+                              <p:par>
+                                <p:cTn id="5" presetID="1" presetClass="entr" presetSubtype="0" fill="hold" grpId="0" nodeType="clickEffect">
+                                  <p:stCondLst>
+                                    <p:cond delay="0"/>
+                                  </p:stCondLst>
+                                  <p:childTnLst>
+                                    <p:set>
+                                      <p:cBhvr>
+                                        <p:cTn id="6" dur="1" fill="hold">
+                                          <p:stCondLst>
+                                            <p:cond delay="0"/>
+                                          </p:stCondLst>
+                                        </p:cTn>
+                                        <p:tgtEl>
+                                          <p:spTgt spid="5"/>
+                                        </p:tgtEl>
+                                        <p:attrNameLst>
+                                          <p:attrName>style.visibility</p:attrName>
+                                        </p:attrNameLst>
+                                      </p:cBhvr>
+                                      <p:to>
+                                        <p:strVal val="visible"/>
+                                      </p:to>
+                                    </p:set>
+                                  </p:childTnLst>
+                                </p:cTn>
+                              </p:par>
+                            </p:childTnLst>
+                          </p:cTn>
+                        </p:par>
+                      </p:childTnLst>
+                    </p:cTn>
+                  </p:par>
+                </p:childTnLst>
+              </p:cTn>
+              <p:prevCondLst>
+                <p:cond evt="onPrev" delay="0">
+                  <p:tgtEl>
+                    <p:sldTgt/>
+                  </p:tgtEl>
+                </p:cond>
+              </p:prevCondLst>
+              <p:nextCondLst>
+                <p:cond evt="onNext" delay="0">
+                  <p:tgtEl>
+                    <p:sldTgt/>
+                  </p:tgtEl>
+                </p:cond>
+              </p:nextCondLst>
+            </p:seq>
+          </p:childTnLst>
+        </p:cTn>
+      </p:par>
+    </p:tnLst>
+    <p:bldLst>
+      <p:bldP spid="5" grpId="0" animBg="1"/>
+    </p:bldLst>
+  </p:timing>
 </p:sld>
 </file>
 
